--- a/IDPA/Did You Practice for This.pptx
+++ b/IDPA/Did You Practice for This.pptx
@@ -336,7 +336,7 @@
               <a:pPr>
                 <a:defRPr/>
               </a:pPr>
-              <a:t>13.09.2018</a:t>
+              <a:t>23.12.2018</a:t>
             </a:fld>
             <a:endParaRPr lang="en-US"/>
           </a:p>
@@ -4312,7 +4312,7 @@
           <p:nvPr>
             <p:extLst>
               <p:ext uri="{D42A27DB-BD31-4B8C-83A1-F6EECF244321}">
-                <p14:modId xmlns:p14="http://schemas.microsoft.com/office/powerpoint/2010/main" val="135770611"/>
+                <p14:modId xmlns:p14="http://schemas.microsoft.com/office/powerpoint/2010/main" val="572105271"/>
               </p:ext>
             </p:extLst>
           </p:nvPr>
@@ -5118,7 +5118,7 @@
                           <a:ea typeface="ＭＳ Ｐゴシック" pitchFamily="-112" charset="-128"/>
                           <a:cs typeface="Times New Roman" pitchFamily="-112" charset="0"/>
                         </a:rPr>
-                        <a:t>TARGETS:	         4 IDPA, 1 Plate rack</a:t>
+                        <a:t>TARGETS:	         4 IDPA, 4-Plate rack</a:t>
                       </a:r>
                     </a:p>
                     <a:p>
@@ -7046,1266 +7046,947 @@
           </p:txBody>
         </p:sp>
       </p:grpSp>
-      <p:grpSp>
-        <p:nvGrpSpPr>
-          <p:cNvPr id="2" name="Group 1">
+      <p:sp>
+        <p:nvSpPr>
+          <p:cNvPr id="46" name="Rectangle 126">
             <a:extLst>
               <a:ext uri="{FF2B5EF4-FFF2-40B4-BE49-F238E27FC236}">
-                <a16:creationId xmlns:a16="http://schemas.microsoft.com/office/drawing/2014/main" id="{5EAB7B97-4263-4695-9AC2-7E72DAE911F8}"/>
+                <a16:creationId xmlns:a16="http://schemas.microsoft.com/office/drawing/2014/main" id="{838BA571-16FF-4696-8B48-2252C0EB7788}"/>
               </a:ext>
             </a:extLst>
           </p:cNvPr>
-          <p:cNvGrpSpPr/>
+          <p:cNvSpPr>
+            <a:spLocks noChangeArrowheads="1"/>
+          </p:cNvSpPr>
           <p:nvPr/>
-        </p:nvGrpSpPr>
-        <p:grpSpPr>
+        </p:nvSpPr>
+        <p:spPr bwMode="auto">
           <a:xfrm>
-            <a:off x="2972899" y="5373481"/>
-            <a:ext cx="1619250" cy="657485"/>
-            <a:chOff x="3048000" y="7623740"/>
-            <a:chExt cx="1619250" cy="657485"/>
+            <a:off x="2972899" y="5613454"/>
+            <a:ext cx="1614488" cy="98425"/>
           </a:xfrm>
-        </p:grpSpPr>
-        <p:sp>
-          <p:nvSpPr>
-            <p:cNvPr id="46" name="Rectangle 126">
-              <a:extLst>
-                <a:ext uri="{FF2B5EF4-FFF2-40B4-BE49-F238E27FC236}">
-                  <a16:creationId xmlns:a16="http://schemas.microsoft.com/office/drawing/2014/main" id="{838BA571-16FF-4696-8B48-2252C0EB7788}"/>
-                </a:ext>
-              </a:extLst>
-            </p:cNvPr>
-            <p:cNvSpPr>
-              <a:spLocks noChangeArrowheads="1"/>
-            </p:cNvSpPr>
-            <p:nvPr/>
-          </p:nvSpPr>
-          <p:spPr bwMode="auto">
-            <a:xfrm>
-              <a:off x="3048000" y="7863713"/>
-              <a:ext cx="1614488" cy="98425"/>
-            </a:xfrm>
-            <a:prstGeom prst="rect">
-              <a:avLst/>
-            </a:prstGeom>
+          <a:prstGeom prst="rect">
+            <a:avLst/>
+          </a:prstGeom>
+          <a:solidFill>
+            <a:srgbClr val="000000"/>
+          </a:solidFill>
+          <a:ln w="15875">
             <a:solidFill>
               <a:srgbClr val="000000"/>
             </a:solidFill>
-            <a:ln w="15875">
-              <a:solidFill>
-                <a:srgbClr val="000000"/>
-              </a:solidFill>
-              <a:miter lim="800000"/>
-              <a:headEnd/>
-              <a:tailEnd/>
-            </a:ln>
-          </p:spPr>
-          <p:txBody>
-            <a:bodyPr/>
-            <a:lstStyle>
-              <a:lvl1pPr eaLnBrk="0" hangingPunct="0">
-                <a:defRPr>
-                  <a:solidFill>
-                    <a:schemeClr val="tx1"/>
-                  </a:solidFill>
-                  <a:latin typeface="Arial" panose="020B0604020202020204" pitchFamily="34" charset="0"/>
-                  <a:ea typeface="ＭＳ Ｐゴシック" panose="020B0600070205080204" pitchFamily="34" charset="-128"/>
-                </a:defRPr>
-              </a:lvl1pPr>
-              <a:lvl2pPr marL="742950" indent="-285750" eaLnBrk="0" hangingPunct="0">
-                <a:defRPr>
-                  <a:solidFill>
-                    <a:schemeClr val="tx1"/>
-                  </a:solidFill>
-                  <a:latin typeface="Arial" panose="020B0604020202020204" pitchFamily="34" charset="0"/>
-                  <a:ea typeface="ＭＳ Ｐゴシック" panose="020B0600070205080204" pitchFamily="34" charset="-128"/>
-                </a:defRPr>
-              </a:lvl2pPr>
-              <a:lvl3pPr marL="1143000" indent="-228600" eaLnBrk="0" hangingPunct="0">
-                <a:defRPr>
-                  <a:solidFill>
-                    <a:schemeClr val="tx1"/>
-                  </a:solidFill>
-                  <a:latin typeface="Arial" panose="020B0604020202020204" pitchFamily="34" charset="0"/>
-                  <a:ea typeface="ＭＳ Ｐゴシック" panose="020B0600070205080204" pitchFamily="34" charset="-128"/>
-                </a:defRPr>
-              </a:lvl3pPr>
-              <a:lvl4pPr marL="1600200" indent="-228600" eaLnBrk="0" hangingPunct="0">
-                <a:defRPr>
-                  <a:solidFill>
-                    <a:schemeClr val="tx1"/>
-                  </a:solidFill>
-                  <a:latin typeface="Arial" panose="020B0604020202020204" pitchFamily="34" charset="0"/>
-                  <a:ea typeface="ＭＳ Ｐゴシック" panose="020B0600070205080204" pitchFamily="34" charset="-128"/>
-                </a:defRPr>
-              </a:lvl4pPr>
-              <a:lvl5pPr marL="2057400" indent="-228600" eaLnBrk="0" hangingPunct="0">
-                <a:defRPr>
-                  <a:solidFill>
-                    <a:schemeClr val="tx1"/>
-                  </a:solidFill>
-                  <a:latin typeface="Arial" panose="020B0604020202020204" pitchFamily="34" charset="0"/>
-                  <a:ea typeface="ＭＳ Ｐゴシック" panose="020B0600070205080204" pitchFamily="34" charset="-128"/>
-                </a:defRPr>
-              </a:lvl5pPr>
-              <a:lvl6pPr marL="2514600" indent="-228600" eaLnBrk="0" fontAlgn="base" hangingPunct="0">
-                <a:spcBef>
-                  <a:spcPct val="0"/>
-                </a:spcBef>
-                <a:spcAft>
-                  <a:spcPct val="0"/>
-                </a:spcAft>
-                <a:defRPr>
-                  <a:solidFill>
-                    <a:schemeClr val="tx1"/>
-                  </a:solidFill>
-                  <a:latin typeface="Arial" panose="020B0604020202020204" pitchFamily="34" charset="0"/>
-                  <a:ea typeface="ＭＳ Ｐゴシック" panose="020B0600070205080204" pitchFamily="34" charset="-128"/>
-                </a:defRPr>
-              </a:lvl6pPr>
-              <a:lvl7pPr marL="2971800" indent="-228600" eaLnBrk="0" fontAlgn="base" hangingPunct="0">
-                <a:spcBef>
-                  <a:spcPct val="0"/>
-                </a:spcBef>
-                <a:spcAft>
-                  <a:spcPct val="0"/>
-                </a:spcAft>
-                <a:defRPr>
-                  <a:solidFill>
-                    <a:schemeClr val="tx1"/>
-                  </a:solidFill>
-                  <a:latin typeface="Arial" panose="020B0604020202020204" pitchFamily="34" charset="0"/>
-                  <a:ea typeface="ＭＳ Ｐゴシック" panose="020B0600070205080204" pitchFamily="34" charset="-128"/>
-                </a:defRPr>
-              </a:lvl7pPr>
-              <a:lvl8pPr marL="3429000" indent="-228600" eaLnBrk="0" fontAlgn="base" hangingPunct="0">
-                <a:spcBef>
-                  <a:spcPct val="0"/>
-                </a:spcBef>
-                <a:spcAft>
-                  <a:spcPct val="0"/>
-                </a:spcAft>
-                <a:defRPr>
-                  <a:solidFill>
-                    <a:schemeClr val="tx1"/>
-                  </a:solidFill>
-                  <a:latin typeface="Arial" panose="020B0604020202020204" pitchFamily="34" charset="0"/>
-                  <a:ea typeface="ＭＳ Ｐゴシック" panose="020B0600070205080204" pitchFamily="34" charset="-128"/>
-                </a:defRPr>
-              </a:lvl8pPr>
-              <a:lvl9pPr marL="3886200" indent="-228600" eaLnBrk="0" fontAlgn="base" hangingPunct="0">
-                <a:spcBef>
-                  <a:spcPct val="0"/>
-                </a:spcBef>
-                <a:spcAft>
-                  <a:spcPct val="0"/>
-                </a:spcAft>
-                <a:defRPr>
-                  <a:solidFill>
-                    <a:schemeClr val="tx1"/>
-                  </a:solidFill>
-                  <a:latin typeface="Arial" panose="020B0604020202020204" pitchFamily="34" charset="0"/>
-                  <a:ea typeface="ＭＳ Ｐゴシック" panose="020B0600070205080204" pitchFamily="34" charset="-128"/>
-                </a:defRPr>
-              </a:lvl9pPr>
-            </a:lstStyle>
-            <a:p>
-              <a:pPr eaLnBrk="1" hangingPunct="1"/>
-              <a:endParaRPr lang="en-US" altLang="en-US"/>
-            </a:p>
-          </p:txBody>
-        </p:sp>
-        <p:sp>
-          <p:nvSpPr>
-            <p:cNvPr id="47" name="Rectangle 127">
-              <a:extLst>
-                <a:ext uri="{FF2B5EF4-FFF2-40B4-BE49-F238E27FC236}">
-                  <a16:creationId xmlns:a16="http://schemas.microsoft.com/office/drawing/2014/main" id="{1954AE45-A7C0-45DD-84FF-8D54699BCB10}"/>
-                </a:ext>
-              </a:extLst>
-            </p:cNvPr>
-            <p:cNvSpPr>
-              <a:spLocks noChangeArrowheads="1"/>
-            </p:cNvSpPr>
-            <p:nvPr/>
-          </p:nvSpPr>
-          <p:spPr bwMode="auto">
-            <a:xfrm>
-              <a:off x="3071813" y="7962138"/>
-              <a:ext cx="3175" cy="319087"/>
-            </a:xfrm>
-            <a:prstGeom prst="rect">
-              <a:avLst/>
-            </a:prstGeom>
+            <a:miter lim="800000"/>
+            <a:headEnd/>
+            <a:tailEnd/>
+          </a:ln>
+        </p:spPr>
+        <p:txBody>
+          <a:bodyPr/>
+          <a:lstStyle>
+            <a:lvl1pPr eaLnBrk="0" hangingPunct="0">
+              <a:defRPr>
+                <a:solidFill>
+                  <a:schemeClr val="tx1"/>
+                </a:solidFill>
+                <a:latin typeface="Arial" panose="020B0604020202020204" pitchFamily="34" charset="0"/>
+                <a:ea typeface="ＭＳ Ｐゴシック" panose="020B0600070205080204" pitchFamily="34" charset="-128"/>
+              </a:defRPr>
+            </a:lvl1pPr>
+            <a:lvl2pPr marL="742950" indent="-285750" eaLnBrk="0" hangingPunct="0">
+              <a:defRPr>
+                <a:solidFill>
+                  <a:schemeClr val="tx1"/>
+                </a:solidFill>
+                <a:latin typeface="Arial" panose="020B0604020202020204" pitchFamily="34" charset="0"/>
+                <a:ea typeface="ＭＳ Ｐゴシック" panose="020B0600070205080204" pitchFamily="34" charset="-128"/>
+              </a:defRPr>
+            </a:lvl2pPr>
+            <a:lvl3pPr marL="1143000" indent="-228600" eaLnBrk="0" hangingPunct="0">
+              <a:defRPr>
+                <a:solidFill>
+                  <a:schemeClr val="tx1"/>
+                </a:solidFill>
+                <a:latin typeface="Arial" panose="020B0604020202020204" pitchFamily="34" charset="0"/>
+                <a:ea typeface="ＭＳ Ｐゴシック" panose="020B0600070205080204" pitchFamily="34" charset="-128"/>
+              </a:defRPr>
+            </a:lvl3pPr>
+            <a:lvl4pPr marL="1600200" indent="-228600" eaLnBrk="0" hangingPunct="0">
+              <a:defRPr>
+                <a:solidFill>
+                  <a:schemeClr val="tx1"/>
+                </a:solidFill>
+                <a:latin typeface="Arial" panose="020B0604020202020204" pitchFamily="34" charset="0"/>
+                <a:ea typeface="ＭＳ Ｐゴシック" panose="020B0600070205080204" pitchFamily="34" charset="-128"/>
+              </a:defRPr>
+            </a:lvl4pPr>
+            <a:lvl5pPr marL="2057400" indent="-228600" eaLnBrk="0" hangingPunct="0">
+              <a:defRPr>
+                <a:solidFill>
+                  <a:schemeClr val="tx1"/>
+                </a:solidFill>
+                <a:latin typeface="Arial" panose="020B0604020202020204" pitchFamily="34" charset="0"/>
+                <a:ea typeface="ＭＳ Ｐゴシック" panose="020B0600070205080204" pitchFamily="34" charset="-128"/>
+              </a:defRPr>
+            </a:lvl5pPr>
+            <a:lvl6pPr marL="2514600" indent="-228600" eaLnBrk="0" fontAlgn="base" hangingPunct="0">
+              <a:spcBef>
+                <a:spcPct val="0"/>
+              </a:spcBef>
+              <a:spcAft>
+                <a:spcPct val="0"/>
+              </a:spcAft>
+              <a:defRPr>
+                <a:solidFill>
+                  <a:schemeClr val="tx1"/>
+                </a:solidFill>
+                <a:latin typeface="Arial" panose="020B0604020202020204" pitchFamily="34" charset="0"/>
+                <a:ea typeface="ＭＳ Ｐゴシック" panose="020B0600070205080204" pitchFamily="34" charset="-128"/>
+              </a:defRPr>
+            </a:lvl6pPr>
+            <a:lvl7pPr marL="2971800" indent="-228600" eaLnBrk="0" fontAlgn="base" hangingPunct="0">
+              <a:spcBef>
+                <a:spcPct val="0"/>
+              </a:spcBef>
+              <a:spcAft>
+                <a:spcPct val="0"/>
+              </a:spcAft>
+              <a:defRPr>
+                <a:solidFill>
+                  <a:schemeClr val="tx1"/>
+                </a:solidFill>
+                <a:latin typeface="Arial" panose="020B0604020202020204" pitchFamily="34" charset="0"/>
+                <a:ea typeface="ＭＳ Ｐゴシック" panose="020B0600070205080204" pitchFamily="34" charset="-128"/>
+              </a:defRPr>
+            </a:lvl7pPr>
+            <a:lvl8pPr marL="3429000" indent="-228600" eaLnBrk="0" fontAlgn="base" hangingPunct="0">
+              <a:spcBef>
+                <a:spcPct val="0"/>
+              </a:spcBef>
+              <a:spcAft>
+                <a:spcPct val="0"/>
+              </a:spcAft>
+              <a:defRPr>
+                <a:solidFill>
+                  <a:schemeClr val="tx1"/>
+                </a:solidFill>
+                <a:latin typeface="Arial" panose="020B0604020202020204" pitchFamily="34" charset="0"/>
+                <a:ea typeface="ＭＳ Ｐゴシック" panose="020B0600070205080204" pitchFamily="34" charset="-128"/>
+              </a:defRPr>
+            </a:lvl8pPr>
+            <a:lvl9pPr marL="3886200" indent="-228600" eaLnBrk="0" fontAlgn="base" hangingPunct="0">
+              <a:spcBef>
+                <a:spcPct val="0"/>
+              </a:spcBef>
+              <a:spcAft>
+                <a:spcPct val="0"/>
+              </a:spcAft>
+              <a:defRPr>
+                <a:solidFill>
+                  <a:schemeClr val="tx1"/>
+                </a:solidFill>
+                <a:latin typeface="Arial" panose="020B0604020202020204" pitchFamily="34" charset="0"/>
+                <a:ea typeface="ＭＳ Ｐゴシック" panose="020B0600070205080204" pitchFamily="34" charset="-128"/>
+              </a:defRPr>
+            </a:lvl9pPr>
+          </a:lstStyle>
+          <a:p>
+            <a:pPr eaLnBrk="1" hangingPunct="1"/>
+            <a:endParaRPr lang="en-US" altLang="en-US"/>
+          </a:p>
+        </p:txBody>
+      </p:sp>
+      <p:sp>
+        <p:nvSpPr>
+          <p:cNvPr id="47" name="Rectangle 127">
+            <a:extLst>
+              <a:ext uri="{FF2B5EF4-FFF2-40B4-BE49-F238E27FC236}">
+                <a16:creationId xmlns:a16="http://schemas.microsoft.com/office/drawing/2014/main" id="{1954AE45-A7C0-45DD-84FF-8D54699BCB10}"/>
+              </a:ext>
+            </a:extLst>
+          </p:cNvPr>
+          <p:cNvSpPr>
+            <a:spLocks noChangeArrowheads="1"/>
+          </p:cNvSpPr>
+          <p:nvPr/>
+        </p:nvSpPr>
+        <p:spPr bwMode="auto">
+          <a:xfrm>
+            <a:off x="2996712" y="5711879"/>
+            <a:ext cx="3175" cy="319087"/>
+          </a:xfrm>
+          <a:prstGeom prst="rect">
+            <a:avLst/>
+          </a:prstGeom>
+          <a:solidFill>
+            <a:srgbClr val="000000"/>
+          </a:solidFill>
+          <a:ln w="25400">
             <a:solidFill>
               <a:srgbClr val="000000"/>
             </a:solidFill>
-            <a:ln w="25400">
-              <a:solidFill>
-                <a:srgbClr val="000000"/>
-              </a:solidFill>
-              <a:miter lim="800000"/>
-              <a:headEnd/>
-              <a:tailEnd/>
-            </a:ln>
-          </p:spPr>
-          <p:txBody>
-            <a:bodyPr/>
-            <a:lstStyle>
-              <a:lvl1pPr eaLnBrk="0" hangingPunct="0">
-                <a:defRPr>
-                  <a:solidFill>
-                    <a:schemeClr val="tx1"/>
-                  </a:solidFill>
-                  <a:latin typeface="Arial" panose="020B0604020202020204" pitchFamily="34" charset="0"/>
-                  <a:ea typeface="ＭＳ Ｐゴシック" panose="020B0600070205080204" pitchFamily="34" charset="-128"/>
-                </a:defRPr>
-              </a:lvl1pPr>
-              <a:lvl2pPr marL="742950" indent="-285750" eaLnBrk="0" hangingPunct="0">
-                <a:defRPr>
-                  <a:solidFill>
-                    <a:schemeClr val="tx1"/>
-                  </a:solidFill>
-                  <a:latin typeface="Arial" panose="020B0604020202020204" pitchFamily="34" charset="0"/>
-                  <a:ea typeface="ＭＳ Ｐゴシック" panose="020B0600070205080204" pitchFamily="34" charset="-128"/>
-                </a:defRPr>
-              </a:lvl2pPr>
-              <a:lvl3pPr marL="1143000" indent="-228600" eaLnBrk="0" hangingPunct="0">
-                <a:defRPr>
-                  <a:solidFill>
-                    <a:schemeClr val="tx1"/>
-                  </a:solidFill>
-                  <a:latin typeface="Arial" panose="020B0604020202020204" pitchFamily="34" charset="0"/>
-                  <a:ea typeface="ＭＳ Ｐゴシック" panose="020B0600070205080204" pitchFamily="34" charset="-128"/>
-                </a:defRPr>
-              </a:lvl3pPr>
-              <a:lvl4pPr marL="1600200" indent="-228600" eaLnBrk="0" hangingPunct="0">
-                <a:defRPr>
-                  <a:solidFill>
-                    <a:schemeClr val="tx1"/>
-                  </a:solidFill>
-                  <a:latin typeface="Arial" panose="020B0604020202020204" pitchFamily="34" charset="0"/>
-                  <a:ea typeface="ＭＳ Ｐゴシック" panose="020B0600070205080204" pitchFamily="34" charset="-128"/>
-                </a:defRPr>
-              </a:lvl4pPr>
-              <a:lvl5pPr marL="2057400" indent="-228600" eaLnBrk="0" hangingPunct="0">
-                <a:defRPr>
-                  <a:solidFill>
-                    <a:schemeClr val="tx1"/>
-                  </a:solidFill>
-                  <a:latin typeface="Arial" panose="020B0604020202020204" pitchFamily="34" charset="0"/>
-                  <a:ea typeface="ＭＳ Ｐゴシック" panose="020B0600070205080204" pitchFamily="34" charset="-128"/>
-                </a:defRPr>
-              </a:lvl5pPr>
-              <a:lvl6pPr marL="2514600" indent="-228600" eaLnBrk="0" fontAlgn="base" hangingPunct="0">
-                <a:spcBef>
-                  <a:spcPct val="0"/>
-                </a:spcBef>
-                <a:spcAft>
-                  <a:spcPct val="0"/>
-                </a:spcAft>
-                <a:defRPr>
-                  <a:solidFill>
-                    <a:schemeClr val="tx1"/>
-                  </a:solidFill>
-                  <a:latin typeface="Arial" panose="020B0604020202020204" pitchFamily="34" charset="0"/>
-                  <a:ea typeface="ＭＳ Ｐゴシック" panose="020B0600070205080204" pitchFamily="34" charset="-128"/>
-                </a:defRPr>
-              </a:lvl6pPr>
-              <a:lvl7pPr marL="2971800" indent="-228600" eaLnBrk="0" fontAlgn="base" hangingPunct="0">
-                <a:spcBef>
-                  <a:spcPct val="0"/>
-                </a:spcBef>
-                <a:spcAft>
-                  <a:spcPct val="0"/>
-                </a:spcAft>
-                <a:defRPr>
-                  <a:solidFill>
-                    <a:schemeClr val="tx1"/>
-                  </a:solidFill>
-                  <a:latin typeface="Arial" panose="020B0604020202020204" pitchFamily="34" charset="0"/>
-                  <a:ea typeface="ＭＳ Ｐゴシック" panose="020B0600070205080204" pitchFamily="34" charset="-128"/>
-                </a:defRPr>
-              </a:lvl7pPr>
-              <a:lvl8pPr marL="3429000" indent="-228600" eaLnBrk="0" fontAlgn="base" hangingPunct="0">
-                <a:spcBef>
-                  <a:spcPct val="0"/>
-                </a:spcBef>
-                <a:spcAft>
-                  <a:spcPct val="0"/>
-                </a:spcAft>
-                <a:defRPr>
-                  <a:solidFill>
-                    <a:schemeClr val="tx1"/>
-                  </a:solidFill>
-                  <a:latin typeface="Arial" panose="020B0604020202020204" pitchFamily="34" charset="0"/>
-                  <a:ea typeface="ＭＳ Ｐゴシック" panose="020B0600070205080204" pitchFamily="34" charset="-128"/>
-                </a:defRPr>
-              </a:lvl8pPr>
-              <a:lvl9pPr marL="3886200" indent="-228600" eaLnBrk="0" fontAlgn="base" hangingPunct="0">
-                <a:spcBef>
-                  <a:spcPct val="0"/>
-                </a:spcBef>
-                <a:spcAft>
-                  <a:spcPct val="0"/>
-                </a:spcAft>
-                <a:defRPr>
-                  <a:solidFill>
-                    <a:schemeClr val="tx1"/>
-                  </a:solidFill>
-                  <a:latin typeface="Arial" panose="020B0604020202020204" pitchFamily="34" charset="0"/>
-                  <a:ea typeface="ＭＳ Ｐゴシック" panose="020B0600070205080204" pitchFamily="34" charset="-128"/>
-                </a:defRPr>
-              </a:lvl9pPr>
-            </a:lstStyle>
-            <a:p>
-              <a:pPr eaLnBrk="1" hangingPunct="1"/>
-              <a:endParaRPr lang="en-US" altLang="en-US"/>
-            </a:p>
-          </p:txBody>
-        </p:sp>
-        <p:sp>
-          <p:nvSpPr>
-            <p:cNvPr id="52" name="Line 132">
-              <a:extLst>
-                <a:ext uri="{FF2B5EF4-FFF2-40B4-BE49-F238E27FC236}">
-                  <a16:creationId xmlns:a16="http://schemas.microsoft.com/office/drawing/2014/main" id="{F771B5D7-EB41-4845-A165-9C64E03FB0C6}"/>
-                </a:ext>
-              </a:extLst>
-            </p:cNvPr>
-            <p:cNvSpPr>
-              <a:spLocks noChangeShapeType="1"/>
-            </p:cNvSpPr>
-            <p:nvPr/>
-          </p:nvSpPr>
-          <p:spPr bwMode="auto">
-            <a:xfrm>
-              <a:off x="4665663" y="7889113"/>
-              <a:ext cx="1587" cy="392112"/>
-            </a:xfrm>
-            <a:prstGeom prst="line">
-              <a:avLst/>
-            </a:prstGeom>
-            <a:noFill/>
-            <a:ln w="25400">
-              <a:solidFill>
-                <a:srgbClr val="000000"/>
-              </a:solidFill>
-              <a:round/>
-              <a:headEnd/>
-              <a:tailEnd/>
-            </a:ln>
+            <a:miter lim="800000"/>
+            <a:headEnd/>
+            <a:tailEnd/>
+          </a:ln>
+        </p:spPr>
+        <p:txBody>
+          <a:bodyPr/>
+          <a:lstStyle>
+            <a:lvl1pPr eaLnBrk="0" hangingPunct="0">
+              <a:defRPr>
+                <a:solidFill>
+                  <a:schemeClr val="tx1"/>
+                </a:solidFill>
+                <a:latin typeface="Arial" panose="020B0604020202020204" pitchFamily="34" charset="0"/>
+                <a:ea typeface="ＭＳ Ｐゴシック" panose="020B0600070205080204" pitchFamily="34" charset="-128"/>
+              </a:defRPr>
+            </a:lvl1pPr>
+            <a:lvl2pPr marL="742950" indent="-285750" eaLnBrk="0" hangingPunct="0">
+              <a:defRPr>
+                <a:solidFill>
+                  <a:schemeClr val="tx1"/>
+                </a:solidFill>
+                <a:latin typeface="Arial" panose="020B0604020202020204" pitchFamily="34" charset="0"/>
+                <a:ea typeface="ＭＳ Ｐゴシック" panose="020B0600070205080204" pitchFamily="34" charset="-128"/>
+              </a:defRPr>
+            </a:lvl2pPr>
+            <a:lvl3pPr marL="1143000" indent="-228600" eaLnBrk="0" hangingPunct="0">
+              <a:defRPr>
+                <a:solidFill>
+                  <a:schemeClr val="tx1"/>
+                </a:solidFill>
+                <a:latin typeface="Arial" panose="020B0604020202020204" pitchFamily="34" charset="0"/>
+                <a:ea typeface="ＭＳ Ｐゴシック" panose="020B0600070205080204" pitchFamily="34" charset="-128"/>
+              </a:defRPr>
+            </a:lvl3pPr>
+            <a:lvl4pPr marL="1600200" indent="-228600" eaLnBrk="0" hangingPunct="0">
+              <a:defRPr>
+                <a:solidFill>
+                  <a:schemeClr val="tx1"/>
+                </a:solidFill>
+                <a:latin typeface="Arial" panose="020B0604020202020204" pitchFamily="34" charset="0"/>
+                <a:ea typeface="ＭＳ Ｐゴシック" panose="020B0600070205080204" pitchFamily="34" charset="-128"/>
+              </a:defRPr>
+            </a:lvl4pPr>
+            <a:lvl5pPr marL="2057400" indent="-228600" eaLnBrk="0" hangingPunct="0">
+              <a:defRPr>
+                <a:solidFill>
+                  <a:schemeClr val="tx1"/>
+                </a:solidFill>
+                <a:latin typeface="Arial" panose="020B0604020202020204" pitchFamily="34" charset="0"/>
+                <a:ea typeface="ＭＳ Ｐゴシック" panose="020B0600070205080204" pitchFamily="34" charset="-128"/>
+              </a:defRPr>
+            </a:lvl5pPr>
+            <a:lvl6pPr marL="2514600" indent="-228600" eaLnBrk="0" fontAlgn="base" hangingPunct="0">
+              <a:spcBef>
+                <a:spcPct val="0"/>
+              </a:spcBef>
+              <a:spcAft>
+                <a:spcPct val="0"/>
+              </a:spcAft>
+              <a:defRPr>
+                <a:solidFill>
+                  <a:schemeClr val="tx1"/>
+                </a:solidFill>
+                <a:latin typeface="Arial" panose="020B0604020202020204" pitchFamily="34" charset="0"/>
+                <a:ea typeface="ＭＳ Ｐゴシック" panose="020B0600070205080204" pitchFamily="34" charset="-128"/>
+              </a:defRPr>
+            </a:lvl6pPr>
+            <a:lvl7pPr marL="2971800" indent="-228600" eaLnBrk="0" fontAlgn="base" hangingPunct="0">
+              <a:spcBef>
+                <a:spcPct val="0"/>
+              </a:spcBef>
+              <a:spcAft>
+                <a:spcPct val="0"/>
+              </a:spcAft>
+              <a:defRPr>
+                <a:solidFill>
+                  <a:schemeClr val="tx1"/>
+                </a:solidFill>
+                <a:latin typeface="Arial" panose="020B0604020202020204" pitchFamily="34" charset="0"/>
+                <a:ea typeface="ＭＳ Ｐゴシック" panose="020B0600070205080204" pitchFamily="34" charset="-128"/>
+              </a:defRPr>
+            </a:lvl7pPr>
+            <a:lvl8pPr marL="3429000" indent="-228600" eaLnBrk="0" fontAlgn="base" hangingPunct="0">
+              <a:spcBef>
+                <a:spcPct val="0"/>
+              </a:spcBef>
+              <a:spcAft>
+                <a:spcPct val="0"/>
+              </a:spcAft>
+              <a:defRPr>
+                <a:solidFill>
+                  <a:schemeClr val="tx1"/>
+                </a:solidFill>
+                <a:latin typeface="Arial" panose="020B0604020202020204" pitchFamily="34" charset="0"/>
+                <a:ea typeface="ＭＳ Ｐゴシック" panose="020B0600070205080204" pitchFamily="34" charset="-128"/>
+              </a:defRPr>
+            </a:lvl8pPr>
+            <a:lvl9pPr marL="3886200" indent="-228600" eaLnBrk="0" fontAlgn="base" hangingPunct="0">
+              <a:spcBef>
+                <a:spcPct val="0"/>
+              </a:spcBef>
+              <a:spcAft>
+                <a:spcPct val="0"/>
+              </a:spcAft>
+              <a:defRPr>
+                <a:solidFill>
+                  <a:schemeClr val="tx1"/>
+                </a:solidFill>
+                <a:latin typeface="Arial" panose="020B0604020202020204" pitchFamily="34" charset="0"/>
+                <a:ea typeface="ＭＳ Ｐゴシック" panose="020B0600070205080204" pitchFamily="34" charset="-128"/>
+              </a:defRPr>
+            </a:lvl9pPr>
+          </a:lstStyle>
+          <a:p>
+            <a:pPr eaLnBrk="1" hangingPunct="1"/>
+            <a:endParaRPr lang="en-US" altLang="en-US"/>
+          </a:p>
+        </p:txBody>
+      </p:sp>
+      <p:sp>
+        <p:nvSpPr>
+          <p:cNvPr id="52" name="Line 132">
             <a:extLst>
-              <a:ext uri="{909E8E84-426E-40DD-AFC4-6F175D3DCCD1}">
-                <a14:hiddenFill xmlns:a14="http://schemas.microsoft.com/office/drawing/2010/main">
-                  <a:noFill/>
-                </a14:hiddenFill>
+              <a:ext uri="{FF2B5EF4-FFF2-40B4-BE49-F238E27FC236}">
+                <a16:creationId xmlns:a16="http://schemas.microsoft.com/office/drawing/2014/main" id="{F771B5D7-EB41-4845-A165-9C64E03FB0C6}"/>
               </a:ext>
             </a:extLst>
-          </p:spPr>
-          <p:txBody>
-            <a:bodyPr/>
-            <a:lstStyle/>
-            <a:p>
-              <a:endParaRPr lang="en-US"/>
-            </a:p>
-          </p:txBody>
-        </p:sp>
-        <p:sp>
-          <p:nvSpPr>
-            <p:cNvPr id="66" name="Oval 670">
-              <a:extLst>
-                <a:ext uri="{FF2B5EF4-FFF2-40B4-BE49-F238E27FC236}">
-                  <a16:creationId xmlns:a16="http://schemas.microsoft.com/office/drawing/2014/main" id="{A7CF5EE4-E731-4111-B373-9E7A9E3946DB}"/>
-                </a:ext>
-              </a:extLst>
-            </p:cNvPr>
-            <p:cNvSpPr>
-              <a:spLocks noChangeArrowheads="1"/>
-            </p:cNvSpPr>
-            <p:nvPr/>
-          </p:nvSpPr>
-          <p:spPr bwMode="auto">
-            <a:xfrm flipH="1">
-              <a:off x="3347521" y="7623740"/>
-              <a:ext cx="211138" cy="230188"/>
-            </a:xfrm>
-            <a:prstGeom prst="ellipse">
-              <a:avLst/>
-            </a:prstGeom>
+          </p:cNvPr>
+          <p:cNvSpPr>
+            <a:spLocks noChangeShapeType="1"/>
+          </p:cNvSpPr>
+          <p:nvPr/>
+        </p:nvSpPr>
+        <p:spPr bwMode="auto">
+          <a:xfrm>
+            <a:off x="4590562" y="5638854"/>
+            <a:ext cx="1587" cy="392112"/>
+          </a:xfrm>
+          <a:prstGeom prst="line">
+            <a:avLst/>
+          </a:prstGeom>
+          <a:noFill/>
+          <a:ln w="25400">
             <a:solidFill>
-              <a:srgbClr val="00CCFF"/>
+              <a:srgbClr val="000000"/>
             </a:solidFill>
-            <a:ln w="9525">
-              <a:solidFill>
-                <a:schemeClr val="tx1"/>
-              </a:solidFill>
-              <a:round/>
-              <a:headEnd/>
-              <a:tailEnd/>
-            </a:ln>
-          </p:spPr>
-          <p:txBody>
-            <a:bodyPr wrap="none" anchor="ctr"/>
-            <a:lstStyle>
-              <a:lvl1pPr eaLnBrk="0" hangingPunct="0">
-                <a:defRPr>
-                  <a:solidFill>
-                    <a:schemeClr val="tx1"/>
-                  </a:solidFill>
-                  <a:latin typeface="Arial" panose="020B0604020202020204" pitchFamily="34" charset="0"/>
-                  <a:ea typeface="ＭＳ Ｐゴシック" panose="020B0600070205080204" pitchFamily="34" charset="-128"/>
-                </a:defRPr>
-              </a:lvl1pPr>
-              <a:lvl2pPr marL="742950" indent="-285750" eaLnBrk="0" hangingPunct="0">
-                <a:defRPr>
-                  <a:solidFill>
-                    <a:schemeClr val="tx1"/>
-                  </a:solidFill>
-                  <a:latin typeface="Arial" panose="020B0604020202020204" pitchFamily="34" charset="0"/>
-                  <a:ea typeface="ＭＳ Ｐゴシック" panose="020B0600070205080204" pitchFamily="34" charset="-128"/>
-                </a:defRPr>
-              </a:lvl2pPr>
-              <a:lvl3pPr marL="1143000" indent="-228600" eaLnBrk="0" hangingPunct="0">
-                <a:defRPr>
-                  <a:solidFill>
-                    <a:schemeClr val="tx1"/>
-                  </a:solidFill>
-                  <a:latin typeface="Arial" panose="020B0604020202020204" pitchFamily="34" charset="0"/>
-                  <a:ea typeface="ＭＳ Ｐゴシック" panose="020B0600070205080204" pitchFamily="34" charset="-128"/>
-                </a:defRPr>
-              </a:lvl3pPr>
-              <a:lvl4pPr marL="1600200" indent="-228600" eaLnBrk="0" hangingPunct="0">
-                <a:defRPr>
-                  <a:solidFill>
-                    <a:schemeClr val="tx1"/>
-                  </a:solidFill>
-                  <a:latin typeface="Arial" panose="020B0604020202020204" pitchFamily="34" charset="0"/>
-                  <a:ea typeface="ＭＳ Ｐゴシック" panose="020B0600070205080204" pitchFamily="34" charset="-128"/>
-                </a:defRPr>
-              </a:lvl4pPr>
-              <a:lvl5pPr marL="2057400" indent="-228600" eaLnBrk="0" hangingPunct="0">
-                <a:defRPr>
-                  <a:solidFill>
-                    <a:schemeClr val="tx1"/>
-                  </a:solidFill>
-                  <a:latin typeface="Arial" panose="020B0604020202020204" pitchFamily="34" charset="0"/>
-                  <a:ea typeface="ＭＳ Ｐゴシック" panose="020B0600070205080204" pitchFamily="34" charset="-128"/>
-                </a:defRPr>
-              </a:lvl5pPr>
-              <a:lvl6pPr marL="2514600" indent="-228600" eaLnBrk="0" fontAlgn="base" hangingPunct="0">
-                <a:spcBef>
-                  <a:spcPct val="0"/>
-                </a:spcBef>
-                <a:spcAft>
-                  <a:spcPct val="0"/>
-                </a:spcAft>
-                <a:defRPr>
-                  <a:solidFill>
-                    <a:schemeClr val="tx1"/>
-                  </a:solidFill>
-                  <a:latin typeface="Arial" panose="020B0604020202020204" pitchFamily="34" charset="0"/>
-                  <a:ea typeface="ＭＳ Ｐゴシック" panose="020B0600070205080204" pitchFamily="34" charset="-128"/>
-                </a:defRPr>
-              </a:lvl6pPr>
-              <a:lvl7pPr marL="2971800" indent="-228600" eaLnBrk="0" fontAlgn="base" hangingPunct="0">
-                <a:spcBef>
-                  <a:spcPct val="0"/>
-                </a:spcBef>
-                <a:spcAft>
-                  <a:spcPct val="0"/>
-                </a:spcAft>
-                <a:defRPr>
-                  <a:solidFill>
-                    <a:schemeClr val="tx1"/>
-                  </a:solidFill>
-                  <a:latin typeface="Arial" panose="020B0604020202020204" pitchFamily="34" charset="0"/>
-                  <a:ea typeface="ＭＳ Ｐゴシック" panose="020B0600070205080204" pitchFamily="34" charset="-128"/>
-                </a:defRPr>
-              </a:lvl7pPr>
-              <a:lvl8pPr marL="3429000" indent="-228600" eaLnBrk="0" fontAlgn="base" hangingPunct="0">
-                <a:spcBef>
-                  <a:spcPct val="0"/>
-                </a:spcBef>
-                <a:spcAft>
-                  <a:spcPct val="0"/>
-                </a:spcAft>
-                <a:defRPr>
-                  <a:solidFill>
-                    <a:schemeClr val="tx1"/>
-                  </a:solidFill>
-                  <a:latin typeface="Arial" panose="020B0604020202020204" pitchFamily="34" charset="0"/>
-                  <a:ea typeface="ＭＳ Ｐゴシック" panose="020B0600070205080204" pitchFamily="34" charset="-128"/>
-                </a:defRPr>
-              </a:lvl8pPr>
-              <a:lvl9pPr marL="3886200" indent="-228600" eaLnBrk="0" fontAlgn="base" hangingPunct="0">
-                <a:spcBef>
-                  <a:spcPct val="0"/>
-                </a:spcBef>
-                <a:spcAft>
-                  <a:spcPct val="0"/>
-                </a:spcAft>
-                <a:defRPr>
-                  <a:solidFill>
-                    <a:schemeClr val="tx1"/>
-                  </a:solidFill>
-                  <a:latin typeface="Arial" panose="020B0604020202020204" pitchFamily="34" charset="0"/>
-                  <a:ea typeface="ＭＳ Ｐゴシック" panose="020B0600070205080204" pitchFamily="34" charset="-128"/>
-                </a:defRPr>
-              </a:lvl9pPr>
-            </a:lstStyle>
-            <a:p>
-              <a:pPr eaLnBrk="1" hangingPunct="1"/>
-              <a:endParaRPr lang="en-US" altLang="en-US"/>
-            </a:p>
-          </p:txBody>
-        </p:sp>
-        <p:sp>
-          <p:nvSpPr>
-            <p:cNvPr id="67" name="Oval 670">
-              <a:extLst>
-                <a:ext uri="{FF2B5EF4-FFF2-40B4-BE49-F238E27FC236}">
-                  <a16:creationId xmlns:a16="http://schemas.microsoft.com/office/drawing/2014/main" id="{CF4FB5D7-CB04-4965-BA45-968D46014DDF}"/>
-                </a:ext>
-              </a:extLst>
-            </p:cNvPr>
-            <p:cNvSpPr>
-              <a:spLocks noChangeArrowheads="1"/>
-            </p:cNvSpPr>
-            <p:nvPr/>
-          </p:nvSpPr>
-          <p:spPr bwMode="auto">
-            <a:xfrm flipH="1">
-              <a:off x="3050936" y="7623740"/>
-              <a:ext cx="211138" cy="230188"/>
-            </a:xfrm>
-            <a:prstGeom prst="ellipse">
-              <a:avLst/>
-            </a:prstGeom>
+            <a:round/>
+            <a:headEnd/>
+            <a:tailEnd/>
+          </a:ln>
+          <a:extLst>
+            <a:ext uri="{909E8E84-426E-40DD-AFC4-6F175D3DCCD1}">
+              <a14:hiddenFill xmlns:a14="http://schemas.microsoft.com/office/drawing/2010/main">
+                <a:noFill/>
+              </a14:hiddenFill>
+            </a:ext>
+          </a:extLst>
+        </p:spPr>
+        <p:txBody>
+          <a:bodyPr/>
+          <a:lstStyle/>
+          <a:p>
+            <a:endParaRPr lang="en-US"/>
+          </a:p>
+        </p:txBody>
+      </p:sp>
+      <p:sp>
+        <p:nvSpPr>
+          <p:cNvPr id="66" name="Oval 670">
+            <a:extLst>
+              <a:ext uri="{FF2B5EF4-FFF2-40B4-BE49-F238E27FC236}">
+                <a16:creationId xmlns:a16="http://schemas.microsoft.com/office/drawing/2014/main" id="{A7CF5EE4-E731-4111-B373-9E7A9E3946DB}"/>
+              </a:ext>
+            </a:extLst>
+          </p:cNvPr>
+          <p:cNvSpPr>
+            <a:spLocks noChangeArrowheads="1"/>
+          </p:cNvSpPr>
+          <p:nvPr/>
+        </p:nvSpPr>
+        <p:spPr bwMode="auto">
+          <a:xfrm flipH="1">
+            <a:off x="3272420" y="5373481"/>
+            <a:ext cx="211138" cy="230188"/>
+          </a:xfrm>
+          <a:prstGeom prst="ellipse">
+            <a:avLst/>
+          </a:prstGeom>
+          <a:solidFill>
+            <a:srgbClr val="00CCFF"/>
+          </a:solidFill>
+          <a:ln w="9525">
             <a:solidFill>
-              <a:srgbClr val="00CCFF"/>
+              <a:schemeClr val="tx1"/>
             </a:solidFill>
-            <a:ln w="9525">
-              <a:solidFill>
-                <a:schemeClr val="tx1"/>
-              </a:solidFill>
-              <a:round/>
-              <a:headEnd/>
-              <a:tailEnd/>
-            </a:ln>
-          </p:spPr>
-          <p:txBody>
-            <a:bodyPr wrap="none" anchor="ctr"/>
-            <a:lstStyle>
-              <a:lvl1pPr eaLnBrk="0" hangingPunct="0">
-                <a:defRPr>
-                  <a:solidFill>
-                    <a:schemeClr val="tx1"/>
-                  </a:solidFill>
-                  <a:latin typeface="Arial" panose="020B0604020202020204" pitchFamily="34" charset="0"/>
-                  <a:ea typeface="ＭＳ Ｐゴシック" panose="020B0600070205080204" pitchFamily="34" charset="-128"/>
-                </a:defRPr>
-              </a:lvl1pPr>
-              <a:lvl2pPr marL="742950" indent="-285750" eaLnBrk="0" hangingPunct="0">
-                <a:defRPr>
-                  <a:solidFill>
-                    <a:schemeClr val="tx1"/>
-                  </a:solidFill>
-                  <a:latin typeface="Arial" panose="020B0604020202020204" pitchFamily="34" charset="0"/>
-                  <a:ea typeface="ＭＳ Ｐゴシック" panose="020B0600070205080204" pitchFamily="34" charset="-128"/>
-                </a:defRPr>
-              </a:lvl2pPr>
-              <a:lvl3pPr marL="1143000" indent="-228600" eaLnBrk="0" hangingPunct="0">
-                <a:defRPr>
-                  <a:solidFill>
-                    <a:schemeClr val="tx1"/>
-                  </a:solidFill>
-                  <a:latin typeface="Arial" panose="020B0604020202020204" pitchFamily="34" charset="0"/>
-                  <a:ea typeface="ＭＳ Ｐゴシック" panose="020B0600070205080204" pitchFamily="34" charset="-128"/>
-                </a:defRPr>
-              </a:lvl3pPr>
-              <a:lvl4pPr marL="1600200" indent="-228600" eaLnBrk="0" hangingPunct="0">
-                <a:defRPr>
-                  <a:solidFill>
-                    <a:schemeClr val="tx1"/>
-                  </a:solidFill>
-                  <a:latin typeface="Arial" panose="020B0604020202020204" pitchFamily="34" charset="0"/>
-                  <a:ea typeface="ＭＳ Ｐゴシック" panose="020B0600070205080204" pitchFamily="34" charset="-128"/>
-                </a:defRPr>
-              </a:lvl4pPr>
-              <a:lvl5pPr marL="2057400" indent="-228600" eaLnBrk="0" hangingPunct="0">
-                <a:defRPr>
-                  <a:solidFill>
-                    <a:schemeClr val="tx1"/>
-                  </a:solidFill>
-                  <a:latin typeface="Arial" panose="020B0604020202020204" pitchFamily="34" charset="0"/>
-                  <a:ea typeface="ＭＳ Ｐゴシック" panose="020B0600070205080204" pitchFamily="34" charset="-128"/>
-                </a:defRPr>
-              </a:lvl5pPr>
-              <a:lvl6pPr marL="2514600" indent="-228600" eaLnBrk="0" fontAlgn="base" hangingPunct="0">
-                <a:spcBef>
-                  <a:spcPct val="0"/>
-                </a:spcBef>
-                <a:spcAft>
-                  <a:spcPct val="0"/>
-                </a:spcAft>
-                <a:defRPr>
-                  <a:solidFill>
-                    <a:schemeClr val="tx1"/>
-                  </a:solidFill>
-                  <a:latin typeface="Arial" panose="020B0604020202020204" pitchFamily="34" charset="0"/>
-                  <a:ea typeface="ＭＳ Ｐゴシック" panose="020B0600070205080204" pitchFamily="34" charset="-128"/>
-                </a:defRPr>
-              </a:lvl6pPr>
-              <a:lvl7pPr marL="2971800" indent="-228600" eaLnBrk="0" fontAlgn="base" hangingPunct="0">
-                <a:spcBef>
-                  <a:spcPct val="0"/>
-                </a:spcBef>
-                <a:spcAft>
-                  <a:spcPct val="0"/>
-                </a:spcAft>
-                <a:defRPr>
-                  <a:solidFill>
-                    <a:schemeClr val="tx1"/>
-                  </a:solidFill>
-                  <a:latin typeface="Arial" panose="020B0604020202020204" pitchFamily="34" charset="0"/>
-                  <a:ea typeface="ＭＳ Ｐゴシック" panose="020B0600070205080204" pitchFamily="34" charset="-128"/>
-                </a:defRPr>
-              </a:lvl7pPr>
-              <a:lvl8pPr marL="3429000" indent="-228600" eaLnBrk="0" fontAlgn="base" hangingPunct="0">
-                <a:spcBef>
-                  <a:spcPct val="0"/>
-                </a:spcBef>
-                <a:spcAft>
-                  <a:spcPct val="0"/>
-                </a:spcAft>
-                <a:defRPr>
-                  <a:solidFill>
-                    <a:schemeClr val="tx1"/>
-                  </a:solidFill>
-                  <a:latin typeface="Arial" panose="020B0604020202020204" pitchFamily="34" charset="0"/>
-                  <a:ea typeface="ＭＳ Ｐゴシック" panose="020B0600070205080204" pitchFamily="34" charset="-128"/>
-                </a:defRPr>
-              </a:lvl8pPr>
-              <a:lvl9pPr marL="3886200" indent="-228600" eaLnBrk="0" fontAlgn="base" hangingPunct="0">
-                <a:spcBef>
-                  <a:spcPct val="0"/>
-                </a:spcBef>
-                <a:spcAft>
-                  <a:spcPct val="0"/>
-                </a:spcAft>
-                <a:defRPr>
-                  <a:solidFill>
-                    <a:schemeClr val="tx1"/>
-                  </a:solidFill>
-                  <a:latin typeface="Arial" panose="020B0604020202020204" pitchFamily="34" charset="0"/>
-                  <a:ea typeface="ＭＳ Ｐゴシック" panose="020B0600070205080204" pitchFamily="34" charset="-128"/>
-                </a:defRPr>
-              </a:lvl9pPr>
-            </a:lstStyle>
-            <a:p>
-              <a:pPr eaLnBrk="1" hangingPunct="1"/>
-              <a:endParaRPr lang="en-US" altLang="en-US"/>
-            </a:p>
-          </p:txBody>
-        </p:sp>
-        <p:sp>
-          <p:nvSpPr>
-            <p:cNvPr id="68" name="Oval 670">
-              <a:extLst>
-                <a:ext uri="{FF2B5EF4-FFF2-40B4-BE49-F238E27FC236}">
-                  <a16:creationId xmlns:a16="http://schemas.microsoft.com/office/drawing/2014/main" id="{BDCBE0ED-F7B9-4191-B99C-AC93934A4C83}"/>
-                </a:ext>
-              </a:extLst>
-            </p:cNvPr>
-            <p:cNvSpPr>
-              <a:spLocks noChangeArrowheads="1"/>
-            </p:cNvSpPr>
-            <p:nvPr/>
-          </p:nvSpPr>
-          <p:spPr bwMode="auto">
-            <a:xfrm flipH="1">
-              <a:off x="3644106" y="7633525"/>
-              <a:ext cx="211138" cy="230188"/>
-            </a:xfrm>
-            <a:prstGeom prst="ellipse">
-              <a:avLst/>
-            </a:prstGeom>
+            <a:round/>
+            <a:headEnd/>
+            <a:tailEnd/>
+          </a:ln>
+        </p:spPr>
+        <p:txBody>
+          <a:bodyPr wrap="none" anchor="ctr"/>
+          <a:lstStyle>
+            <a:lvl1pPr eaLnBrk="0" hangingPunct="0">
+              <a:defRPr>
+                <a:solidFill>
+                  <a:schemeClr val="tx1"/>
+                </a:solidFill>
+                <a:latin typeface="Arial" panose="020B0604020202020204" pitchFamily="34" charset="0"/>
+                <a:ea typeface="ＭＳ Ｐゴシック" panose="020B0600070205080204" pitchFamily="34" charset="-128"/>
+              </a:defRPr>
+            </a:lvl1pPr>
+            <a:lvl2pPr marL="742950" indent="-285750" eaLnBrk="0" hangingPunct="0">
+              <a:defRPr>
+                <a:solidFill>
+                  <a:schemeClr val="tx1"/>
+                </a:solidFill>
+                <a:latin typeface="Arial" panose="020B0604020202020204" pitchFamily="34" charset="0"/>
+                <a:ea typeface="ＭＳ Ｐゴシック" panose="020B0600070205080204" pitchFamily="34" charset="-128"/>
+              </a:defRPr>
+            </a:lvl2pPr>
+            <a:lvl3pPr marL="1143000" indent="-228600" eaLnBrk="0" hangingPunct="0">
+              <a:defRPr>
+                <a:solidFill>
+                  <a:schemeClr val="tx1"/>
+                </a:solidFill>
+                <a:latin typeface="Arial" panose="020B0604020202020204" pitchFamily="34" charset="0"/>
+                <a:ea typeface="ＭＳ Ｐゴシック" panose="020B0600070205080204" pitchFamily="34" charset="-128"/>
+              </a:defRPr>
+            </a:lvl3pPr>
+            <a:lvl4pPr marL="1600200" indent="-228600" eaLnBrk="0" hangingPunct="0">
+              <a:defRPr>
+                <a:solidFill>
+                  <a:schemeClr val="tx1"/>
+                </a:solidFill>
+                <a:latin typeface="Arial" panose="020B0604020202020204" pitchFamily="34" charset="0"/>
+                <a:ea typeface="ＭＳ Ｐゴシック" panose="020B0600070205080204" pitchFamily="34" charset="-128"/>
+              </a:defRPr>
+            </a:lvl4pPr>
+            <a:lvl5pPr marL="2057400" indent="-228600" eaLnBrk="0" hangingPunct="0">
+              <a:defRPr>
+                <a:solidFill>
+                  <a:schemeClr val="tx1"/>
+                </a:solidFill>
+                <a:latin typeface="Arial" panose="020B0604020202020204" pitchFamily="34" charset="0"/>
+                <a:ea typeface="ＭＳ Ｐゴシック" panose="020B0600070205080204" pitchFamily="34" charset="-128"/>
+              </a:defRPr>
+            </a:lvl5pPr>
+            <a:lvl6pPr marL="2514600" indent="-228600" eaLnBrk="0" fontAlgn="base" hangingPunct="0">
+              <a:spcBef>
+                <a:spcPct val="0"/>
+              </a:spcBef>
+              <a:spcAft>
+                <a:spcPct val="0"/>
+              </a:spcAft>
+              <a:defRPr>
+                <a:solidFill>
+                  <a:schemeClr val="tx1"/>
+                </a:solidFill>
+                <a:latin typeface="Arial" panose="020B0604020202020204" pitchFamily="34" charset="0"/>
+                <a:ea typeface="ＭＳ Ｐゴシック" panose="020B0600070205080204" pitchFamily="34" charset="-128"/>
+              </a:defRPr>
+            </a:lvl6pPr>
+            <a:lvl7pPr marL="2971800" indent="-228600" eaLnBrk="0" fontAlgn="base" hangingPunct="0">
+              <a:spcBef>
+                <a:spcPct val="0"/>
+              </a:spcBef>
+              <a:spcAft>
+                <a:spcPct val="0"/>
+              </a:spcAft>
+              <a:defRPr>
+                <a:solidFill>
+                  <a:schemeClr val="tx1"/>
+                </a:solidFill>
+                <a:latin typeface="Arial" panose="020B0604020202020204" pitchFamily="34" charset="0"/>
+                <a:ea typeface="ＭＳ Ｐゴシック" panose="020B0600070205080204" pitchFamily="34" charset="-128"/>
+              </a:defRPr>
+            </a:lvl7pPr>
+            <a:lvl8pPr marL="3429000" indent="-228600" eaLnBrk="0" fontAlgn="base" hangingPunct="0">
+              <a:spcBef>
+                <a:spcPct val="0"/>
+              </a:spcBef>
+              <a:spcAft>
+                <a:spcPct val="0"/>
+              </a:spcAft>
+              <a:defRPr>
+                <a:solidFill>
+                  <a:schemeClr val="tx1"/>
+                </a:solidFill>
+                <a:latin typeface="Arial" panose="020B0604020202020204" pitchFamily="34" charset="0"/>
+                <a:ea typeface="ＭＳ Ｐゴシック" panose="020B0600070205080204" pitchFamily="34" charset="-128"/>
+              </a:defRPr>
+            </a:lvl8pPr>
+            <a:lvl9pPr marL="3886200" indent="-228600" eaLnBrk="0" fontAlgn="base" hangingPunct="0">
+              <a:spcBef>
+                <a:spcPct val="0"/>
+              </a:spcBef>
+              <a:spcAft>
+                <a:spcPct val="0"/>
+              </a:spcAft>
+              <a:defRPr>
+                <a:solidFill>
+                  <a:schemeClr val="tx1"/>
+                </a:solidFill>
+                <a:latin typeface="Arial" panose="020B0604020202020204" pitchFamily="34" charset="0"/>
+                <a:ea typeface="ＭＳ Ｐゴシック" panose="020B0600070205080204" pitchFamily="34" charset="-128"/>
+              </a:defRPr>
+            </a:lvl9pPr>
+          </a:lstStyle>
+          <a:p>
+            <a:pPr eaLnBrk="1" hangingPunct="1"/>
+            <a:endParaRPr lang="en-US" altLang="en-US"/>
+          </a:p>
+        </p:txBody>
+      </p:sp>
+      <p:sp>
+        <p:nvSpPr>
+          <p:cNvPr id="68" name="Oval 670">
+            <a:extLst>
+              <a:ext uri="{FF2B5EF4-FFF2-40B4-BE49-F238E27FC236}">
+                <a16:creationId xmlns:a16="http://schemas.microsoft.com/office/drawing/2014/main" id="{BDCBE0ED-F7B9-4191-B99C-AC93934A4C83}"/>
+              </a:ext>
+            </a:extLst>
+          </p:cNvPr>
+          <p:cNvSpPr>
+            <a:spLocks noChangeArrowheads="1"/>
+          </p:cNvSpPr>
+          <p:nvPr/>
+        </p:nvSpPr>
+        <p:spPr bwMode="auto">
+          <a:xfrm flipH="1">
+            <a:off x="3569005" y="5383266"/>
+            <a:ext cx="211138" cy="230188"/>
+          </a:xfrm>
+          <a:prstGeom prst="ellipse">
+            <a:avLst/>
+          </a:prstGeom>
+          <a:solidFill>
+            <a:srgbClr val="00CCFF"/>
+          </a:solidFill>
+          <a:ln w="9525">
             <a:solidFill>
-              <a:srgbClr val="00CCFF"/>
+              <a:schemeClr val="tx1"/>
             </a:solidFill>
-            <a:ln w="9525">
-              <a:solidFill>
-                <a:schemeClr val="tx1"/>
-              </a:solidFill>
-              <a:round/>
-              <a:headEnd/>
-              <a:tailEnd/>
-            </a:ln>
-          </p:spPr>
-          <p:txBody>
-            <a:bodyPr wrap="none" anchor="ctr"/>
-            <a:lstStyle>
-              <a:lvl1pPr eaLnBrk="0" hangingPunct="0">
-                <a:defRPr>
-                  <a:solidFill>
-                    <a:schemeClr val="tx1"/>
-                  </a:solidFill>
-                  <a:latin typeface="Arial" panose="020B0604020202020204" pitchFamily="34" charset="0"/>
-                  <a:ea typeface="ＭＳ Ｐゴシック" panose="020B0600070205080204" pitchFamily="34" charset="-128"/>
-                </a:defRPr>
-              </a:lvl1pPr>
-              <a:lvl2pPr marL="742950" indent="-285750" eaLnBrk="0" hangingPunct="0">
-                <a:defRPr>
-                  <a:solidFill>
-                    <a:schemeClr val="tx1"/>
-                  </a:solidFill>
-                  <a:latin typeface="Arial" panose="020B0604020202020204" pitchFamily="34" charset="0"/>
-                  <a:ea typeface="ＭＳ Ｐゴシック" panose="020B0600070205080204" pitchFamily="34" charset="-128"/>
-                </a:defRPr>
-              </a:lvl2pPr>
-              <a:lvl3pPr marL="1143000" indent="-228600" eaLnBrk="0" hangingPunct="0">
-                <a:defRPr>
-                  <a:solidFill>
-                    <a:schemeClr val="tx1"/>
-                  </a:solidFill>
-                  <a:latin typeface="Arial" panose="020B0604020202020204" pitchFamily="34" charset="0"/>
-                  <a:ea typeface="ＭＳ Ｐゴシック" panose="020B0600070205080204" pitchFamily="34" charset="-128"/>
-                </a:defRPr>
-              </a:lvl3pPr>
-              <a:lvl4pPr marL="1600200" indent="-228600" eaLnBrk="0" hangingPunct="0">
-                <a:defRPr>
-                  <a:solidFill>
-                    <a:schemeClr val="tx1"/>
-                  </a:solidFill>
-                  <a:latin typeface="Arial" panose="020B0604020202020204" pitchFamily="34" charset="0"/>
-                  <a:ea typeface="ＭＳ Ｐゴシック" panose="020B0600070205080204" pitchFamily="34" charset="-128"/>
-                </a:defRPr>
-              </a:lvl4pPr>
-              <a:lvl5pPr marL="2057400" indent="-228600" eaLnBrk="0" hangingPunct="0">
-                <a:defRPr>
-                  <a:solidFill>
-                    <a:schemeClr val="tx1"/>
-                  </a:solidFill>
-                  <a:latin typeface="Arial" panose="020B0604020202020204" pitchFamily="34" charset="0"/>
-                  <a:ea typeface="ＭＳ Ｐゴシック" panose="020B0600070205080204" pitchFamily="34" charset="-128"/>
-                </a:defRPr>
-              </a:lvl5pPr>
-              <a:lvl6pPr marL="2514600" indent="-228600" eaLnBrk="0" fontAlgn="base" hangingPunct="0">
-                <a:spcBef>
-                  <a:spcPct val="0"/>
-                </a:spcBef>
-                <a:spcAft>
-                  <a:spcPct val="0"/>
-                </a:spcAft>
-                <a:defRPr>
-                  <a:solidFill>
-                    <a:schemeClr val="tx1"/>
-                  </a:solidFill>
-                  <a:latin typeface="Arial" panose="020B0604020202020204" pitchFamily="34" charset="0"/>
-                  <a:ea typeface="ＭＳ Ｐゴシック" panose="020B0600070205080204" pitchFamily="34" charset="-128"/>
-                </a:defRPr>
-              </a:lvl6pPr>
-              <a:lvl7pPr marL="2971800" indent="-228600" eaLnBrk="0" fontAlgn="base" hangingPunct="0">
-                <a:spcBef>
-                  <a:spcPct val="0"/>
-                </a:spcBef>
-                <a:spcAft>
-                  <a:spcPct val="0"/>
-                </a:spcAft>
-                <a:defRPr>
-                  <a:solidFill>
-                    <a:schemeClr val="tx1"/>
-                  </a:solidFill>
-                  <a:latin typeface="Arial" panose="020B0604020202020204" pitchFamily="34" charset="0"/>
-                  <a:ea typeface="ＭＳ Ｐゴシック" panose="020B0600070205080204" pitchFamily="34" charset="-128"/>
-                </a:defRPr>
-              </a:lvl7pPr>
-              <a:lvl8pPr marL="3429000" indent="-228600" eaLnBrk="0" fontAlgn="base" hangingPunct="0">
-                <a:spcBef>
-                  <a:spcPct val="0"/>
-                </a:spcBef>
-                <a:spcAft>
-                  <a:spcPct val="0"/>
-                </a:spcAft>
-                <a:defRPr>
-                  <a:solidFill>
-                    <a:schemeClr val="tx1"/>
-                  </a:solidFill>
-                  <a:latin typeface="Arial" panose="020B0604020202020204" pitchFamily="34" charset="0"/>
-                  <a:ea typeface="ＭＳ Ｐゴシック" panose="020B0600070205080204" pitchFamily="34" charset="-128"/>
-                </a:defRPr>
-              </a:lvl8pPr>
-              <a:lvl9pPr marL="3886200" indent="-228600" eaLnBrk="0" fontAlgn="base" hangingPunct="0">
-                <a:spcBef>
-                  <a:spcPct val="0"/>
-                </a:spcBef>
-                <a:spcAft>
-                  <a:spcPct val="0"/>
-                </a:spcAft>
-                <a:defRPr>
-                  <a:solidFill>
-                    <a:schemeClr val="tx1"/>
-                  </a:solidFill>
-                  <a:latin typeface="Arial" panose="020B0604020202020204" pitchFamily="34" charset="0"/>
-                  <a:ea typeface="ＭＳ Ｐゴシック" panose="020B0600070205080204" pitchFamily="34" charset="-128"/>
-                </a:defRPr>
-              </a:lvl9pPr>
-            </a:lstStyle>
-            <a:p>
-              <a:pPr eaLnBrk="1" hangingPunct="1"/>
-              <a:endParaRPr lang="en-US" altLang="en-US"/>
-            </a:p>
-          </p:txBody>
-        </p:sp>
-        <p:sp>
-          <p:nvSpPr>
-            <p:cNvPr id="69" name="Oval 670">
-              <a:extLst>
-                <a:ext uri="{FF2B5EF4-FFF2-40B4-BE49-F238E27FC236}">
-                  <a16:creationId xmlns:a16="http://schemas.microsoft.com/office/drawing/2014/main" id="{B1ED35F5-CCBE-4ACF-B4F9-066FF919BE69}"/>
-                </a:ext>
-              </a:extLst>
-            </p:cNvPr>
-            <p:cNvSpPr>
-              <a:spLocks noChangeArrowheads="1"/>
-            </p:cNvSpPr>
-            <p:nvPr/>
-          </p:nvSpPr>
-          <p:spPr bwMode="auto">
-            <a:xfrm flipH="1">
-              <a:off x="3905140" y="7623740"/>
-              <a:ext cx="211138" cy="230188"/>
-            </a:xfrm>
-            <a:prstGeom prst="ellipse">
-              <a:avLst/>
-            </a:prstGeom>
+            <a:round/>
+            <a:headEnd/>
+            <a:tailEnd/>
+          </a:ln>
+        </p:spPr>
+        <p:txBody>
+          <a:bodyPr wrap="none" anchor="ctr"/>
+          <a:lstStyle>
+            <a:lvl1pPr eaLnBrk="0" hangingPunct="0">
+              <a:defRPr>
+                <a:solidFill>
+                  <a:schemeClr val="tx1"/>
+                </a:solidFill>
+                <a:latin typeface="Arial" panose="020B0604020202020204" pitchFamily="34" charset="0"/>
+                <a:ea typeface="ＭＳ Ｐゴシック" panose="020B0600070205080204" pitchFamily="34" charset="-128"/>
+              </a:defRPr>
+            </a:lvl1pPr>
+            <a:lvl2pPr marL="742950" indent="-285750" eaLnBrk="0" hangingPunct="0">
+              <a:defRPr>
+                <a:solidFill>
+                  <a:schemeClr val="tx1"/>
+                </a:solidFill>
+                <a:latin typeface="Arial" panose="020B0604020202020204" pitchFamily="34" charset="0"/>
+                <a:ea typeface="ＭＳ Ｐゴシック" panose="020B0600070205080204" pitchFamily="34" charset="-128"/>
+              </a:defRPr>
+            </a:lvl2pPr>
+            <a:lvl3pPr marL="1143000" indent="-228600" eaLnBrk="0" hangingPunct="0">
+              <a:defRPr>
+                <a:solidFill>
+                  <a:schemeClr val="tx1"/>
+                </a:solidFill>
+                <a:latin typeface="Arial" panose="020B0604020202020204" pitchFamily="34" charset="0"/>
+                <a:ea typeface="ＭＳ Ｐゴシック" panose="020B0600070205080204" pitchFamily="34" charset="-128"/>
+              </a:defRPr>
+            </a:lvl3pPr>
+            <a:lvl4pPr marL="1600200" indent="-228600" eaLnBrk="0" hangingPunct="0">
+              <a:defRPr>
+                <a:solidFill>
+                  <a:schemeClr val="tx1"/>
+                </a:solidFill>
+                <a:latin typeface="Arial" panose="020B0604020202020204" pitchFamily="34" charset="0"/>
+                <a:ea typeface="ＭＳ Ｐゴシック" panose="020B0600070205080204" pitchFamily="34" charset="-128"/>
+              </a:defRPr>
+            </a:lvl4pPr>
+            <a:lvl5pPr marL="2057400" indent="-228600" eaLnBrk="0" hangingPunct="0">
+              <a:defRPr>
+                <a:solidFill>
+                  <a:schemeClr val="tx1"/>
+                </a:solidFill>
+                <a:latin typeface="Arial" panose="020B0604020202020204" pitchFamily="34" charset="0"/>
+                <a:ea typeface="ＭＳ Ｐゴシック" panose="020B0600070205080204" pitchFamily="34" charset="-128"/>
+              </a:defRPr>
+            </a:lvl5pPr>
+            <a:lvl6pPr marL="2514600" indent="-228600" eaLnBrk="0" fontAlgn="base" hangingPunct="0">
+              <a:spcBef>
+                <a:spcPct val="0"/>
+              </a:spcBef>
+              <a:spcAft>
+                <a:spcPct val="0"/>
+              </a:spcAft>
+              <a:defRPr>
+                <a:solidFill>
+                  <a:schemeClr val="tx1"/>
+                </a:solidFill>
+                <a:latin typeface="Arial" panose="020B0604020202020204" pitchFamily="34" charset="0"/>
+                <a:ea typeface="ＭＳ Ｐゴシック" panose="020B0600070205080204" pitchFamily="34" charset="-128"/>
+              </a:defRPr>
+            </a:lvl6pPr>
+            <a:lvl7pPr marL="2971800" indent="-228600" eaLnBrk="0" fontAlgn="base" hangingPunct="0">
+              <a:spcBef>
+                <a:spcPct val="0"/>
+              </a:spcBef>
+              <a:spcAft>
+                <a:spcPct val="0"/>
+              </a:spcAft>
+              <a:defRPr>
+                <a:solidFill>
+                  <a:schemeClr val="tx1"/>
+                </a:solidFill>
+                <a:latin typeface="Arial" panose="020B0604020202020204" pitchFamily="34" charset="0"/>
+                <a:ea typeface="ＭＳ Ｐゴシック" panose="020B0600070205080204" pitchFamily="34" charset="-128"/>
+              </a:defRPr>
+            </a:lvl7pPr>
+            <a:lvl8pPr marL="3429000" indent="-228600" eaLnBrk="0" fontAlgn="base" hangingPunct="0">
+              <a:spcBef>
+                <a:spcPct val="0"/>
+              </a:spcBef>
+              <a:spcAft>
+                <a:spcPct val="0"/>
+              </a:spcAft>
+              <a:defRPr>
+                <a:solidFill>
+                  <a:schemeClr val="tx1"/>
+                </a:solidFill>
+                <a:latin typeface="Arial" panose="020B0604020202020204" pitchFamily="34" charset="0"/>
+                <a:ea typeface="ＭＳ Ｐゴシック" panose="020B0600070205080204" pitchFamily="34" charset="-128"/>
+              </a:defRPr>
+            </a:lvl8pPr>
+            <a:lvl9pPr marL="3886200" indent="-228600" eaLnBrk="0" fontAlgn="base" hangingPunct="0">
+              <a:spcBef>
+                <a:spcPct val="0"/>
+              </a:spcBef>
+              <a:spcAft>
+                <a:spcPct val="0"/>
+              </a:spcAft>
+              <a:defRPr>
+                <a:solidFill>
+                  <a:schemeClr val="tx1"/>
+                </a:solidFill>
+                <a:latin typeface="Arial" panose="020B0604020202020204" pitchFamily="34" charset="0"/>
+                <a:ea typeface="ＭＳ Ｐゴシック" panose="020B0600070205080204" pitchFamily="34" charset="-128"/>
+              </a:defRPr>
+            </a:lvl9pPr>
+          </a:lstStyle>
+          <a:p>
+            <a:pPr eaLnBrk="1" hangingPunct="1"/>
+            <a:endParaRPr lang="en-US" altLang="en-US"/>
+          </a:p>
+        </p:txBody>
+      </p:sp>
+      <p:sp>
+        <p:nvSpPr>
+          <p:cNvPr id="69" name="Oval 670">
+            <a:extLst>
+              <a:ext uri="{FF2B5EF4-FFF2-40B4-BE49-F238E27FC236}">
+                <a16:creationId xmlns:a16="http://schemas.microsoft.com/office/drawing/2014/main" id="{B1ED35F5-CCBE-4ACF-B4F9-066FF919BE69}"/>
+              </a:ext>
+            </a:extLst>
+          </p:cNvPr>
+          <p:cNvSpPr>
+            <a:spLocks noChangeArrowheads="1"/>
+          </p:cNvSpPr>
+          <p:nvPr/>
+        </p:nvSpPr>
+        <p:spPr bwMode="auto">
+          <a:xfrm flipH="1">
+            <a:off x="3830039" y="5373481"/>
+            <a:ext cx="211138" cy="230188"/>
+          </a:xfrm>
+          <a:prstGeom prst="ellipse">
+            <a:avLst/>
+          </a:prstGeom>
+          <a:solidFill>
+            <a:srgbClr val="00CCFF"/>
+          </a:solidFill>
+          <a:ln w="9525">
             <a:solidFill>
-              <a:srgbClr val="00CCFF"/>
+              <a:schemeClr val="tx1"/>
             </a:solidFill>
-            <a:ln w="9525">
-              <a:solidFill>
-                <a:schemeClr val="tx1"/>
-              </a:solidFill>
-              <a:round/>
-              <a:headEnd/>
-              <a:tailEnd/>
-            </a:ln>
-          </p:spPr>
-          <p:txBody>
-            <a:bodyPr wrap="none" anchor="ctr"/>
-            <a:lstStyle>
-              <a:lvl1pPr eaLnBrk="0" hangingPunct="0">
-                <a:defRPr>
-                  <a:solidFill>
-                    <a:schemeClr val="tx1"/>
-                  </a:solidFill>
-                  <a:latin typeface="Arial" panose="020B0604020202020204" pitchFamily="34" charset="0"/>
-                  <a:ea typeface="ＭＳ Ｐゴシック" panose="020B0600070205080204" pitchFamily="34" charset="-128"/>
-                </a:defRPr>
-              </a:lvl1pPr>
-              <a:lvl2pPr marL="742950" indent="-285750" eaLnBrk="0" hangingPunct="0">
-                <a:defRPr>
-                  <a:solidFill>
-                    <a:schemeClr val="tx1"/>
-                  </a:solidFill>
-                  <a:latin typeface="Arial" panose="020B0604020202020204" pitchFamily="34" charset="0"/>
-                  <a:ea typeface="ＭＳ Ｐゴシック" panose="020B0600070205080204" pitchFamily="34" charset="-128"/>
-                </a:defRPr>
-              </a:lvl2pPr>
-              <a:lvl3pPr marL="1143000" indent="-228600" eaLnBrk="0" hangingPunct="0">
-                <a:defRPr>
-                  <a:solidFill>
-                    <a:schemeClr val="tx1"/>
-                  </a:solidFill>
-                  <a:latin typeface="Arial" panose="020B0604020202020204" pitchFamily="34" charset="0"/>
-                  <a:ea typeface="ＭＳ Ｐゴシック" panose="020B0600070205080204" pitchFamily="34" charset="-128"/>
-                </a:defRPr>
-              </a:lvl3pPr>
-              <a:lvl4pPr marL="1600200" indent="-228600" eaLnBrk="0" hangingPunct="0">
-                <a:defRPr>
-                  <a:solidFill>
-                    <a:schemeClr val="tx1"/>
-                  </a:solidFill>
-                  <a:latin typeface="Arial" panose="020B0604020202020204" pitchFamily="34" charset="0"/>
-                  <a:ea typeface="ＭＳ Ｐゴシック" panose="020B0600070205080204" pitchFamily="34" charset="-128"/>
-                </a:defRPr>
-              </a:lvl4pPr>
-              <a:lvl5pPr marL="2057400" indent="-228600" eaLnBrk="0" hangingPunct="0">
-                <a:defRPr>
-                  <a:solidFill>
-                    <a:schemeClr val="tx1"/>
-                  </a:solidFill>
-                  <a:latin typeface="Arial" panose="020B0604020202020204" pitchFamily="34" charset="0"/>
-                  <a:ea typeface="ＭＳ Ｐゴシック" panose="020B0600070205080204" pitchFamily="34" charset="-128"/>
-                </a:defRPr>
-              </a:lvl5pPr>
-              <a:lvl6pPr marL="2514600" indent="-228600" eaLnBrk="0" fontAlgn="base" hangingPunct="0">
-                <a:spcBef>
-                  <a:spcPct val="0"/>
-                </a:spcBef>
-                <a:spcAft>
-                  <a:spcPct val="0"/>
-                </a:spcAft>
-                <a:defRPr>
-                  <a:solidFill>
-                    <a:schemeClr val="tx1"/>
-                  </a:solidFill>
-                  <a:latin typeface="Arial" panose="020B0604020202020204" pitchFamily="34" charset="0"/>
-                  <a:ea typeface="ＭＳ Ｐゴシック" panose="020B0600070205080204" pitchFamily="34" charset="-128"/>
-                </a:defRPr>
-              </a:lvl6pPr>
-              <a:lvl7pPr marL="2971800" indent="-228600" eaLnBrk="0" fontAlgn="base" hangingPunct="0">
-                <a:spcBef>
-                  <a:spcPct val="0"/>
-                </a:spcBef>
-                <a:spcAft>
-                  <a:spcPct val="0"/>
-                </a:spcAft>
-                <a:defRPr>
-                  <a:solidFill>
-                    <a:schemeClr val="tx1"/>
-                  </a:solidFill>
-                  <a:latin typeface="Arial" panose="020B0604020202020204" pitchFamily="34" charset="0"/>
-                  <a:ea typeface="ＭＳ Ｐゴシック" panose="020B0600070205080204" pitchFamily="34" charset="-128"/>
-                </a:defRPr>
-              </a:lvl7pPr>
-              <a:lvl8pPr marL="3429000" indent="-228600" eaLnBrk="0" fontAlgn="base" hangingPunct="0">
-                <a:spcBef>
-                  <a:spcPct val="0"/>
-                </a:spcBef>
-                <a:spcAft>
-                  <a:spcPct val="0"/>
-                </a:spcAft>
-                <a:defRPr>
-                  <a:solidFill>
-                    <a:schemeClr val="tx1"/>
-                  </a:solidFill>
-                  <a:latin typeface="Arial" panose="020B0604020202020204" pitchFamily="34" charset="0"/>
-                  <a:ea typeface="ＭＳ Ｐゴシック" panose="020B0600070205080204" pitchFamily="34" charset="-128"/>
-                </a:defRPr>
-              </a:lvl8pPr>
-              <a:lvl9pPr marL="3886200" indent="-228600" eaLnBrk="0" fontAlgn="base" hangingPunct="0">
-                <a:spcBef>
-                  <a:spcPct val="0"/>
-                </a:spcBef>
-                <a:spcAft>
-                  <a:spcPct val="0"/>
-                </a:spcAft>
-                <a:defRPr>
-                  <a:solidFill>
-                    <a:schemeClr val="tx1"/>
-                  </a:solidFill>
-                  <a:latin typeface="Arial" panose="020B0604020202020204" pitchFamily="34" charset="0"/>
-                  <a:ea typeface="ＭＳ Ｐゴシック" panose="020B0600070205080204" pitchFamily="34" charset="-128"/>
-                </a:defRPr>
-              </a:lvl9pPr>
-            </a:lstStyle>
-            <a:p>
-              <a:pPr eaLnBrk="1" hangingPunct="1"/>
-              <a:endParaRPr lang="en-US" altLang="en-US"/>
-            </a:p>
-          </p:txBody>
-        </p:sp>
-        <p:sp>
-          <p:nvSpPr>
-            <p:cNvPr id="70" name="Oval 670">
-              <a:extLst>
-                <a:ext uri="{FF2B5EF4-FFF2-40B4-BE49-F238E27FC236}">
-                  <a16:creationId xmlns:a16="http://schemas.microsoft.com/office/drawing/2014/main" id="{56162DCD-1D83-42D4-BFC3-9D34A31B6A33}"/>
-                </a:ext>
-              </a:extLst>
-            </p:cNvPr>
-            <p:cNvSpPr>
-              <a:spLocks noChangeArrowheads="1"/>
-            </p:cNvSpPr>
-            <p:nvPr/>
-          </p:nvSpPr>
-          <p:spPr bwMode="auto">
-            <a:xfrm flipH="1">
-              <a:off x="4178245" y="7633525"/>
-              <a:ext cx="211138" cy="230188"/>
-            </a:xfrm>
-            <a:prstGeom prst="ellipse">
-              <a:avLst/>
-            </a:prstGeom>
+            <a:round/>
+            <a:headEnd/>
+            <a:tailEnd/>
+          </a:ln>
+        </p:spPr>
+        <p:txBody>
+          <a:bodyPr wrap="none" anchor="ctr"/>
+          <a:lstStyle>
+            <a:lvl1pPr eaLnBrk="0" hangingPunct="0">
+              <a:defRPr>
+                <a:solidFill>
+                  <a:schemeClr val="tx1"/>
+                </a:solidFill>
+                <a:latin typeface="Arial" panose="020B0604020202020204" pitchFamily="34" charset="0"/>
+                <a:ea typeface="ＭＳ Ｐゴシック" panose="020B0600070205080204" pitchFamily="34" charset="-128"/>
+              </a:defRPr>
+            </a:lvl1pPr>
+            <a:lvl2pPr marL="742950" indent="-285750" eaLnBrk="0" hangingPunct="0">
+              <a:defRPr>
+                <a:solidFill>
+                  <a:schemeClr val="tx1"/>
+                </a:solidFill>
+                <a:latin typeface="Arial" panose="020B0604020202020204" pitchFamily="34" charset="0"/>
+                <a:ea typeface="ＭＳ Ｐゴシック" panose="020B0600070205080204" pitchFamily="34" charset="-128"/>
+              </a:defRPr>
+            </a:lvl2pPr>
+            <a:lvl3pPr marL="1143000" indent="-228600" eaLnBrk="0" hangingPunct="0">
+              <a:defRPr>
+                <a:solidFill>
+                  <a:schemeClr val="tx1"/>
+                </a:solidFill>
+                <a:latin typeface="Arial" panose="020B0604020202020204" pitchFamily="34" charset="0"/>
+                <a:ea typeface="ＭＳ Ｐゴシック" panose="020B0600070205080204" pitchFamily="34" charset="-128"/>
+              </a:defRPr>
+            </a:lvl3pPr>
+            <a:lvl4pPr marL="1600200" indent="-228600" eaLnBrk="0" hangingPunct="0">
+              <a:defRPr>
+                <a:solidFill>
+                  <a:schemeClr val="tx1"/>
+                </a:solidFill>
+                <a:latin typeface="Arial" panose="020B0604020202020204" pitchFamily="34" charset="0"/>
+                <a:ea typeface="ＭＳ Ｐゴシック" panose="020B0600070205080204" pitchFamily="34" charset="-128"/>
+              </a:defRPr>
+            </a:lvl4pPr>
+            <a:lvl5pPr marL="2057400" indent="-228600" eaLnBrk="0" hangingPunct="0">
+              <a:defRPr>
+                <a:solidFill>
+                  <a:schemeClr val="tx1"/>
+                </a:solidFill>
+                <a:latin typeface="Arial" panose="020B0604020202020204" pitchFamily="34" charset="0"/>
+                <a:ea typeface="ＭＳ Ｐゴシック" panose="020B0600070205080204" pitchFamily="34" charset="-128"/>
+              </a:defRPr>
+            </a:lvl5pPr>
+            <a:lvl6pPr marL="2514600" indent="-228600" eaLnBrk="0" fontAlgn="base" hangingPunct="0">
+              <a:spcBef>
+                <a:spcPct val="0"/>
+              </a:spcBef>
+              <a:spcAft>
+                <a:spcPct val="0"/>
+              </a:spcAft>
+              <a:defRPr>
+                <a:solidFill>
+                  <a:schemeClr val="tx1"/>
+                </a:solidFill>
+                <a:latin typeface="Arial" panose="020B0604020202020204" pitchFamily="34" charset="0"/>
+                <a:ea typeface="ＭＳ Ｐゴシック" panose="020B0600070205080204" pitchFamily="34" charset="-128"/>
+              </a:defRPr>
+            </a:lvl6pPr>
+            <a:lvl7pPr marL="2971800" indent="-228600" eaLnBrk="0" fontAlgn="base" hangingPunct="0">
+              <a:spcBef>
+                <a:spcPct val="0"/>
+              </a:spcBef>
+              <a:spcAft>
+                <a:spcPct val="0"/>
+              </a:spcAft>
+              <a:defRPr>
+                <a:solidFill>
+                  <a:schemeClr val="tx1"/>
+                </a:solidFill>
+                <a:latin typeface="Arial" panose="020B0604020202020204" pitchFamily="34" charset="0"/>
+                <a:ea typeface="ＭＳ Ｐゴシック" panose="020B0600070205080204" pitchFamily="34" charset="-128"/>
+              </a:defRPr>
+            </a:lvl7pPr>
+            <a:lvl8pPr marL="3429000" indent="-228600" eaLnBrk="0" fontAlgn="base" hangingPunct="0">
+              <a:spcBef>
+                <a:spcPct val="0"/>
+              </a:spcBef>
+              <a:spcAft>
+                <a:spcPct val="0"/>
+              </a:spcAft>
+              <a:defRPr>
+                <a:solidFill>
+                  <a:schemeClr val="tx1"/>
+                </a:solidFill>
+                <a:latin typeface="Arial" panose="020B0604020202020204" pitchFamily="34" charset="0"/>
+                <a:ea typeface="ＭＳ Ｐゴシック" panose="020B0600070205080204" pitchFamily="34" charset="-128"/>
+              </a:defRPr>
+            </a:lvl8pPr>
+            <a:lvl9pPr marL="3886200" indent="-228600" eaLnBrk="0" fontAlgn="base" hangingPunct="0">
+              <a:spcBef>
+                <a:spcPct val="0"/>
+              </a:spcBef>
+              <a:spcAft>
+                <a:spcPct val="0"/>
+              </a:spcAft>
+              <a:defRPr>
+                <a:solidFill>
+                  <a:schemeClr val="tx1"/>
+                </a:solidFill>
+                <a:latin typeface="Arial" panose="020B0604020202020204" pitchFamily="34" charset="0"/>
+                <a:ea typeface="ＭＳ Ｐゴシック" panose="020B0600070205080204" pitchFamily="34" charset="-128"/>
+              </a:defRPr>
+            </a:lvl9pPr>
+          </a:lstStyle>
+          <a:p>
+            <a:pPr eaLnBrk="1" hangingPunct="1"/>
+            <a:endParaRPr lang="en-US" altLang="en-US"/>
+          </a:p>
+        </p:txBody>
+      </p:sp>
+      <p:sp>
+        <p:nvSpPr>
+          <p:cNvPr id="70" name="Oval 670">
+            <a:extLst>
+              <a:ext uri="{FF2B5EF4-FFF2-40B4-BE49-F238E27FC236}">
+                <a16:creationId xmlns:a16="http://schemas.microsoft.com/office/drawing/2014/main" id="{56162DCD-1D83-42D4-BFC3-9D34A31B6A33}"/>
+              </a:ext>
+            </a:extLst>
+          </p:cNvPr>
+          <p:cNvSpPr>
+            <a:spLocks noChangeArrowheads="1"/>
+          </p:cNvSpPr>
+          <p:nvPr/>
+        </p:nvSpPr>
+        <p:spPr bwMode="auto">
+          <a:xfrm flipH="1">
+            <a:off x="4103144" y="5383266"/>
+            <a:ext cx="211138" cy="230188"/>
+          </a:xfrm>
+          <a:prstGeom prst="ellipse">
+            <a:avLst/>
+          </a:prstGeom>
+          <a:solidFill>
+            <a:srgbClr val="00CCFF"/>
+          </a:solidFill>
+          <a:ln w="9525">
             <a:solidFill>
-              <a:srgbClr val="00CCFF"/>
+              <a:schemeClr val="tx1"/>
             </a:solidFill>
-            <a:ln w="9525">
-              <a:solidFill>
-                <a:schemeClr val="tx1"/>
-              </a:solidFill>
-              <a:round/>
-              <a:headEnd/>
-              <a:tailEnd/>
-            </a:ln>
-          </p:spPr>
-          <p:txBody>
-            <a:bodyPr wrap="none" anchor="ctr"/>
-            <a:lstStyle>
-              <a:lvl1pPr eaLnBrk="0" hangingPunct="0">
-                <a:defRPr>
-                  <a:solidFill>
-                    <a:schemeClr val="tx1"/>
-                  </a:solidFill>
-                  <a:latin typeface="Arial" panose="020B0604020202020204" pitchFamily="34" charset="0"/>
-                  <a:ea typeface="ＭＳ Ｐゴシック" panose="020B0600070205080204" pitchFamily="34" charset="-128"/>
-                </a:defRPr>
-              </a:lvl1pPr>
-              <a:lvl2pPr marL="742950" indent="-285750" eaLnBrk="0" hangingPunct="0">
-                <a:defRPr>
-                  <a:solidFill>
-                    <a:schemeClr val="tx1"/>
-                  </a:solidFill>
-                  <a:latin typeface="Arial" panose="020B0604020202020204" pitchFamily="34" charset="0"/>
-                  <a:ea typeface="ＭＳ Ｐゴシック" panose="020B0600070205080204" pitchFamily="34" charset="-128"/>
-                </a:defRPr>
-              </a:lvl2pPr>
-              <a:lvl3pPr marL="1143000" indent="-228600" eaLnBrk="0" hangingPunct="0">
-                <a:defRPr>
-                  <a:solidFill>
-                    <a:schemeClr val="tx1"/>
-                  </a:solidFill>
-                  <a:latin typeface="Arial" panose="020B0604020202020204" pitchFamily="34" charset="0"/>
-                  <a:ea typeface="ＭＳ Ｐゴシック" panose="020B0600070205080204" pitchFamily="34" charset="-128"/>
-                </a:defRPr>
-              </a:lvl3pPr>
-              <a:lvl4pPr marL="1600200" indent="-228600" eaLnBrk="0" hangingPunct="0">
-                <a:defRPr>
-                  <a:solidFill>
-                    <a:schemeClr val="tx1"/>
-                  </a:solidFill>
-                  <a:latin typeface="Arial" panose="020B0604020202020204" pitchFamily="34" charset="0"/>
-                  <a:ea typeface="ＭＳ Ｐゴシック" panose="020B0600070205080204" pitchFamily="34" charset="-128"/>
-                </a:defRPr>
-              </a:lvl4pPr>
-              <a:lvl5pPr marL="2057400" indent="-228600" eaLnBrk="0" hangingPunct="0">
-                <a:defRPr>
-                  <a:solidFill>
-                    <a:schemeClr val="tx1"/>
-                  </a:solidFill>
-                  <a:latin typeface="Arial" panose="020B0604020202020204" pitchFamily="34" charset="0"/>
-                  <a:ea typeface="ＭＳ Ｐゴシック" panose="020B0600070205080204" pitchFamily="34" charset="-128"/>
-                </a:defRPr>
-              </a:lvl5pPr>
-              <a:lvl6pPr marL="2514600" indent="-228600" eaLnBrk="0" fontAlgn="base" hangingPunct="0">
-                <a:spcBef>
-                  <a:spcPct val="0"/>
-                </a:spcBef>
-                <a:spcAft>
-                  <a:spcPct val="0"/>
-                </a:spcAft>
-                <a:defRPr>
-                  <a:solidFill>
-                    <a:schemeClr val="tx1"/>
-                  </a:solidFill>
-                  <a:latin typeface="Arial" panose="020B0604020202020204" pitchFamily="34" charset="0"/>
-                  <a:ea typeface="ＭＳ Ｐゴシック" panose="020B0600070205080204" pitchFamily="34" charset="-128"/>
-                </a:defRPr>
-              </a:lvl6pPr>
-              <a:lvl7pPr marL="2971800" indent="-228600" eaLnBrk="0" fontAlgn="base" hangingPunct="0">
-                <a:spcBef>
-                  <a:spcPct val="0"/>
-                </a:spcBef>
-                <a:spcAft>
-                  <a:spcPct val="0"/>
-                </a:spcAft>
-                <a:defRPr>
-                  <a:solidFill>
-                    <a:schemeClr val="tx1"/>
-                  </a:solidFill>
-                  <a:latin typeface="Arial" panose="020B0604020202020204" pitchFamily="34" charset="0"/>
-                  <a:ea typeface="ＭＳ Ｐゴシック" panose="020B0600070205080204" pitchFamily="34" charset="-128"/>
-                </a:defRPr>
-              </a:lvl7pPr>
-              <a:lvl8pPr marL="3429000" indent="-228600" eaLnBrk="0" fontAlgn="base" hangingPunct="0">
-                <a:spcBef>
-                  <a:spcPct val="0"/>
-                </a:spcBef>
-                <a:spcAft>
-                  <a:spcPct val="0"/>
-                </a:spcAft>
-                <a:defRPr>
-                  <a:solidFill>
-                    <a:schemeClr val="tx1"/>
-                  </a:solidFill>
-                  <a:latin typeface="Arial" panose="020B0604020202020204" pitchFamily="34" charset="0"/>
-                  <a:ea typeface="ＭＳ Ｐゴシック" panose="020B0600070205080204" pitchFamily="34" charset="-128"/>
-                </a:defRPr>
-              </a:lvl8pPr>
-              <a:lvl9pPr marL="3886200" indent="-228600" eaLnBrk="0" fontAlgn="base" hangingPunct="0">
-                <a:spcBef>
-                  <a:spcPct val="0"/>
-                </a:spcBef>
-                <a:spcAft>
-                  <a:spcPct val="0"/>
-                </a:spcAft>
-                <a:defRPr>
-                  <a:solidFill>
-                    <a:schemeClr val="tx1"/>
-                  </a:solidFill>
-                  <a:latin typeface="Arial" panose="020B0604020202020204" pitchFamily="34" charset="0"/>
-                  <a:ea typeface="ＭＳ Ｐゴシック" panose="020B0600070205080204" pitchFamily="34" charset="-128"/>
-                </a:defRPr>
-              </a:lvl9pPr>
-            </a:lstStyle>
-            <a:p>
-              <a:pPr eaLnBrk="1" hangingPunct="1"/>
-              <a:endParaRPr lang="en-US" altLang="en-US"/>
-            </a:p>
-          </p:txBody>
-        </p:sp>
-        <p:sp>
-          <p:nvSpPr>
-            <p:cNvPr id="71" name="Oval 670">
-              <a:extLst>
-                <a:ext uri="{FF2B5EF4-FFF2-40B4-BE49-F238E27FC236}">
-                  <a16:creationId xmlns:a16="http://schemas.microsoft.com/office/drawing/2014/main" id="{023B211F-F723-4BD5-9853-9F556C9722F8}"/>
-                </a:ext>
-              </a:extLst>
-            </p:cNvPr>
-            <p:cNvSpPr>
-              <a:spLocks noChangeArrowheads="1"/>
-            </p:cNvSpPr>
-            <p:nvPr/>
-          </p:nvSpPr>
-          <p:spPr bwMode="auto">
-            <a:xfrm flipH="1">
-              <a:off x="4451350" y="7636632"/>
-              <a:ext cx="211138" cy="230188"/>
-            </a:xfrm>
-            <a:prstGeom prst="ellipse">
-              <a:avLst/>
-            </a:prstGeom>
-            <a:solidFill>
-              <a:srgbClr val="00CCFF"/>
-            </a:solidFill>
-            <a:ln w="9525">
-              <a:solidFill>
-                <a:schemeClr val="tx1"/>
-              </a:solidFill>
-              <a:round/>
-              <a:headEnd/>
-              <a:tailEnd/>
-            </a:ln>
-          </p:spPr>
-          <p:txBody>
-            <a:bodyPr wrap="none" anchor="ctr"/>
-            <a:lstStyle>
-              <a:lvl1pPr eaLnBrk="0" hangingPunct="0">
-                <a:defRPr>
-                  <a:solidFill>
-                    <a:schemeClr val="tx1"/>
-                  </a:solidFill>
-                  <a:latin typeface="Arial" panose="020B0604020202020204" pitchFamily="34" charset="0"/>
-                  <a:ea typeface="ＭＳ Ｐゴシック" panose="020B0600070205080204" pitchFamily="34" charset="-128"/>
-                </a:defRPr>
-              </a:lvl1pPr>
-              <a:lvl2pPr marL="742950" indent="-285750" eaLnBrk="0" hangingPunct="0">
-                <a:defRPr>
-                  <a:solidFill>
-                    <a:schemeClr val="tx1"/>
-                  </a:solidFill>
-                  <a:latin typeface="Arial" panose="020B0604020202020204" pitchFamily="34" charset="0"/>
-                  <a:ea typeface="ＭＳ Ｐゴシック" panose="020B0600070205080204" pitchFamily="34" charset="-128"/>
-                </a:defRPr>
-              </a:lvl2pPr>
-              <a:lvl3pPr marL="1143000" indent="-228600" eaLnBrk="0" hangingPunct="0">
-                <a:defRPr>
-                  <a:solidFill>
-                    <a:schemeClr val="tx1"/>
-                  </a:solidFill>
-                  <a:latin typeface="Arial" panose="020B0604020202020204" pitchFamily="34" charset="0"/>
-                  <a:ea typeface="ＭＳ Ｐゴシック" panose="020B0600070205080204" pitchFamily="34" charset="-128"/>
-                </a:defRPr>
-              </a:lvl3pPr>
-              <a:lvl4pPr marL="1600200" indent="-228600" eaLnBrk="0" hangingPunct="0">
-                <a:defRPr>
-                  <a:solidFill>
-                    <a:schemeClr val="tx1"/>
-                  </a:solidFill>
-                  <a:latin typeface="Arial" panose="020B0604020202020204" pitchFamily="34" charset="0"/>
-                  <a:ea typeface="ＭＳ Ｐゴシック" panose="020B0600070205080204" pitchFamily="34" charset="-128"/>
-                </a:defRPr>
-              </a:lvl4pPr>
-              <a:lvl5pPr marL="2057400" indent="-228600" eaLnBrk="0" hangingPunct="0">
-                <a:defRPr>
-                  <a:solidFill>
-                    <a:schemeClr val="tx1"/>
-                  </a:solidFill>
-                  <a:latin typeface="Arial" panose="020B0604020202020204" pitchFamily="34" charset="0"/>
-                  <a:ea typeface="ＭＳ Ｐゴシック" panose="020B0600070205080204" pitchFamily="34" charset="-128"/>
-                </a:defRPr>
-              </a:lvl5pPr>
-              <a:lvl6pPr marL="2514600" indent="-228600" eaLnBrk="0" fontAlgn="base" hangingPunct="0">
-                <a:spcBef>
-                  <a:spcPct val="0"/>
-                </a:spcBef>
-                <a:spcAft>
-                  <a:spcPct val="0"/>
-                </a:spcAft>
-                <a:defRPr>
-                  <a:solidFill>
-                    <a:schemeClr val="tx1"/>
-                  </a:solidFill>
-                  <a:latin typeface="Arial" panose="020B0604020202020204" pitchFamily="34" charset="0"/>
-                  <a:ea typeface="ＭＳ Ｐゴシック" panose="020B0600070205080204" pitchFamily="34" charset="-128"/>
-                </a:defRPr>
-              </a:lvl6pPr>
-              <a:lvl7pPr marL="2971800" indent="-228600" eaLnBrk="0" fontAlgn="base" hangingPunct="0">
-                <a:spcBef>
-                  <a:spcPct val="0"/>
-                </a:spcBef>
-                <a:spcAft>
-                  <a:spcPct val="0"/>
-                </a:spcAft>
-                <a:defRPr>
-                  <a:solidFill>
-                    <a:schemeClr val="tx1"/>
-                  </a:solidFill>
-                  <a:latin typeface="Arial" panose="020B0604020202020204" pitchFamily="34" charset="0"/>
-                  <a:ea typeface="ＭＳ Ｐゴシック" panose="020B0600070205080204" pitchFamily="34" charset="-128"/>
-                </a:defRPr>
-              </a:lvl7pPr>
-              <a:lvl8pPr marL="3429000" indent="-228600" eaLnBrk="0" fontAlgn="base" hangingPunct="0">
-                <a:spcBef>
-                  <a:spcPct val="0"/>
-                </a:spcBef>
-                <a:spcAft>
-                  <a:spcPct val="0"/>
-                </a:spcAft>
-                <a:defRPr>
-                  <a:solidFill>
-                    <a:schemeClr val="tx1"/>
-                  </a:solidFill>
-                  <a:latin typeface="Arial" panose="020B0604020202020204" pitchFamily="34" charset="0"/>
-                  <a:ea typeface="ＭＳ Ｐゴシック" panose="020B0600070205080204" pitchFamily="34" charset="-128"/>
-                </a:defRPr>
-              </a:lvl8pPr>
-              <a:lvl9pPr marL="3886200" indent="-228600" eaLnBrk="0" fontAlgn="base" hangingPunct="0">
-                <a:spcBef>
-                  <a:spcPct val="0"/>
-                </a:spcBef>
-                <a:spcAft>
-                  <a:spcPct val="0"/>
-                </a:spcAft>
-                <a:defRPr>
-                  <a:solidFill>
-                    <a:schemeClr val="tx1"/>
-                  </a:solidFill>
-                  <a:latin typeface="Arial" panose="020B0604020202020204" pitchFamily="34" charset="0"/>
-                  <a:ea typeface="ＭＳ Ｐゴシック" panose="020B0600070205080204" pitchFamily="34" charset="-128"/>
-                </a:defRPr>
-              </a:lvl9pPr>
-            </a:lstStyle>
-            <a:p>
-              <a:pPr eaLnBrk="1" hangingPunct="1"/>
-              <a:endParaRPr lang="en-US" altLang="en-US"/>
-            </a:p>
-          </p:txBody>
-        </p:sp>
-      </p:grpSp>
+            <a:round/>
+            <a:headEnd/>
+            <a:tailEnd/>
+          </a:ln>
+        </p:spPr>
+        <p:txBody>
+          <a:bodyPr wrap="none" anchor="ctr"/>
+          <a:lstStyle>
+            <a:lvl1pPr eaLnBrk="0" hangingPunct="0">
+              <a:defRPr>
+                <a:solidFill>
+                  <a:schemeClr val="tx1"/>
+                </a:solidFill>
+                <a:latin typeface="Arial" panose="020B0604020202020204" pitchFamily="34" charset="0"/>
+                <a:ea typeface="ＭＳ Ｐゴシック" panose="020B0600070205080204" pitchFamily="34" charset="-128"/>
+              </a:defRPr>
+            </a:lvl1pPr>
+            <a:lvl2pPr marL="742950" indent="-285750" eaLnBrk="0" hangingPunct="0">
+              <a:defRPr>
+                <a:solidFill>
+                  <a:schemeClr val="tx1"/>
+                </a:solidFill>
+                <a:latin typeface="Arial" panose="020B0604020202020204" pitchFamily="34" charset="0"/>
+                <a:ea typeface="ＭＳ Ｐゴシック" panose="020B0600070205080204" pitchFamily="34" charset="-128"/>
+              </a:defRPr>
+            </a:lvl2pPr>
+            <a:lvl3pPr marL="1143000" indent="-228600" eaLnBrk="0" hangingPunct="0">
+              <a:defRPr>
+                <a:solidFill>
+                  <a:schemeClr val="tx1"/>
+                </a:solidFill>
+                <a:latin typeface="Arial" panose="020B0604020202020204" pitchFamily="34" charset="0"/>
+                <a:ea typeface="ＭＳ Ｐゴシック" panose="020B0600070205080204" pitchFamily="34" charset="-128"/>
+              </a:defRPr>
+            </a:lvl3pPr>
+            <a:lvl4pPr marL="1600200" indent="-228600" eaLnBrk="0" hangingPunct="0">
+              <a:defRPr>
+                <a:solidFill>
+                  <a:schemeClr val="tx1"/>
+                </a:solidFill>
+                <a:latin typeface="Arial" panose="020B0604020202020204" pitchFamily="34" charset="0"/>
+                <a:ea typeface="ＭＳ Ｐゴシック" panose="020B0600070205080204" pitchFamily="34" charset="-128"/>
+              </a:defRPr>
+            </a:lvl4pPr>
+            <a:lvl5pPr marL="2057400" indent="-228600" eaLnBrk="0" hangingPunct="0">
+              <a:defRPr>
+                <a:solidFill>
+                  <a:schemeClr val="tx1"/>
+                </a:solidFill>
+                <a:latin typeface="Arial" panose="020B0604020202020204" pitchFamily="34" charset="0"/>
+                <a:ea typeface="ＭＳ Ｐゴシック" panose="020B0600070205080204" pitchFamily="34" charset="-128"/>
+              </a:defRPr>
+            </a:lvl5pPr>
+            <a:lvl6pPr marL="2514600" indent="-228600" eaLnBrk="0" fontAlgn="base" hangingPunct="0">
+              <a:spcBef>
+                <a:spcPct val="0"/>
+              </a:spcBef>
+              <a:spcAft>
+                <a:spcPct val="0"/>
+              </a:spcAft>
+              <a:defRPr>
+                <a:solidFill>
+                  <a:schemeClr val="tx1"/>
+                </a:solidFill>
+                <a:latin typeface="Arial" panose="020B0604020202020204" pitchFamily="34" charset="0"/>
+                <a:ea typeface="ＭＳ Ｐゴシック" panose="020B0600070205080204" pitchFamily="34" charset="-128"/>
+              </a:defRPr>
+            </a:lvl6pPr>
+            <a:lvl7pPr marL="2971800" indent="-228600" eaLnBrk="0" fontAlgn="base" hangingPunct="0">
+              <a:spcBef>
+                <a:spcPct val="0"/>
+              </a:spcBef>
+              <a:spcAft>
+                <a:spcPct val="0"/>
+              </a:spcAft>
+              <a:defRPr>
+                <a:solidFill>
+                  <a:schemeClr val="tx1"/>
+                </a:solidFill>
+                <a:latin typeface="Arial" panose="020B0604020202020204" pitchFamily="34" charset="0"/>
+                <a:ea typeface="ＭＳ Ｐゴシック" panose="020B0600070205080204" pitchFamily="34" charset="-128"/>
+              </a:defRPr>
+            </a:lvl7pPr>
+            <a:lvl8pPr marL="3429000" indent="-228600" eaLnBrk="0" fontAlgn="base" hangingPunct="0">
+              <a:spcBef>
+                <a:spcPct val="0"/>
+              </a:spcBef>
+              <a:spcAft>
+                <a:spcPct val="0"/>
+              </a:spcAft>
+              <a:defRPr>
+                <a:solidFill>
+                  <a:schemeClr val="tx1"/>
+                </a:solidFill>
+                <a:latin typeface="Arial" panose="020B0604020202020204" pitchFamily="34" charset="0"/>
+                <a:ea typeface="ＭＳ Ｐゴシック" panose="020B0600070205080204" pitchFamily="34" charset="-128"/>
+              </a:defRPr>
+            </a:lvl8pPr>
+            <a:lvl9pPr marL="3886200" indent="-228600" eaLnBrk="0" fontAlgn="base" hangingPunct="0">
+              <a:spcBef>
+                <a:spcPct val="0"/>
+              </a:spcBef>
+              <a:spcAft>
+                <a:spcPct val="0"/>
+              </a:spcAft>
+              <a:defRPr>
+                <a:solidFill>
+                  <a:schemeClr val="tx1"/>
+                </a:solidFill>
+                <a:latin typeface="Arial" panose="020B0604020202020204" pitchFamily="34" charset="0"/>
+                <a:ea typeface="ＭＳ Ｐゴシック" panose="020B0600070205080204" pitchFamily="34" charset="-128"/>
+              </a:defRPr>
+            </a:lvl9pPr>
+          </a:lstStyle>
+          <a:p>
+            <a:pPr eaLnBrk="1" hangingPunct="1"/>
+            <a:endParaRPr lang="en-US" altLang="en-US"/>
+          </a:p>
+        </p:txBody>
+      </p:sp>
       <p:cxnSp>
         <p:nvCxnSpPr>
           <p:cNvPr id="72" name="Straight Connector 71">
@@ -9162,6 +8843,41 @@
           <a:chExt cx="0" cy="0"/>
         </a:xfrm>
       </p:grpSpPr>
+      <p:sp>
+        <p:nvSpPr>
+          <p:cNvPr id="52" name="TextBox 51">
+            <a:extLst>
+              <a:ext uri="{FF2B5EF4-FFF2-40B4-BE49-F238E27FC236}">
+                <a16:creationId xmlns:a16="http://schemas.microsoft.com/office/drawing/2014/main" id="{0CA96860-BAC6-4193-A2EC-8C778CA0F8B1}"/>
+              </a:ext>
+            </a:extLst>
+          </p:cNvPr>
+          <p:cNvSpPr txBox="1"/>
+          <p:nvPr/>
+        </p:nvSpPr>
+        <p:spPr>
+          <a:xfrm>
+            <a:off x="1985582" y="5299422"/>
+            <a:ext cx="3467616" cy="369332"/>
+          </a:xfrm>
+          <a:prstGeom prst="rect">
+            <a:avLst/>
+          </a:prstGeom>
+          <a:noFill/>
+        </p:spPr>
+        <p:txBody>
+          <a:bodyPr wrap="none" rtlCol="0">
+            <a:spAutoFit/>
+          </a:bodyPr>
+          <a:lstStyle/>
+          <a:p>
+            <a:r>
+              <a:rPr lang="en-US" dirty="0"/>
+              <a:t>1x                              Plate Rack</a:t>
+            </a:r>
+          </a:p>
+        </p:txBody>
+      </p:sp>
       <p:sp>
         <p:nvSpPr>
           <p:cNvPr id="3" name="TextBox 2">
@@ -9598,1298 +9314,944 @@
           </a:p>
         </p:txBody>
       </p:sp>
-      <p:grpSp>
-        <p:nvGrpSpPr>
-          <p:cNvPr id="42" name="Group 41">
+      <p:sp>
+        <p:nvSpPr>
+          <p:cNvPr id="43" name="Rectangle 126">
             <a:extLst>
               <a:ext uri="{FF2B5EF4-FFF2-40B4-BE49-F238E27FC236}">
-                <a16:creationId xmlns:a16="http://schemas.microsoft.com/office/drawing/2014/main" id="{B95F7E9C-D050-42E2-8CA6-3433384C5901}"/>
+                <a16:creationId xmlns:a16="http://schemas.microsoft.com/office/drawing/2014/main" id="{A7377FA6-98AF-4892-AA25-AC6E2EE0E2F0}"/>
               </a:ext>
             </a:extLst>
           </p:cNvPr>
-          <p:cNvGrpSpPr/>
-          <p:nvPr/>
-        </p:nvGrpSpPr>
-        <p:grpSpPr>
-          <a:xfrm>
-            <a:off x="2421492" y="5221822"/>
-            <a:ext cx="1619250" cy="657485"/>
-            <a:chOff x="3048000" y="7623740"/>
-            <a:chExt cx="1619250" cy="657485"/>
-          </a:xfrm>
-        </p:grpSpPr>
-        <p:sp>
-          <p:nvSpPr>
-            <p:cNvPr id="43" name="Rectangle 126">
-              <a:extLst>
-                <a:ext uri="{FF2B5EF4-FFF2-40B4-BE49-F238E27FC236}">
-                  <a16:creationId xmlns:a16="http://schemas.microsoft.com/office/drawing/2014/main" id="{A7377FA6-98AF-4892-AA25-AC6E2EE0E2F0}"/>
-                </a:ext>
-              </a:extLst>
-            </p:cNvPr>
-            <p:cNvSpPr>
-              <a:spLocks noChangeArrowheads="1"/>
-            </p:cNvSpPr>
-            <p:nvPr/>
-          </p:nvSpPr>
-          <p:spPr bwMode="auto">
-            <a:xfrm>
-              <a:off x="3048000" y="7863713"/>
-              <a:ext cx="1614488" cy="98425"/>
-            </a:xfrm>
-            <a:prstGeom prst="rect">
-              <a:avLst/>
-            </a:prstGeom>
-            <a:solidFill>
-              <a:srgbClr val="000000"/>
-            </a:solidFill>
-            <a:ln w="15875">
-              <a:solidFill>
-                <a:srgbClr val="000000"/>
-              </a:solidFill>
-              <a:miter lim="800000"/>
-              <a:headEnd/>
-              <a:tailEnd/>
-            </a:ln>
-          </p:spPr>
-          <p:txBody>
-            <a:bodyPr/>
-            <a:lstStyle>
-              <a:lvl1pPr eaLnBrk="0" hangingPunct="0">
-                <a:defRPr>
-                  <a:solidFill>
-                    <a:schemeClr val="tx1"/>
-                  </a:solidFill>
-                  <a:latin typeface="Arial" panose="020B0604020202020204" pitchFamily="34" charset="0"/>
-                  <a:ea typeface="ＭＳ Ｐゴシック" panose="020B0600070205080204" pitchFamily="34" charset="-128"/>
-                </a:defRPr>
-              </a:lvl1pPr>
-              <a:lvl2pPr marL="742950" indent="-285750" eaLnBrk="0" hangingPunct="0">
-                <a:defRPr>
-                  <a:solidFill>
-                    <a:schemeClr val="tx1"/>
-                  </a:solidFill>
-                  <a:latin typeface="Arial" panose="020B0604020202020204" pitchFamily="34" charset="0"/>
-                  <a:ea typeface="ＭＳ Ｐゴシック" panose="020B0600070205080204" pitchFamily="34" charset="-128"/>
-                </a:defRPr>
-              </a:lvl2pPr>
-              <a:lvl3pPr marL="1143000" indent="-228600" eaLnBrk="0" hangingPunct="0">
-                <a:defRPr>
-                  <a:solidFill>
-                    <a:schemeClr val="tx1"/>
-                  </a:solidFill>
-                  <a:latin typeface="Arial" panose="020B0604020202020204" pitchFamily="34" charset="0"/>
-                  <a:ea typeface="ＭＳ Ｐゴシック" panose="020B0600070205080204" pitchFamily="34" charset="-128"/>
-                </a:defRPr>
-              </a:lvl3pPr>
-              <a:lvl4pPr marL="1600200" indent="-228600" eaLnBrk="0" hangingPunct="0">
-                <a:defRPr>
-                  <a:solidFill>
-                    <a:schemeClr val="tx1"/>
-                  </a:solidFill>
-                  <a:latin typeface="Arial" panose="020B0604020202020204" pitchFamily="34" charset="0"/>
-                  <a:ea typeface="ＭＳ Ｐゴシック" panose="020B0600070205080204" pitchFamily="34" charset="-128"/>
-                </a:defRPr>
-              </a:lvl4pPr>
-              <a:lvl5pPr marL="2057400" indent="-228600" eaLnBrk="0" hangingPunct="0">
-                <a:defRPr>
-                  <a:solidFill>
-                    <a:schemeClr val="tx1"/>
-                  </a:solidFill>
-                  <a:latin typeface="Arial" panose="020B0604020202020204" pitchFamily="34" charset="0"/>
-                  <a:ea typeface="ＭＳ Ｐゴシック" panose="020B0600070205080204" pitchFamily="34" charset="-128"/>
-                </a:defRPr>
-              </a:lvl5pPr>
-              <a:lvl6pPr marL="2514600" indent="-228600" eaLnBrk="0" fontAlgn="base" hangingPunct="0">
-                <a:spcBef>
-                  <a:spcPct val="0"/>
-                </a:spcBef>
-                <a:spcAft>
-                  <a:spcPct val="0"/>
-                </a:spcAft>
-                <a:defRPr>
-                  <a:solidFill>
-                    <a:schemeClr val="tx1"/>
-                  </a:solidFill>
-                  <a:latin typeface="Arial" panose="020B0604020202020204" pitchFamily="34" charset="0"/>
-                  <a:ea typeface="ＭＳ Ｐゴシック" panose="020B0600070205080204" pitchFamily="34" charset="-128"/>
-                </a:defRPr>
-              </a:lvl6pPr>
-              <a:lvl7pPr marL="2971800" indent="-228600" eaLnBrk="0" fontAlgn="base" hangingPunct="0">
-                <a:spcBef>
-                  <a:spcPct val="0"/>
-                </a:spcBef>
-                <a:spcAft>
-                  <a:spcPct val="0"/>
-                </a:spcAft>
-                <a:defRPr>
-                  <a:solidFill>
-                    <a:schemeClr val="tx1"/>
-                  </a:solidFill>
-                  <a:latin typeface="Arial" panose="020B0604020202020204" pitchFamily="34" charset="0"/>
-                  <a:ea typeface="ＭＳ Ｐゴシック" panose="020B0600070205080204" pitchFamily="34" charset="-128"/>
-                </a:defRPr>
-              </a:lvl7pPr>
-              <a:lvl8pPr marL="3429000" indent="-228600" eaLnBrk="0" fontAlgn="base" hangingPunct="0">
-                <a:spcBef>
-                  <a:spcPct val="0"/>
-                </a:spcBef>
-                <a:spcAft>
-                  <a:spcPct val="0"/>
-                </a:spcAft>
-                <a:defRPr>
-                  <a:solidFill>
-                    <a:schemeClr val="tx1"/>
-                  </a:solidFill>
-                  <a:latin typeface="Arial" panose="020B0604020202020204" pitchFamily="34" charset="0"/>
-                  <a:ea typeface="ＭＳ Ｐゴシック" panose="020B0600070205080204" pitchFamily="34" charset="-128"/>
-                </a:defRPr>
-              </a:lvl8pPr>
-              <a:lvl9pPr marL="3886200" indent="-228600" eaLnBrk="0" fontAlgn="base" hangingPunct="0">
-                <a:spcBef>
-                  <a:spcPct val="0"/>
-                </a:spcBef>
-                <a:spcAft>
-                  <a:spcPct val="0"/>
-                </a:spcAft>
-                <a:defRPr>
-                  <a:solidFill>
-                    <a:schemeClr val="tx1"/>
-                  </a:solidFill>
-                  <a:latin typeface="Arial" panose="020B0604020202020204" pitchFamily="34" charset="0"/>
-                  <a:ea typeface="ＭＳ Ｐゴシック" panose="020B0600070205080204" pitchFamily="34" charset="-128"/>
-                </a:defRPr>
-              </a:lvl9pPr>
-            </a:lstStyle>
-            <a:p>
-              <a:pPr eaLnBrk="1" hangingPunct="1"/>
-              <a:endParaRPr lang="en-US" altLang="en-US"/>
-            </a:p>
-          </p:txBody>
-        </p:sp>
-        <p:sp>
-          <p:nvSpPr>
-            <p:cNvPr id="44" name="Rectangle 127">
-              <a:extLst>
-                <a:ext uri="{FF2B5EF4-FFF2-40B4-BE49-F238E27FC236}">
-                  <a16:creationId xmlns:a16="http://schemas.microsoft.com/office/drawing/2014/main" id="{67191870-8332-4DE1-98F6-72E1EC842037}"/>
-                </a:ext>
-              </a:extLst>
-            </p:cNvPr>
-            <p:cNvSpPr>
-              <a:spLocks noChangeArrowheads="1"/>
-            </p:cNvSpPr>
-            <p:nvPr/>
-          </p:nvSpPr>
-          <p:spPr bwMode="auto">
-            <a:xfrm>
-              <a:off x="3071813" y="7962138"/>
-              <a:ext cx="3175" cy="319087"/>
-            </a:xfrm>
-            <a:prstGeom prst="rect">
-              <a:avLst/>
-            </a:prstGeom>
-            <a:solidFill>
-              <a:srgbClr val="000000"/>
-            </a:solidFill>
-            <a:ln w="25400">
-              <a:solidFill>
-                <a:srgbClr val="000000"/>
-              </a:solidFill>
-              <a:miter lim="800000"/>
-              <a:headEnd/>
-              <a:tailEnd/>
-            </a:ln>
-          </p:spPr>
-          <p:txBody>
-            <a:bodyPr/>
-            <a:lstStyle>
-              <a:lvl1pPr eaLnBrk="0" hangingPunct="0">
-                <a:defRPr>
-                  <a:solidFill>
-                    <a:schemeClr val="tx1"/>
-                  </a:solidFill>
-                  <a:latin typeface="Arial" panose="020B0604020202020204" pitchFamily="34" charset="0"/>
-                  <a:ea typeface="ＭＳ Ｐゴシック" panose="020B0600070205080204" pitchFamily="34" charset="-128"/>
-                </a:defRPr>
-              </a:lvl1pPr>
-              <a:lvl2pPr marL="742950" indent="-285750" eaLnBrk="0" hangingPunct="0">
-                <a:defRPr>
-                  <a:solidFill>
-                    <a:schemeClr val="tx1"/>
-                  </a:solidFill>
-                  <a:latin typeface="Arial" panose="020B0604020202020204" pitchFamily="34" charset="0"/>
-                  <a:ea typeface="ＭＳ Ｐゴシック" panose="020B0600070205080204" pitchFamily="34" charset="-128"/>
-                </a:defRPr>
-              </a:lvl2pPr>
-              <a:lvl3pPr marL="1143000" indent="-228600" eaLnBrk="0" hangingPunct="0">
-                <a:defRPr>
-                  <a:solidFill>
-                    <a:schemeClr val="tx1"/>
-                  </a:solidFill>
-                  <a:latin typeface="Arial" panose="020B0604020202020204" pitchFamily="34" charset="0"/>
-                  <a:ea typeface="ＭＳ Ｐゴシック" panose="020B0600070205080204" pitchFamily="34" charset="-128"/>
-                </a:defRPr>
-              </a:lvl3pPr>
-              <a:lvl4pPr marL="1600200" indent="-228600" eaLnBrk="0" hangingPunct="0">
-                <a:defRPr>
-                  <a:solidFill>
-                    <a:schemeClr val="tx1"/>
-                  </a:solidFill>
-                  <a:latin typeface="Arial" panose="020B0604020202020204" pitchFamily="34" charset="0"/>
-                  <a:ea typeface="ＭＳ Ｐゴシック" panose="020B0600070205080204" pitchFamily="34" charset="-128"/>
-                </a:defRPr>
-              </a:lvl4pPr>
-              <a:lvl5pPr marL="2057400" indent="-228600" eaLnBrk="0" hangingPunct="0">
-                <a:defRPr>
-                  <a:solidFill>
-                    <a:schemeClr val="tx1"/>
-                  </a:solidFill>
-                  <a:latin typeface="Arial" panose="020B0604020202020204" pitchFamily="34" charset="0"/>
-                  <a:ea typeface="ＭＳ Ｐゴシック" panose="020B0600070205080204" pitchFamily="34" charset="-128"/>
-                </a:defRPr>
-              </a:lvl5pPr>
-              <a:lvl6pPr marL="2514600" indent="-228600" eaLnBrk="0" fontAlgn="base" hangingPunct="0">
-                <a:spcBef>
-                  <a:spcPct val="0"/>
-                </a:spcBef>
-                <a:spcAft>
-                  <a:spcPct val="0"/>
-                </a:spcAft>
-                <a:defRPr>
-                  <a:solidFill>
-                    <a:schemeClr val="tx1"/>
-                  </a:solidFill>
-                  <a:latin typeface="Arial" panose="020B0604020202020204" pitchFamily="34" charset="0"/>
-                  <a:ea typeface="ＭＳ Ｐゴシック" panose="020B0600070205080204" pitchFamily="34" charset="-128"/>
-                </a:defRPr>
-              </a:lvl6pPr>
-              <a:lvl7pPr marL="2971800" indent="-228600" eaLnBrk="0" fontAlgn="base" hangingPunct="0">
-                <a:spcBef>
-                  <a:spcPct val="0"/>
-                </a:spcBef>
-                <a:spcAft>
-                  <a:spcPct val="0"/>
-                </a:spcAft>
-                <a:defRPr>
-                  <a:solidFill>
-                    <a:schemeClr val="tx1"/>
-                  </a:solidFill>
-                  <a:latin typeface="Arial" panose="020B0604020202020204" pitchFamily="34" charset="0"/>
-                  <a:ea typeface="ＭＳ Ｐゴシック" panose="020B0600070205080204" pitchFamily="34" charset="-128"/>
-                </a:defRPr>
-              </a:lvl7pPr>
-              <a:lvl8pPr marL="3429000" indent="-228600" eaLnBrk="0" fontAlgn="base" hangingPunct="0">
-                <a:spcBef>
-                  <a:spcPct val="0"/>
-                </a:spcBef>
-                <a:spcAft>
-                  <a:spcPct val="0"/>
-                </a:spcAft>
-                <a:defRPr>
-                  <a:solidFill>
-                    <a:schemeClr val="tx1"/>
-                  </a:solidFill>
-                  <a:latin typeface="Arial" panose="020B0604020202020204" pitchFamily="34" charset="0"/>
-                  <a:ea typeface="ＭＳ Ｐゴシック" panose="020B0600070205080204" pitchFamily="34" charset="-128"/>
-                </a:defRPr>
-              </a:lvl8pPr>
-              <a:lvl9pPr marL="3886200" indent="-228600" eaLnBrk="0" fontAlgn="base" hangingPunct="0">
-                <a:spcBef>
-                  <a:spcPct val="0"/>
-                </a:spcBef>
-                <a:spcAft>
-                  <a:spcPct val="0"/>
-                </a:spcAft>
-                <a:defRPr>
-                  <a:solidFill>
-                    <a:schemeClr val="tx1"/>
-                  </a:solidFill>
-                  <a:latin typeface="Arial" panose="020B0604020202020204" pitchFamily="34" charset="0"/>
-                  <a:ea typeface="ＭＳ Ｐゴシック" panose="020B0600070205080204" pitchFamily="34" charset="-128"/>
-                </a:defRPr>
-              </a:lvl9pPr>
-            </a:lstStyle>
-            <a:p>
-              <a:pPr eaLnBrk="1" hangingPunct="1"/>
-              <a:endParaRPr lang="en-US" altLang="en-US"/>
-            </a:p>
-          </p:txBody>
-        </p:sp>
-        <p:sp>
-          <p:nvSpPr>
-            <p:cNvPr id="45" name="Line 132">
-              <a:extLst>
-                <a:ext uri="{FF2B5EF4-FFF2-40B4-BE49-F238E27FC236}">
-                  <a16:creationId xmlns:a16="http://schemas.microsoft.com/office/drawing/2014/main" id="{0AC2D2AD-BF71-474E-B0C8-BD2DCF631509}"/>
-                </a:ext>
-              </a:extLst>
-            </p:cNvPr>
-            <p:cNvSpPr>
-              <a:spLocks noChangeShapeType="1"/>
-            </p:cNvSpPr>
-            <p:nvPr/>
-          </p:nvSpPr>
-          <p:spPr bwMode="auto">
-            <a:xfrm>
-              <a:off x="4665663" y="7889113"/>
-              <a:ext cx="1587" cy="392112"/>
-            </a:xfrm>
-            <a:prstGeom prst="line">
-              <a:avLst/>
-            </a:prstGeom>
-            <a:noFill/>
-            <a:ln w="25400">
-              <a:solidFill>
-                <a:srgbClr val="000000"/>
-              </a:solidFill>
-              <a:round/>
-              <a:headEnd/>
-              <a:tailEnd/>
-            </a:ln>
-            <a:extLst>
-              <a:ext uri="{909E8E84-426E-40DD-AFC4-6F175D3DCCD1}">
-                <a14:hiddenFill xmlns:a14="http://schemas.microsoft.com/office/drawing/2010/main">
-                  <a:noFill/>
-                </a14:hiddenFill>
-              </a:ext>
-            </a:extLst>
-          </p:spPr>
-          <p:txBody>
-            <a:bodyPr/>
-            <a:lstStyle/>
-            <a:p>
-              <a:endParaRPr lang="en-US"/>
-            </a:p>
-          </p:txBody>
-        </p:sp>
-        <p:sp>
-          <p:nvSpPr>
-            <p:cNvPr id="46" name="Oval 670">
-              <a:extLst>
-                <a:ext uri="{FF2B5EF4-FFF2-40B4-BE49-F238E27FC236}">
-                  <a16:creationId xmlns:a16="http://schemas.microsoft.com/office/drawing/2014/main" id="{D3E97310-F49E-44F9-9099-E7E213B8D190}"/>
-                </a:ext>
-              </a:extLst>
-            </p:cNvPr>
-            <p:cNvSpPr>
-              <a:spLocks noChangeArrowheads="1"/>
-            </p:cNvSpPr>
-            <p:nvPr/>
-          </p:nvSpPr>
-          <p:spPr bwMode="auto">
-            <a:xfrm flipH="1">
-              <a:off x="3347521" y="7623740"/>
-              <a:ext cx="211138" cy="230188"/>
-            </a:xfrm>
-            <a:prstGeom prst="ellipse">
-              <a:avLst/>
-            </a:prstGeom>
-            <a:solidFill>
-              <a:srgbClr val="00CCFF"/>
-            </a:solidFill>
-            <a:ln w="9525">
-              <a:solidFill>
-                <a:schemeClr val="tx1"/>
-              </a:solidFill>
-              <a:round/>
-              <a:headEnd/>
-              <a:tailEnd/>
-            </a:ln>
-          </p:spPr>
-          <p:txBody>
-            <a:bodyPr wrap="none" anchor="ctr"/>
-            <a:lstStyle>
-              <a:lvl1pPr eaLnBrk="0" hangingPunct="0">
-                <a:defRPr>
-                  <a:solidFill>
-                    <a:schemeClr val="tx1"/>
-                  </a:solidFill>
-                  <a:latin typeface="Arial" panose="020B0604020202020204" pitchFamily="34" charset="0"/>
-                  <a:ea typeface="ＭＳ Ｐゴシック" panose="020B0600070205080204" pitchFamily="34" charset="-128"/>
-                </a:defRPr>
-              </a:lvl1pPr>
-              <a:lvl2pPr marL="742950" indent="-285750" eaLnBrk="0" hangingPunct="0">
-                <a:defRPr>
-                  <a:solidFill>
-                    <a:schemeClr val="tx1"/>
-                  </a:solidFill>
-                  <a:latin typeface="Arial" panose="020B0604020202020204" pitchFamily="34" charset="0"/>
-                  <a:ea typeface="ＭＳ Ｐゴシック" panose="020B0600070205080204" pitchFamily="34" charset="-128"/>
-                </a:defRPr>
-              </a:lvl2pPr>
-              <a:lvl3pPr marL="1143000" indent="-228600" eaLnBrk="0" hangingPunct="0">
-                <a:defRPr>
-                  <a:solidFill>
-                    <a:schemeClr val="tx1"/>
-                  </a:solidFill>
-                  <a:latin typeface="Arial" panose="020B0604020202020204" pitchFamily="34" charset="0"/>
-                  <a:ea typeface="ＭＳ Ｐゴシック" panose="020B0600070205080204" pitchFamily="34" charset="-128"/>
-                </a:defRPr>
-              </a:lvl3pPr>
-              <a:lvl4pPr marL="1600200" indent="-228600" eaLnBrk="0" hangingPunct="0">
-                <a:defRPr>
-                  <a:solidFill>
-                    <a:schemeClr val="tx1"/>
-                  </a:solidFill>
-                  <a:latin typeface="Arial" panose="020B0604020202020204" pitchFamily="34" charset="0"/>
-                  <a:ea typeface="ＭＳ Ｐゴシック" panose="020B0600070205080204" pitchFamily="34" charset="-128"/>
-                </a:defRPr>
-              </a:lvl4pPr>
-              <a:lvl5pPr marL="2057400" indent="-228600" eaLnBrk="0" hangingPunct="0">
-                <a:defRPr>
-                  <a:solidFill>
-                    <a:schemeClr val="tx1"/>
-                  </a:solidFill>
-                  <a:latin typeface="Arial" panose="020B0604020202020204" pitchFamily="34" charset="0"/>
-                  <a:ea typeface="ＭＳ Ｐゴシック" panose="020B0600070205080204" pitchFamily="34" charset="-128"/>
-                </a:defRPr>
-              </a:lvl5pPr>
-              <a:lvl6pPr marL="2514600" indent="-228600" eaLnBrk="0" fontAlgn="base" hangingPunct="0">
-                <a:spcBef>
-                  <a:spcPct val="0"/>
-                </a:spcBef>
-                <a:spcAft>
-                  <a:spcPct val="0"/>
-                </a:spcAft>
-                <a:defRPr>
-                  <a:solidFill>
-                    <a:schemeClr val="tx1"/>
-                  </a:solidFill>
-                  <a:latin typeface="Arial" panose="020B0604020202020204" pitchFamily="34" charset="0"/>
-                  <a:ea typeface="ＭＳ Ｐゴシック" panose="020B0600070205080204" pitchFamily="34" charset="-128"/>
-                </a:defRPr>
-              </a:lvl6pPr>
-              <a:lvl7pPr marL="2971800" indent="-228600" eaLnBrk="0" fontAlgn="base" hangingPunct="0">
-                <a:spcBef>
-                  <a:spcPct val="0"/>
-                </a:spcBef>
-                <a:spcAft>
-                  <a:spcPct val="0"/>
-                </a:spcAft>
-                <a:defRPr>
-                  <a:solidFill>
-                    <a:schemeClr val="tx1"/>
-                  </a:solidFill>
-                  <a:latin typeface="Arial" panose="020B0604020202020204" pitchFamily="34" charset="0"/>
-                  <a:ea typeface="ＭＳ Ｐゴシック" panose="020B0600070205080204" pitchFamily="34" charset="-128"/>
-                </a:defRPr>
-              </a:lvl7pPr>
-              <a:lvl8pPr marL="3429000" indent="-228600" eaLnBrk="0" fontAlgn="base" hangingPunct="0">
-                <a:spcBef>
-                  <a:spcPct val="0"/>
-                </a:spcBef>
-                <a:spcAft>
-                  <a:spcPct val="0"/>
-                </a:spcAft>
-                <a:defRPr>
-                  <a:solidFill>
-                    <a:schemeClr val="tx1"/>
-                  </a:solidFill>
-                  <a:latin typeface="Arial" panose="020B0604020202020204" pitchFamily="34" charset="0"/>
-                  <a:ea typeface="ＭＳ Ｐゴシック" panose="020B0600070205080204" pitchFamily="34" charset="-128"/>
-                </a:defRPr>
-              </a:lvl8pPr>
-              <a:lvl9pPr marL="3886200" indent="-228600" eaLnBrk="0" fontAlgn="base" hangingPunct="0">
-                <a:spcBef>
-                  <a:spcPct val="0"/>
-                </a:spcBef>
-                <a:spcAft>
-                  <a:spcPct val="0"/>
-                </a:spcAft>
-                <a:defRPr>
-                  <a:solidFill>
-                    <a:schemeClr val="tx1"/>
-                  </a:solidFill>
-                  <a:latin typeface="Arial" panose="020B0604020202020204" pitchFamily="34" charset="0"/>
-                  <a:ea typeface="ＭＳ Ｐゴシック" panose="020B0600070205080204" pitchFamily="34" charset="-128"/>
-                </a:defRPr>
-              </a:lvl9pPr>
-            </a:lstStyle>
-            <a:p>
-              <a:pPr eaLnBrk="1" hangingPunct="1"/>
-              <a:endParaRPr lang="en-US" altLang="en-US"/>
-            </a:p>
-          </p:txBody>
-        </p:sp>
-        <p:sp>
-          <p:nvSpPr>
-            <p:cNvPr id="47" name="Oval 670">
-              <a:extLst>
-                <a:ext uri="{FF2B5EF4-FFF2-40B4-BE49-F238E27FC236}">
-                  <a16:creationId xmlns:a16="http://schemas.microsoft.com/office/drawing/2014/main" id="{0CC43F84-0EDA-4703-A8E0-051747701C42}"/>
-                </a:ext>
-              </a:extLst>
-            </p:cNvPr>
-            <p:cNvSpPr>
-              <a:spLocks noChangeArrowheads="1"/>
-            </p:cNvSpPr>
-            <p:nvPr/>
-          </p:nvSpPr>
-          <p:spPr bwMode="auto">
-            <a:xfrm flipH="1">
-              <a:off x="3050936" y="7623740"/>
-              <a:ext cx="211138" cy="230188"/>
-            </a:xfrm>
-            <a:prstGeom prst="ellipse">
-              <a:avLst/>
-            </a:prstGeom>
-            <a:solidFill>
-              <a:srgbClr val="00CCFF"/>
-            </a:solidFill>
-            <a:ln w="9525">
-              <a:solidFill>
-                <a:schemeClr val="tx1"/>
-              </a:solidFill>
-              <a:round/>
-              <a:headEnd/>
-              <a:tailEnd/>
-            </a:ln>
-          </p:spPr>
-          <p:txBody>
-            <a:bodyPr wrap="none" anchor="ctr"/>
-            <a:lstStyle>
-              <a:lvl1pPr eaLnBrk="0" hangingPunct="0">
-                <a:defRPr>
-                  <a:solidFill>
-                    <a:schemeClr val="tx1"/>
-                  </a:solidFill>
-                  <a:latin typeface="Arial" panose="020B0604020202020204" pitchFamily="34" charset="0"/>
-                  <a:ea typeface="ＭＳ Ｐゴシック" panose="020B0600070205080204" pitchFamily="34" charset="-128"/>
-                </a:defRPr>
-              </a:lvl1pPr>
-              <a:lvl2pPr marL="742950" indent="-285750" eaLnBrk="0" hangingPunct="0">
-                <a:defRPr>
-                  <a:solidFill>
-                    <a:schemeClr val="tx1"/>
-                  </a:solidFill>
-                  <a:latin typeface="Arial" panose="020B0604020202020204" pitchFamily="34" charset="0"/>
-                  <a:ea typeface="ＭＳ Ｐゴシック" panose="020B0600070205080204" pitchFamily="34" charset="-128"/>
-                </a:defRPr>
-              </a:lvl2pPr>
-              <a:lvl3pPr marL="1143000" indent="-228600" eaLnBrk="0" hangingPunct="0">
-                <a:defRPr>
-                  <a:solidFill>
-                    <a:schemeClr val="tx1"/>
-                  </a:solidFill>
-                  <a:latin typeface="Arial" panose="020B0604020202020204" pitchFamily="34" charset="0"/>
-                  <a:ea typeface="ＭＳ Ｐゴシック" panose="020B0600070205080204" pitchFamily="34" charset="-128"/>
-                </a:defRPr>
-              </a:lvl3pPr>
-              <a:lvl4pPr marL="1600200" indent="-228600" eaLnBrk="0" hangingPunct="0">
-                <a:defRPr>
-                  <a:solidFill>
-                    <a:schemeClr val="tx1"/>
-                  </a:solidFill>
-                  <a:latin typeface="Arial" panose="020B0604020202020204" pitchFamily="34" charset="0"/>
-                  <a:ea typeface="ＭＳ Ｐゴシック" panose="020B0600070205080204" pitchFamily="34" charset="-128"/>
-                </a:defRPr>
-              </a:lvl4pPr>
-              <a:lvl5pPr marL="2057400" indent="-228600" eaLnBrk="0" hangingPunct="0">
-                <a:defRPr>
-                  <a:solidFill>
-                    <a:schemeClr val="tx1"/>
-                  </a:solidFill>
-                  <a:latin typeface="Arial" panose="020B0604020202020204" pitchFamily="34" charset="0"/>
-                  <a:ea typeface="ＭＳ Ｐゴシック" panose="020B0600070205080204" pitchFamily="34" charset="-128"/>
-                </a:defRPr>
-              </a:lvl5pPr>
-              <a:lvl6pPr marL="2514600" indent="-228600" eaLnBrk="0" fontAlgn="base" hangingPunct="0">
-                <a:spcBef>
-                  <a:spcPct val="0"/>
-                </a:spcBef>
-                <a:spcAft>
-                  <a:spcPct val="0"/>
-                </a:spcAft>
-                <a:defRPr>
-                  <a:solidFill>
-                    <a:schemeClr val="tx1"/>
-                  </a:solidFill>
-                  <a:latin typeface="Arial" panose="020B0604020202020204" pitchFamily="34" charset="0"/>
-                  <a:ea typeface="ＭＳ Ｐゴシック" panose="020B0600070205080204" pitchFamily="34" charset="-128"/>
-                </a:defRPr>
-              </a:lvl6pPr>
-              <a:lvl7pPr marL="2971800" indent="-228600" eaLnBrk="0" fontAlgn="base" hangingPunct="0">
-                <a:spcBef>
-                  <a:spcPct val="0"/>
-                </a:spcBef>
-                <a:spcAft>
-                  <a:spcPct val="0"/>
-                </a:spcAft>
-                <a:defRPr>
-                  <a:solidFill>
-                    <a:schemeClr val="tx1"/>
-                  </a:solidFill>
-                  <a:latin typeface="Arial" panose="020B0604020202020204" pitchFamily="34" charset="0"/>
-                  <a:ea typeface="ＭＳ Ｐゴシック" panose="020B0600070205080204" pitchFamily="34" charset="-128"/>
-                </a:defRPr>
-              </a:lvl7pPr>
-              <a:lvl8pPr marL="3429000" indent="-228600" eaLnBrk="0" fontAlgn="base" hangingPunct="0">
-                <a:spcBef>
-                  <a:spcPct val="0"/>
-                </a:spcBef>
-                <a:spcAft>
-                  <a:spcPct val="0"/>
-                </a:spcAft>
-                <a:defRPr>
-                  <a:solidFill>
-                    <a:schemeClr val="tx1"/>
-                  </a:solidFill>
-                  <a:latin typeface="Arial" panose="020B0604020202020204" pitchFamily="34" charset="0"/>
-                  <a:ea typeface="ＭＳ Ｐゴシック" panose="020B0600070205080204" pitchFamily="34" charset="-128"/>
-                </a:defRPr>
-              </a:lvl8pPr>
-              <a:lvl9pPr marL="3886200" indent="-228600" eaLnBrk="0" fontAlgn="base" hangingPunct="0">
-                <a:spcBef>
-                  <a:spcPct val="0"/>
-                </a:spcBef>
-                <a:spcAft>
-                  <a:spcPct val="0"/>
-                </a:spcAft>
-                <a:defRPr>
-                  <a:solidFill>
-                    <a:schemeClr val="tx1"/>
-                  </a:solidFill>
-                  <a:latin typeface="Arial" panose="020B0604020202020204" pitchFamily="34" charset="0"/>
-                  <a:ea typeface="ＭＳ Ｐゴシック" panose="020B0600070205080204" pitchFamily="34" charset="-128"/>
-                </a:defRPr>
-              </a:lvl9pPr>
-            </a:lstStyle>
-            <a:p>
-              <a:pPr eaLnBrk="1" hangingPunct="1"/>
-              <a:endParaRPr lang="en-US" altLang="en-US"/>
-            </a:p>
-          </p:txBody>
-        </p:sp>
-        <p:sp>
-          <p:nvSpPr>
-            <p:cNvPr id="48" name="Oval 670">
-              <a:extLst>
-                <a:ext uri="{FF2B5EF4-FFF2-40B4-BE49-F238E27FC236}">
-                  <a16:creationId xmlns:a16="http://schemas.microsoft.com/office/drawing/2014/main" id="{ED92606B-9EA1-41AD-93D3-BB74D0F510D7}"/>
-                </a:ext>
-              </a:extLst>
-            </p:cNvPr>
-            <p:cNvSpPr>
-              <a:spLocks noChangeArrowheads="1"/>
-            </p:cNvSpPr>
-            <p:nvPr/>
-          </p:nvSpPr>
-          <p:spPr bwMode="auto">
-            <a:xfrm flipH="1">
-              <a:off x="3644106" y="7633525"/>
-              <a:ext cx="211138" cy="230188"/>
-            </a:xfrm>
-            <a:prstGeom prst="ellipse">
-              <a:avLst/>
-            </a:prstGeom>
-            <a:solidFill>
-              <a:srgbClr val="00CCFF"/>
-            </a:solidFill>
-            <a:ln w="9525">
-              <a:solidFill>
-                <a:schemeClr val="tx1"/>
-              </a:solidFill>
-              <a:round/>
-              <a:headEnd/>
-              <a:tailEnd/>
-            </a:ln>
-          </p:spPr>
-          <p:txBody>
-            <a:bodyPr wrap="none" anchor="ctr"/>
-            <a:lstStyle>
-              <a:lvl1pPr eaLnBrk="0" hangingPunct="0">
-                <a:defRPr>
-                  <a:solidFill>
-                    <a:schemeClr val="tx1"/>
-                  </a:solidFill>
-                  <a:latin typeface="Arial" panose="020B0604020202020204" pitchFamily="34" charset="0"/>
-                  <a:ea typeface="ＭＳ Ｐゴシック" panose="020B0600070205080204" pitchFamily="34" charset="-128"/>
-                </a:defRPr>
-              </a:lvl1pPr>
-              <a:lvl2pPr marL="742950" indent="-285750" eaLnBrk="0" hangingPunct="0">
-                <a:defRPr>
-                  <a:solidFill>
-                    <a:schemeClr val="tx1"/>
-                  </a:solidFill>
-                  <a:latin typeface="Arial" panose="020B0604020202020204" pitchFamily="34" charset="0"/>
-                  <a:ea typeface="ＭＳ Ｐゴシック" panose="020B0600070205080204" pitchFamily="34" charset="-128"/>
-                </a:defRPr>
-              </a:lvl2pPr>
-              <a:lvl3pPr marL="1143000" indent="-228600" eaLnBrk="0" hangingPunct="0">
-                <a:defRPr>
-                  <a:solidFill>
-                    <a:schemeClr val="tx1"/>
-                  </a:solidFill>
-                  <a:latin typeface="Arial" panose="020B0604020202020204" pitchFamily="34" charset="0"/>
-                  <a:ea typeface="ＭＳ Ｐゴシック" panose="020B0600070205080204" pitchFamily="34" charset="-128"/>
-                </a:defRPr>
-              </a:lvl3pPr>
-              <a:lvl4pPr marL="1600200" indent="-228600" eaLnBrk="0" hangingPunct="0">
-                <a:defRPr>
-                  <a:solidFill>
-                    <a:schemeClr val="tx1"/>
-                  </a:solidFill>
-                  <a:latin typeface="Arial" panose="020B0604020202020204" pitchFamily="34" charset="0"/>
-                  <a:ea typeface="ＭＳ Ｐゴシック" panose="020B0600070205080204" pitchFamily="34" charset="-128"/>
-                </a:defRPr>
-              </a:lvl4pPr>
-              <a:lvl5pPr marL="2057400" indent="-228600" eaLnBrk="0" hangingPunct="0">
-                <a:defRPr>
-                  <a:solidFill>
-                    <a:schemeClr val="tx1"/>
-                  </a:solidFill>
-                  <a:latin typeface="Arial" panose="020B0604020202020204" pitchFamily="34" charset="0"/>
-                  <a:ea typeface="ＭＳ Ｐゴシック" panose="020B0600070205080204" pitchFamily="34" charset="-128"/>
-                </a:defRPr>
-              </a:lvl5pPr>
-              <a:lvl6pPr marL="2514600" indent="-228600" eaLnBrk="0" fontAlgn="base" hangingPunct="0">
-                <a:spcBef>
-                  <a:spcPct val="0"/>
-                </a:spcBef>
-                <a:spcAft>
-                  <a:spcPct val="0"/>
-                </a:spcAft>
-                <a:defRPr>
-                  <a:solidFill>
-                    <a:schemeClr val="tx1"/>
-                  </a:solidFill>
-                  <a:latin typeface="Arial" panose="020B0604020202020204" pitchFamily="34" charset="0"/>
-                  <a:ea typeface="ＭＳ Ｐゴシック" panose="020B0600070205080204" pitchFamily="34" charset="-128"/>
-                </a:defRPr>
-              </a:lvl6pPr>
-              <a:lvl7pPr marL="2971800" indent="-228600" eaLnBrk="0" fontAlgn="base" hangingPunct="0">
-                <a:spcBef>
-                  <a:spcPct val="0"/>
-                </a:spcBef>
-                <a:spcAft>
-                  <a:spcPct val="0"/>
-                </a:spcAft>
-                <a:defRPr>
-                  <a:solidFill>
-                    <a:schemeClr val="tx1"/>
-                  </a:solidFill>
-                  <a:latin typeface="Arial" panose="020B0604020202020204" pitchFamily="34" charset="0"/>
-                  <a:ea typeface="ＭＳ Ｐゴシック" panose="020B0600070205080204" pitchFamily="34" charset="-128"/>
-                </a:defRPr>
-              </a:lvl7pPr>
-              <a:lvl8pPr marL="3429000" indent="-228600" eaLnBrk="0" fontAlgn="base" hangingPunct="0">
-                <a:spcBef>
-                  <a:spcPct val="0"/>
-                </a:spcBef>
-                <a:spcAft>
-                  <a:spcPct val="0"/>
-                </a:spcAft>
-                <a:defRPr>
-                  <a:solidFill>
-                    <a:schemeClr val="tx1"/>
-                  </a:solidFill>
-                  <a:latin typeface="Arial" panose="020B0604020202020204" pitchFamily="34" charset="0"/>
-                  <a:ea typeface="ＭＳ Ｐゴシック" panose="020B0600070205080204" pitchFamily="34" charset="-128"/>
-                </a:defRPr>
-              </a:lvl8pPr>
-              <a:lvl9pPr marL="3886200" indent="-228600" eaLnBrk="0" fontAlgn="base" hangingPunct="0">
-                <a:spcBef>
-                  <a:spcPct val="0"/>
-                </a:spcBef>
-                <a:spcAft>
-                  <a:spcPct val="0"/>
-                </a:spcAft>
-                <a:defRPr>
-                  <a:solidFill>
-                    <a:schemeClr val="tx1"/>
-                  </a:solidFill>
-                  <a:latin typeface="Arial" panose="020B0604020202020204" pitchFamily="34" charset="0"/>
-                  <a:ea typeface="ＭＳ Ｐゴシック" panose="020B0600070205080204" pitchFamily="34" charset="-128"/>
-                </a:defRPr>
-              </a:lvl9pPr>
-            </a:lstStyle>
-            <a:p>
-              <a:pPr eaLnBrk="1" hangingPunct="1"/>
-              <a:endParaRPr lang="en-US" altLang="en-US"/>
-            </a:p>
-          </p:txBody>
-        </p:sp>
-        <p:sp>
-          <p:nvSpPr>
-            <p:cNvPr id="49" name="Oval 670">
-              <a:extLst>
-                <a:ext uri="{FF2B5EF4-FFF2-40B4-BE49-F238E27FC236}">
-                  <a16:creationId xmlns:a16="http://schemas.microsoft.com/office/drawing/2014/main" id="{D996D2C9-52A4-49E6-8162-CFDE6F3821A9}"/>
-                </a:ext>
-              </a:extLst>
-            </p:cNvPr>
-            <p:cNvSpPr>
-              <a:spLocks noChangeArrowheads="1"/>
-            </p:cNvSpPr>
-            <p:nvPr/>
-          </p:nvSpPr>
-          <p:spPr bwMode="auto">
-            <a:xfrm flipH="1">
-              <a:off x="3905140" y="7623740"/>
-              <a:ext cx="211138" cy="230188"/>
-            </a:xfrm>
-            <a:prstGeom prst="ellipse">
-              <a:avLst/>
-            </a:prstGeom>
-            <a:solidFill>
-              <a:srgbClr val="00CCFF"/>
-            </a:solidFill>
-            <a:ln w="9525">
-              <a:solidFill>
-                <a:schemeClr val="tx1"/>
-              </a:solidFill>
-              <a:round/>
-              <a:headEnd/>
-              <a:tailEnd/>
-            </a:ln>
-          </p:spPr>
-          <p:txBody>
-            <a:bodyPr wrap="none" anchor="ctr"/>
-            <a:lstStyle>
-              <a:lvl1pPr eaLnBrk="0" hangingPunct="0">
-                <a:defRPr>
-                  <a:solidFill>
-                    <a:schemeClr val="tx1"/>
-                  </a:solidFill>
-                  <a:latin typeface="Arial" panose="020B0604020202020204" pitchFamily="34" charset="0"/>
-                  <a:ea typeface="ＭＳ Ｐゴシック" panose="020B0600070205080204" pitchFamily="34" charset="-128"/>
-                </a:defRPr>
-              </a:lvl1pPr>
-              <a:lvl2pPr marL="742950" indent="-285750" eaLnBrk="0" hangingPunct="0">
-                <a:defRPr>
-                  <a:solidFill>
-                    <a:schemeClr val="tx1"/>
-                  </a:solidFill>
-                  <a:latin typeface="Arial" panose="020B0604020202020204" pitchFamily="34" charset="0"/>
-                  <a:ea typeface="ＭＳ Ｐゴシック" panose="020B0600070205080204" pitchFamily="34" charset="-128"/>
-                </a:defRPr>
-              </a:lvl2pPr>
-              <a:lvl3pPr marL="1143000" indent="-228600" eaLnBrk="0" hangingPunct="0">
-                <a:defRPr>
-                  <a:solidFill>
-                    <a:schemeClr val="tx1"/>
-                  </a:solidFill>
-                  <a:latin typeface="Arial" panose="020B0604020202020204" pitchFamily="34" charset="0"/>
-                  <a:ea typeface="ＭＳ Ｐゴシック" panose="020B0600070205080204" pitchFamily="34" charset="-128"/>
-                </a:defRPr>
-              </a:lvl3pPr>
-              <a:lvl4pPr marL="1600200" indent="-228600" eaLnBrk="0" hangingPunct="0">
-                <a:defRPr>
-                  <a:solidFill>
-                    <a:schemeClr val="tx1"/>
-                  </a:solidFill>
-                  <a:latin typeface="Arial" panose="020B0604020202020204" pitchFamily="34" charset="0"/>
-                  <a:ea typeface="ＭＳ Ｐゴシック" panose="020B0600070205080204" pitchFamily="34" charset="-128"/>
-                </a:defRPr>
-              </a:lvl4pPr>
-              <a:lvl5pPr marL="2057400" indent="-228600" eaLnBrk="0" hangingPunct="0">
-                <a:defRPr>
-                  <a:solidFill>
-                    <a:schemeClr val="tx1"/>
-                  </a:solidFill>
-                  <a:latin typeface="Arial" panose="020B0604020202020204" pitchFamily="34" charset="0"/>
-                  <a:ea typeface="ＭＳ Ｐゴシック" panose="020B0600070205080204" pitchFamily="34" charset="-128"/>
-                </a:defRPr>
-              </a:lvl5pPr>
-              <a:lvl6pPr marL="2514600" indent="-228600" eaLnBrk="0" fontAlgn="base" hangingPunct="0">
-                <a:spcBef>
-                  <a:spcPct val="0"/>
-                </a:spcBef>
-                <a:spcAft>
-                  <a:spcPct val="0"/>
-                </a:spcAft>
-                <a:defRPr>
-                  <a:solidFill>
-                    <a:schemeClr val="tx1"/>
-                  </a:solidFill>
-                  <a:latin typeface="Arial" panose="020B0604020202020204" pitchFamily="34" charset="0"/>
-                  <a:ea typeface="ＭＳ Ｐゴシック" panose="020B0600070205080204" pitchFamily="34" charset="-128"/>
-                </a:defRPr>
-              </a:lvl6pPr>
-              <a:lvl7pPr marL="2971800" indent="-228600" eaLnBrk="0" fontAlgn="base" hangingPunct="0">
-                <a:spcBef>
-                  <a:spcPct val="0"/>
-                </a:spcBef>
-                <a:spcAft>
-                  <a:spcPct val="0"/>
-                </a:spcAft>
-                <a:defRPr>
-                  <a:solidFill>
-                    <a:schemeClr val="tx1"/>
-                  </a:solidFill>
-                  <a:latin typeface="Arial" panose="020B0604020202020204" pitchFamily="34" charset="0"/>
-                  <a:ea typeface="ＭＳ Ｐゴシック" panose="020B0600070205080204" pitchFamily="34" charset="-128"/>
-                </a:defRPr>
-              </a:lvl7pPr>
-              <a:lvl8pPr marL="3429000" indent="-228600" eaLnBrk="0" fontAlgn="base" hangingPunct="0">
-                <a:spcBef>
-                  <a:spcPct val="0"/>
-                </a:spcBef>
-                <a:spcAft>
-                  <a:spcPct val="0"/>
-                </a:spcAft>
-                <a:defRPr>
-                  <a:solidFill>
-                    <a:schemeClr val="tx1"/>
-                  </a:solidFill>
-                  <a:latin typeface="Arial" panose="020B0604020202020204" pitchFamily="34" charset="0"/>
-                  <a:ea typeface="ＭＳ Ｐゴシック" panose="020B0600070205080204" pitchFamily="34" charset="-128"/>
-                </a:defRPr>
-              </a:lvl8pPr>
-              <a:lvl9pPr marL="3886200" indent="-228600" eaLnBrk="0" fontAlgn="base" hangingPunct="0">
-                <a:spcBef>
-                  <a:spcPct val="0"/>
-                </a:spcBef>
-                <a:spcAft>
-                  <a:spcPct val="0"/>
-                </a:spcAft>
-                <a:defRPr>
-                  <a:solidFill>
-                    <a:schemeClr val="tx1"/>
-                  </a:solidFill>
-                  <a:latin typeface="Arial" panose="020B0604020202020204" pitchFamily="34" charset="0"/>
-                  <a:ea typeface="ＭＳ Ｐゴシック" panose="020B0600070205080204" pitchFamily="34" charset="-128"/>
-                </a:defRPr>
-              </a:lvl9pPr>
-            </a:lstStyle>
-            <a:p>
-              <a:pPr eaLnBrk="1" hangingPunct="1"/>
-              <a:endParaRPr lang="en-US" altLang="en-US"/>
-            </a:p>
-          </p:txBody>
-        </p:sp>
-        <p:sp>
-          <p:nvSpPr>
-            <p:cNvPr id="50" name="Oval 670">
-              <a:extLst>
-                <a:ext uri="{FF2B5EF4-FFF2-40B4-BE49-F238E27FC236}">
-                  <a16:creationId xmlns:a16="http://schemas.microsoft.com/office/drawing/2014/main" id="{8D7DBF52-D584-4465-9898-B5D8EDF17A01}"/>
-                </a:ext>
-              </a:extLst>
-            </p:cNvPr>
-            <p:cNvSpPr>
-              <a:spLocks noChangeArrowheads="1"/>
-            </p:cNvSpPr>
-            <p:nvPr/>
-          </p:nvSpPr>
-          <p:spPr bwMode="auto">
-            <a:xfrm flipH="1">
-              <a:off x="4178245" y="7633525"/>
-              <a:ext cx="211138" cy="230188"/>
-            </a:xfrm>
-            <a:prstGeom prst="ellipse">
-              <a:avLst/>
-            </a:prstGeom>
-            <a:solidFill>
-              <a:srgbClr val="00CCFF"/>
-            </a:solidFill>
-            <a:ln w="9525">
-              <a:solidFill>
-                <a:schemeClr val="tx1"/>
-              </a:solidFill>
-              <a:round/>
-              <a:headEnd/>
-              <a:tailEnd/>
-            </a:ln>
-          </p:spPr>
-          <p:txBody>
-            <a:bodyPr wrap="none" anchor="ctr"/>
-            <a:lstStyle>
-              <a:lvl1pPr eaLnBrk="0" hangingPunct="0">
-                <a:defRPr>
-                  <a:solidFill>
-                    <a:schemeClr val="tx1"/>
-                  </a:solidFill>
-                  <a:latin typeface="Arial" panose="020B0604020202020204" pitchFamily="34" charset="0"/>
-                  <a:ea typeface="ＭＳ Ｐゴシック" panose="020B0600070205080204" pitchFamily="34" charset="-128"/>
-                </a:defRPr>
-              </a:lvl1pPr>
-              <a:lvl2pPr marL="742950" indent="-285750" eaLnBrk="0" hangingPunct="0">
-                <a:defRPr>
-                  <a:solidFill>
-                    <a:schemeClr val="tx1"/>
-                  </a:solidFill>
-                  <a:latin typeface="Arial" panose="020B0604020202020204" pitchFamily="34" charset="0"/>
-                  <a:ea typeface="ＭＳ Ｐゴシック" panose="020B0600070205080204" pitchFamily="34" charset="-128"/>
-                </a:defRPr>
-              </a:lvl2pPr>
-              <a:lvl3pPr marL="1143000" indent="-228600" eaLnBrk="0" hangingPunct="0">
-                <a:defRPr>
-                  <a:solidFill>
-                    <a:schemeClr val="tx1"/>
-                  </a:solidFill>
-                  <a:latin typeface="Arial" panose="020B0604020202020204" pitchFamily="34" charset="0"/>
-                  <a:ea typeface="ＭＳ Ｐゴシック" panose="020B0600070205080204" pitchFamily="34" charset="-128"/>
-                </a:defRPr>
-              </a:lvl3pPr>
-              <a:lvl4pPr marL="1600200" indent="-228600" eaLnBrk="0" hangingPunct="0">
-                <a:defRPr>
-                  <a:solidFill>
-                    <a:schemeClr val="tx1"/>
-                  </a:solidFill>
-                  <a:latin typeface="Arial" panose="020B0604020202020204" pitchFamily="34" charset="0"/>
-                  <a:ea typeface="ＭＳ Ｐゴシック" panose="020B0600070205080204" pitchFamily="34" charset="-128"/>
-                </a:defRPr>
-              </a:lvl4pPr>
-              <a:lvl5pPr marL="2057400" indent="-228600" eaLnBrk="0" hangingPunct="0">
-                <a:defRPr>
-                  <a:solidFill>
-                    <a:schemeClr val="tx1"/>
-                  </a:solidFill>
-                  <a:latin typeface="Arial" panose="020B0604020202020204" pitchFamily="34" charset="0"/>
-                  <a:ea typeface="ＭＳ Ｐゴシック" panose="020B0600070205080204" pitchFamily="34" charset="-128"/>
-                </a:defRPr>
-              </a:lvl5pPr>
-              <a:lvl6pPr marL="2514600" indent="-228600" eaLnBrk="0" fontAlgn="base" hangingPunct="0">
-                <a:spcBef>
-                  <a:spcPct val="0"/>
-                </a:spcBef>
-                <a:spcAft>
-                  <a:spcPct val="0"/>
-                </a:spcAft>
-                <a:defRPr>
-                  <a:solidFill>
-                    <a:schemeClr val="tx1"/>
-                  </a:solidFill>
-                  <a:latin typeface="Arial" panose="020B0604020202020204" pitchFamily="34" charset="0"/>
-                  <a:ea typeface="ＭＳ Ｐゴシック" panose="020B0600070205080204" pitchFamily="34" charset="-128"/>
-                </a:defRPr>
-              </a:lvl6pPr>
-              <a:lvl7pPr marL="2971800" indent="-228600" eaLnBrk="0" fontAlgn="base" hangingPunct="0">
-                <a:spcBef>
-                  <a:spcPct val="0"/>
-                </a:spcBef>
-                <a:spcAft>
-                  <a:spcPct val="0"/>
-                </a:spcAft>
-                <a:defRPr>
-                  <a:solidFill>
-                    <a:schemeClr val="tx1"/>
-                  </a:solidFill>
-                  <a:latin typeface="Arial" panose="020B0604020202020204" pitchFamily="34" charset="0"/>
-                  <a:ea typeface="ＭＳ Ｐゴシック" panose="020B0600070205080204" pitchFamily="34" charset="-128"/>
-                </a:defRPr>
-              </a:lvl7pPr>
-              <a:lvl8pPr marL="3429000" indent="-228600" eaLnBrk="0" fontAlgn="base" hangingPunct="0">
-                <a:spcBef>
-                  <a:spcPct val="0"/>
-                </a:spcBef>
-                <a:spcAft>
-                  <a:spcPct val="0"/>
-                </a:spcAft>
-                <a:defRPr>
-                  <a:solidFill>
-                    <a:schemeClr val="tx1"/>
-                  </a:solidFill>
-                  <a:latin typeface="Arial" panose="020B0604020202020204" pitchFamily="34" charset="0"/>
-                  <a:ea typeface="ＭＳ Ｐゴシック" panose="020B0600070205080204" pitchFamily="34" charset="-128"/>
-                </a:defRPr>
-              </a:lvl8pPr>
-              <a:lvl9pPr marL="3886200" indent="-228600" eaLnBrk="0" fontAlgn="base" hangingPunct="0">
-                <a:spcBef>
-                  <a:spcPct val="0"/>
-                </a:spcBef>
-                <a:spcAft>
-                  <a:spcPct val="0"/>
-                </a:spcAft>
-                <a:defRPr>
-                  <a:solidFill>
-                    <a:schemeClr val="tx1"/>
-                  </a:solidFill>
-                  <a:latin typeface="Arial" panose="020B0604020202020204" pitchFamily="34" charset="0"/>
-                  <a:ea typeface="ＭＳ Ｐゴシック" panose="020B0600070205080204" pitchFamily="34" charset="-128"/>
-                </a:defRPr>
-              </a:lvl9pPr>
-            </a:lstStyle>
-            <a:p>
-              <a:pPr eaLnBrk="1" hangingPunct="1"/>
-              <a:endParaRPr lang="en-US" altLang="en-US"/>
-            </a:p>
-          </p:txBody>
-        </p:sp>
-        <p:sp>
-          <p:nvSpPr>
-            <p:cNvPr id="51" name="Oval 670">
-              <a:extLst>
-                <a:ext uri="{FF2B5EF4-FFF2-40B4-BE49-F238E27FC236}">
-                  <a16:creationId xmlns:a16="http://schemas.microsoft.com/office/drawing/2014/main" id="{1719B16D-FBA1-408E-8C98-961B6AF1D09C}"/>
-                </a:ext>
-              </a:extLst>
-            </p:cNvPr>
-            <p:cNvSpPr>
-              <a:spLocks noChangeArrowheads="1"/>
-            </p:cNvSpPr>
-            <p:nvPr/>
-          </p:nvSpPr>
-          <p:spPr bwMode="auto">
-            <a:xfrm flipH="1">
-              <a:off x="4451350" y="7636632"/>
-              <a:ext cx="211138" cy="230188"/>
-            </a:xfrm>
-            <a:prstGeom prst="ellipse">
-              <a:avLst/>
-            </a:prstGeom>
-            <a:solidFill>
-              <a:srgbClr val="00CCFF"/>
-            </a:solidFill>
-            <a:ln w="9525">
-              <a:solidFill>
-                <a:schemeClr val="tx1"/>
-              </a:solidFill>
-              <a:round/>
-              <a:headEnd/>
-              <a:tailEnd/>
-            </a:ln>
-          </p:spPr>
-          <p:txBody>
-            <a:bodyPr wrap="none" anchor="ctr"/>
-            <a:lstStyle>
-              <a:lvl1pPr eaLnBrk="0" hangingPunct="0">
-                <a:defRPr>
-                  <a:solidFill>
-                    <a:schemeClr val="tx1"/>
-                  </a:solidFill>
-                  <a:latin typeface="Arial" panose="020B0604020202020204" pitchFamily="34" charset="0"/>
-                  <a:ea typeface="ＭＳ Ｐゴシック" panose="020B0600070205080204" pitchFamily="34" charset="-128"/>
-                </a:defRPr>
-              </a:lvl1pPr>
-              <a:lvl2pPr marL="742950" indent="-285750" eaLnBrk="0" hangingPunct="0">
-                <a:defRPr>
-                  <a:solidFill>
-                    <a:schemeClr val="tx1"/>
-                  </a:solidFill>
-                  <a:latin typeface="Arial" panose="020B0604020202020204" pitchFamily="34" charset="0"/>
-                  <a:ea typeface="ＭＳ Ｐゴシック" panose="020B0600070205080204" pitchFamily="34" charset="-128"/>
-                </a:defRPr>
-              </a:lvl2pPr>
-              <a:lvl3pPr marL="1143000" indent="-228600" eaLnBrk="0" hangingPunct="0">
-                <a:defRPr>
-                  <a:solidFill>
-                    <a:schemeClr val="tx1"/>
-                  </a:solidFill>
-                  <a:latin typeface="Arial" panose="020B0604020202020204" pitchFamily="34" charset="0"/>
-                  <a:ea typeface="ＭＳ Ｐゴシック" panose="020B0600070205080204" pitchFamily="34" charset="-128"/>
-                </a:defRPr>
-              </a:lvl3pPr>
-              <a:lvl4pPr marL="1600200" indent="-228600" eaLnBrk="0" hangingPunct="0">
-                <a:defRPr>
-                  <a:solidFill>
-                    <a:schemeClr val="tx1"/>
-                  </a:solidFill>
-                  <a:latin typeface="Arial" panose="020B0604020202020204" pitchFamily="34" charset="0"/>
-                  <a:ea typeface="ＭＳ Ｐゴシック" panose="020B0600070205080204" pitchFamily="34" charset="-128"/>
-                </a:defRPr>
-              </a:lvl4pPr>
-              <a:lvl5pPr marL="2057400" indent="-228600" eaLnBrk="0" hangingPunct="0">
-                <a:defRPr>
-                  <a:solidFill>
-                    <a:schemeClr val="tx1"/>
-                  </a:solidFill>
-                  <a:latin typeface="Arial" panose="020B0604020202020204" pitchFamily="34" charset="0"/>
-                  <a:ea typeface="ＭＳ Ｐゴシック" panose="020B0600070205080204" pitchFamily="34" charset="-128"/>
-                </a:defRPr>
-              </a:lvl5pPr>
-              <a:lvl6pPr marL="2514600" indent="-228600" eaLnBrk="0" fontAlgn="base" hangingPunct="0">
-                <a:spcBef>
-                  <a:spcPct val="0"/>
-                </a:spcBef>
-                <a:spcAft>
-                  <a:spcPct val="0"/>
-                </a:spcAft>
-                <a:defRPr>
-                  <a:solidFill>
-                    <a:schemeClr val="tx1"/>
-                  </a:solidFill>
-                  <a:latin typeface="Arial" panose="020B0604020202020204" pitchFamily="34" charset="0"/>
-                  <a:ea typeface="ＭＳ Ｐゴシック" panose="020B0600070205080204" pitchFamily="34" charset="-128"/>
-                </a:defRPr>
-              </a:lvl6pPr>
-              <a:lvl7pPr marL="2971800" indent="-228600" eaLnBrk="0" fontAlgn="base" hangingPunct="0">
-                <a:spcBef>
-                  <a:spcPct val="0"/>
-                </a:spcBef>
-                <a:spcAft>
-                  <a:spcPct val="0"/>
-                </a:spcAft>
-                <a:defRPr>
-                  <a:solidFill>
-                    <a:schemeClr val="tx1"/>
-                  </a:solidFill>
-                  <a:latin typeface="Arial" panose="020B0604020202020204" pitchFamily="34" charset="0"/>
-                  <a:ea typeface="ＭＳ Ｐゴシック" panose="020B0600070205080204" pitchFamily="34" charset="-128"/>
-                </a:defRPr>
-              </a:lvl7pPr>
-              <a:lvl8pPr marL="3429000" indent="-228600" eaLnBrk="0" fontAlgn="base" hangingPunct="0">
-                <a:spcBef>
-                  <a:spcPct val="0"/>
-                </a:spcBef>
-                <a:spcAft>
-                  <a:spcPct val="0"/>
-                </a:spcAft>
-                <a:defRPr>
-                  <a:solidFill>
-                    <a:schemeClr val="tx1"/>
-                  </a:solidFill>
-                  <a:latin typeface="Arial" panose="020B0604020202020204" pitchFamily="34" charset="0"/>
-                  <a:ea typeface="ＭＳ Ｐゴシック" panose="020B0600070205080204" pitchFamily="34" charset="-128"/>
-                </a:defRPr>
-              </a:lvl8pPr>
-              <a:lvl9pPr marL="3886200" indent="-228600" eaLnBrk="0" fontAlgn="base" hangingPunct="0">
-                <a:spcBef>
-                  <a:spcPct val="0"/>
-                </a:spcBef>
-                <a:spcAft>
-                  <a:spcPct val="0"/>
-                </a:spcAft>
-                <a:defRPr>
-                  <a:solidFill>
-                    <a:schemeClr val="tx1"/>
-                  </a:solidFill>
-                  <a:latin typeface="Arial" panose="020B0604020202020204" pitchFamily="34" charset="0"/>
-                  <a:ea typeface="ＭＳ Ｐゴシック" panose="020B0600070205080204" pitchFamily="34" charset="-128"/>
-                </a:defRPr>
-              </a:lvl9pPr>
-            </a:lstStyle>
-            <a:p>
-              <a:pPr eaLnBrk="1" hangingPunct="1"/>
-              <a:endParaRPr lang="en-US" altLang="en-US"/>
-            </a:p>
-          </p:txBody>
-        </p:sp>
-      </p:grpSp>
-      <p:sp>
-        <p:nvSpPr>
-          <p:cNvPr id="52" name="TextBox 51">
-            <a:extLst>
-              <a:ext uri="{FF2B5EF4-FFF2-40B4-BE49-F238E27FC236}">
-                <a16:creationId xmlns:a16="http://schemas.microsoft.com/office/drawing/2014/main" id="{0CA96860-BAC6-4193-A2EC-8C778CA0F8B1}"/>
-              </a:ext>
-            </a:extLst>
-          </p:cNvPr>
-          <p:cNvSpPr txBox="1"/>
+          <p:cNvSpPr>
+            <a:spLocks noChangeArrowheads="1"/>
+          </p:cNvSpPr>
           <p:nvPr/>
         </p:nvSpPr>
-        <p:spPr>
+        <p:spPr bwMode="auto">
           <a:xfrm>
-            <a:off x="1985582" y="5299422"/>
-            <a:ext cx="3467616" cy="369332"/>
+            <a:off x="2421492" y="5461795"/>
+            <a:ext cx="1614488" cy="98425"/>
           </a:xfrm>
           <a:prstGeom prst="rect">
             <a:avLst/>
           </a:prstGeom>
-          <a:noFill/>
+          <a:solidFill>
+            <a:srgbClr val="000000"/>
+          </a:solidFill>
+          <a:ln w="15875">
+            <a:solidFill>
+              <a:srgbClr val="000000"/>
+            </a:solidFill>
+            <a:miter lim="800000"/>
+            <a:headEnd/>
+            <a:tailEnd/>
+          </a:ln>
         </p:spPr>
         <p:txBody>
-          <a:bodyPr wrap="none" rtlCol="0">
-            <a:spAutoFit/>
-          </a:bodyPr>
+          <a:bodyPr/>
+          <a:lstStyle>
+            <a:lvl1pPr eaLnBrk="0" hangingPunct="0">
+              <a:defRPr>
+                <a:solidFill>
+                  <a:schemeClr val="tx1"/>
+                </a:solidFill>
+                <a:latin typeface="Arial" panose="020B0604020202020204" pitchFamily="34" charset="0"/>
+                <a:ea typeface="ＭＳ Ｐゴシック" panose="020B0600070205080204" pitchFamily="34" charset="-128"/>
+              </a:defRPr>
+            </a:lvl1pPr>
+            <a:lvl2pPr marL="742950" indent="-285750" eaLnBrk="0" hangingPunct="0">
+              <a:defRPr>
+                <a:solidFill>
+                  <a:schemeClr val="tx1"/>
+                </a:solidFill>
+                <a:latin typeface="Arial" panose="020B0604020202020204" pitchFamily="34" charset="0"/>
+                <a:ea typeface="ＭＳ Ｐゴシック" panose="020B0600070205080204" pitchFamily="34" charset="-128"/>
+              </a:defRPr>
+            </a:lvl2pPr>
+            <a:lvl3pPr marL="1143000" indent="-228600" eaLnBrk="0" hangingPunct="0">
+              <a:defRPr>
+                <a:solidFill>
+                  <a:schemeClr val="tx1"/>
+                </a:solidFill>
+                <a:latin typeface="Arial" panose="020B0604020202020204" pitchFamily="34" charset="0"/>
+                <a:ea typeface="ＭＳ Ｐゴシック" panose="020B0600070205080204" pitchFamily="34" charset="-128"/>
+              </a:defRPr>
+            </a:lvl3pPr>
+            <a:lvl4pPr marL="1600200" indent="-228600" eaLnBrk="0" hangingPunct="0">
+              <a:defRPr>
+                <a:solidFill>
+                  <a:schemeClr val="tx1"/>
+                </a:solidFill>
+                <a:latin typeface="Arial" panose="020B0604020202020204" pitchFamily="34" charset="0"/>
+                <a:ea typeface="ＭＳ Ｐゴシック" panose="020B0600070205080204" pitchFamily="34" charset="-128"/>
+              </a:defRPr>
+            </a:lvl4pPr>
+            <a:lvl5pPr marL="2057400" indent="-228600" eaLnBrk="0" hangingPunct="0">
+              <a:defRPr>
+                <a:solidFill>
+                  <a:schemeClr val="tx1"/>
+                </a:solidFill>
+                <a:latin typeface="Arial" panose="020B0604020202020204" pitchFamily="34" charset="0"/>
+                <a:ea typeface="ＭＳ Ｐゴシック" panose="020B0600070205080204" pitchFamily="34" charset="-128"/>
+              </a:defRPr>
+            </a:lvl5pPr>
+            <a:lvl6pPr marL="2514600" indent="-228600" eaLnBrk="0" fontAlgn="base" hangingPunct="0">
+              <a:spcBef>
+                <a:spcPct val="0"/>
+              </a:spcBef>
+              <a:spcAft>
+                <a:spcPct val="0"/>
+              </a:spcAft>
+              <a:defRPr>
+                <a:solidFill>
+                  <a:schemeClr val="tx1"/>
+                </a:solidFill>
+                <a:latin typeface="Arial" panose="020B0604020202020204" pitchFamily="34" charset="0"/>
+                <a:ea typeface="ＭＳ Ｐゴシック" panose="020B0600070205080204" pitchFamily="34" charset="-128"/>
+              </a:defRPr>
+            </a:lvl6pPr>
+            <a:lvl7pPr marL="2971800" indent="-228600" eaLnBrk="0" fontAlgn="base" hangingPunct="0">
+              <a:spcBef>
+                <a:spcPct val="0"/>
+              </a:spcBef>
+              <a:spcAft>
+                <a:spcPct val="0"/>
+              </a:spcAft>
+              <a:defRPr>
+                <a:solidFill>
+                  <a:schemeClr val="tx1"/>
+                </a:solidFill>
+                <a:latin typeface="Arial" panose="020B0604020202020204" pitchFamily="34" charset="0"/>
+                <a:ea typeface="ＭＳ Ｐゴシック" panose="020B0600070205080204" pitchFamily="34" charset="-128"/>
+              </a:defRPr>
+            </a:lvl7pPr>
+            <a:lvl8pPr marL="3429000" indent="-228600" eaLnBrk="0" fontAlgn="base" hangingPunct="0">
+              <a:spcBef>
+                <a:spcPct val="0"/>
+              </a:spcBef>
+              <a:spcAft>
+                <a:spcPct val="0"/>
+              </a:spcAft>
+              <a:defRPr>
+                <a:solidFill>
+                  <a:schemeClr val="tx1"/>
+                </a:solidFill>
+                <a:latin typeface="Arial" panose="020B0604020202020204" pitchFamily="34" charset="0"/>
+                <a:ea typeface="ＭＳ Ｐゴシック" panose="020B0600070205080204" pitchFamily="34" charset="-128"/>
+              </a:defRPr>
+            </a:lvl8pPr>
+            <a:lvl9pPr marL="3886200" indent="-228600" eaLnBrk="0" fontAlgn="base" hangingPunct="0">
+              <a:spcBef>
+                <a:spcPct val="0"/>
+              </a:spcBef>
+              <a:spcAft>
+                <a:spcPct val="0"/>
+              </a:spcAft>
+              <a:defRPr>
+                <a:solidFill>
+                  <a:schemeClr val="tx1"/>
+                </a:solidFill>
+                <a:latin typeface="Arial" panose="020B0604020202020204" pitchFamily="34" charset="0"/>
+                <a:ea typeface="ＭＳ Ｐゴシック" panose="020B0600070205080204" pitchFamily="34" charset="-128"/>
+              </a:defRPr>
+            </a:lvl9pPr>
+          </a:lstStyle>
+          <a:p>
+            <a:pPr eaLnBrk="1" hangingPunct="1"/>
+            <a:endParaRPr lang="en-US" altLang="en-US"/>
+          </a:p>
+        </p:txBody>
+      </p:sp>
+      <p:sp>
+        <p:nvSpPr>
+          <p:cNvPr id="44" name="Rectangle 127">
+            <a:extLst>
+              <a:ext uri="{FF2B5EF4-FFF2-40B4-BE49-F238E27FC236}">
+                <a16:creationId xmlns:a16="http://schemas.microsoft.com/office/drawing/2014/main" id="{67191870-8332-4DE1-98F6-72E1EC842037}"/>
+              </a:ext>
+            </a:extLst>
+          </p:cNvPr>
+          <p:cNvSpPr>
+            <a:spLocks noChangeArrowheads="1"/>
+          </p:cNvSpPr>
+          <p:nvPr/>
+        </p:nvSpPr>
+        <p:spPr bwMode="auto">
+          <a:xfrm>
+            <a:off x="2445305" y="5560220"/>
+            <a:ext cx="3175" cy="319087"/>
+          </a:xfrm>
+          <a:prstGeom prst="rect">
+            <a:avLst/>
+          </a:prstGeom>
+          <a:solidFill>
+            <a:srgbClr val="000000"/>
+          </a:solidFill>
+          <a:ln w="25400">
+            <a:solidFill>
+              <a:srgbClr val="000000"/>
+            </a:solidFill>
+            <a:miter lim="800000"/>
+            <a:headEnd/>
+            <a:tailEnd/>
+          </a:ln>
+        </p:spPr>
+        <p:txBody>
+          <a:bodyPr/>
+          <a:lstStyle>
+            <a:lvl1pPr eaLnBrk="0" hangingPunct="0">
+              <a:defRPr>
+                <a:solidFill>
+                  <a:schemeClr val="tx1"/>
+                </a:solidFill>
+                <a:latin typeface="Arial" panose="020B0604020202020204" pitchFamily="34" charset="0"/>
+                <a:ea typeface="ＭＳ Ｐゴシック" panose="020B0600070205080204" pitchFamily="34" charset="-128"/>
+              </a:defRPr>
+            </a:lvl1pPr>
+            <a:lvl2pPr marL="742950" indent="-285750" eaLnBrk="0" hangingPunct="0">
+              <a:defRPr>
+                <a:solidFill>
+                  <a:schemeClr val="tx1"/>
+                </a:solidFill>
+                <a:latin typeface="Arial" panose="020B0604020202020204" pitchFamily="34" charset="0"/>
+                <a:ea typeface="ＭＳ Ｐゴシック" panose="020B0600070205080204" pitchFamily="34" charset="-128"/>
+              </a:defRPr>
+            </a:lvl2pPr>
+            <a:lvl3pPr marL="1143000" indent="-228600" eaLnBrk="0" hangingPunct="0">
+              <a:defRPr>
+                <a:solidFill>
+                  <a:schemeClr val="tx1"/>
+                </a:solidFill>
+                <a:latin typeface="Arial" panose="020B0604020202020204" pitchFamily="34" charset="0"/>
+                <a:ea typeface="ＭＳ Ｐゴシック" panose="020B0600070205080204" pitchFamily="34" charset="-128"/>
+              </a:defRPr>
+            </a:lvl3pPr>
+            <a:lvl4pPr marL="1600200" indent="-228600" eaLnBrk="0" hangingPunct="0">
+              <a:defRPr>
+                <a:solidFill>
+                  <a:schemeClr val="tx1"/>
+                </a:solidFill>
+                <a:latin typeface="Arial" panose="020B0604020202020204" pitchFamily="34" charset="0"/>
+                <a:ea typeface="ＭＳ Ｐゴシック" panose="020B0600070205080204" pitchFamily="34" charset="-128"/>
+              </a:defRPr>
+            </a:lvl4pPr>
+            <a:lvl5pPr marL="2057400" indent="-228600" eaLnBrk="0" hangingPunct="0">
+              <a:defRPr>
+                <a:solidFill>
+                  <a:schemeClr val="tx1"/>
+                </a:solidFill>
+                <a:latin typeface="Arial" panose="020B0604020202020204" pitchFamily="34" charset="0"/>
+                <a:ea typeface="ＭＳ Ｐゴシック" panose="020B0600070205080204" pitchFamily="34" charset="-128"/>
+              </a:defRPr>
+            </a:lvl5pPr>
+            <a:lvl6pPr marL="2514600" indent="-228600" eaLnBrk="0" fontAlgn="base" hangingPunct="0">
+              <a:spcBef>
+                <a:spcPct val="0"/>
+              </a:spcBef>
+              <a:spcAft>
+                <a:spcPct val="0"/>
+              </a:spcAft>
+              <a:defRPr>
+                <a:solidFill>
+                  <a:schemeClr val="tx1"/>
+                </a:solidFill>
+                <a:latin typeface="Arial" panose="020B0604020202020204" pitchFamily="34" charset="0"/>
+                <a:ea typeface="ＭＳ Ｐゴシック" panose="020B0600070205080204" pitchFamily="34" charset="-128"/>
+              </a:defRPr>
+            </a:lvl6pPr>
+            <a:lvl7pPr marL="2971800" indent="-228600" eaLnBrk="0" fontAlgn="base" hangingPunct="0">
+              <a:spcBef>
+                <a:spcPct val="0"/>
+              </a:spcBef>
+              <a:spcAft>
+                <a:spcPct val="0"/>
+              </a:spcAft>
+              <a:defRPr>
+                <a:solidFill>
+                  <a:schemeClr val="tx1"/>
+                </a:solidFill>
+                <a:latin typeface="Arial" panose="020B0604020202020204" pitchFamily="34" charset="0"/>
+                <a:ea typeface="ＭＳ Ｐゴシック" panose="020B0600070205080204" pitchFamily="34" charset="-128"/>
+              </a:defRPr>
+            </a:lvl7pPr>
+            <a:lvl8pPr marL="3429000" indent="-228600" eaLnBrk="0" fontAlgn="base" hangingPunct="0">
+              <a:spcBef>
+                <a:spcPct val="0"/>
+              </a:spcBef>
+              <a:spcAft>
+                <a:spcPct val="0"/>
+              </a:spcAft>
+              <a:defRPr>
+                <a:solidFill>
+                  <a:schemeClr val="tx1"/>
+                </a:solidFill>
+                <a:latin typeface="Arial" panose="020B0604020202020204" pitchFamily="34" charset="0"/>
+                <a:ea typeface="ＭＳ Ｐゴシック" panose="020B0600070205080204" pitchFamily="34" charset="-128"/>
+              </a:defRPr>
+            </a:lvl8pPr>
+            <a:lvl9pPr marL="3886200" indent="-228600" eaLnBrk="0" fontAlgn="base" hangingPunct="0">
+              <a:spcBef>
+                <a:spcPct val="0"/>
+              </a:spcBef>
+              <a:spcAft>
+                <a:spcPct val="0"/>
+              </a:spcAft>
+              <a:defRPr>
+                <a:solidFill>
+                  <a:schemeClr val="tx1"/>
+                </a:solidFill>
+                <a:latin typeface="Arial" panose="020B0604020202020204" pitchFamily="34" charset="0"/>
+                <a:ea typeface="ＭＳ Ｐゴシック" panose="020B0600070205080204" pitchFamily="34" charset="-128"/>
+              </a:defRPr>
+            </a:lvl9pPr>
+          </a:lstStyle>
+          <a:p>
+            <a:pPr eaLnBrk="1" hangingPunct="1"/>
+            <a:endParaRPr lang="en-US" altLang="en-US"/>
+          </a:p>
+        </p:txBody>
+      </p:sp>
+      <p:sp>
+        <p:nvSpPr>
+          <p:cNvPr id="45" name="Line 132">
+            <a:extLst>
+              <a:ext uri="{FF2B5EF4-FFF2-40B4-BE49-F238E27FC236}">
+                <a16:creationId xmlns:a16="http://schemas.microsoft.com/office/drawing/2014/main" id="{0AC2D2AD-BF71-474E-B0C8-BD2DCF631509}"/>
+              </a:ext>
+            </a:extLst>
+          </p:cNvPr>
+          <p:cNvSpPr>
+            <a:spLocks noChangeShapeType="1"/>
+          </p:cNvSpPr>
+          <p:nvPr/>
+        </p:nvSpPr>
+        <p:spPr bwMode="auto">
+          <a:xfrm>
+            <a:off x="4039155" y="5487195"/>
+            <a:ext cx="1587" cy="392112"/>
+          </a:xfrm>
+          <a:prstGeom prst="line">
+            <a:avLst/>
+          </a:prstGeom>
+          <a:noFill/>
+          <a:ln w="25400">
+            <a:solidFill>
+              <a:srgbClr val="000000"/>
+            </a:solidFill>
+            <a:round/>
+            <a:headEnd/>
+            <a:tailEnd/>
+          </a:ln>
+          <a:extLst>
+            <a:ext uri="{909E8E84-426E-40DD-AFC4-6F175D3DCCD1}">
+              <a14:hiddenFill xmlns:a14="http://schemas.microsoft.com/office/drawing/2010/main">
+                <a:noFill/>
+              </a14:hiddenFill>
+            </a:ext>
+          </a:extLst>
+        </p:spPr>
+        <p:txBody>
+          <a:bodyPr/>
           <a:lstStyle/>
           <a:p>
-            <a:r>
-              <a:rPr lang="en-US" dirty="0"/>
-              <a:t>1x                              Plate Rack</a:t>
-            </a:r>
+            <a:endParaRPr lang="en-US"/>
+          </a:p>
+        </p:txBody>
+      </p:sp>
+      <p:sp>
+        <p:nvSpPr>
+          <p:cNvPr id="46" name="Oval 670">
+            <a:extLst>
+              <a:ext uri="{FF2B5EF4-FFF2-40B4-BE49-F238E27FC236}">
+                <a16:creationId xmlns:a16="http://schemas.microsoft.com/office/drawing/2014/main" id="{D3E97310-F49E-44F9-9099-E7E213B8D190}"/>
+              </a:ext>
+            </a:extLst>
+          </p:cNvPr>
+          <p:cNvSpPr>
+            <a:spLocks noChangeArrowheads="1"/>
+          </p:cNvSpPr>
+          <p:nvPr/>
+        </p:nvSpPr>
+        <p:spPr bwMode="auto">
+          <a:xfrm flipH="1">
+            <a:off x="2721013" y="5221822"/>
+            <a:ext cx="211138" cy="230188"/>
+          </a:xfrm>
+          <a:prstGeom prst="ellipse">
+            <a:avLst/>
+          </a:prstGeom>
+          <a:solidFill>
+            <a:srgbClr val="00CCFF"/>
+          </a:solidFill>
+          <a:ln w="9525">
+            <a:solidFill>
+              <a:schemeClr val="tx1"/>
+            </a:solidFill>
+            <a:round/>
+            <a:headEnd/>
+            <a:tailEnd/>
+          </a:ln>
+        </p:spPr>
+        <p:txBody>
+          <a:bodyPr wrap="none" anchor="ctr"/>
+          <a:lstStyle>
+            <a:lvl1pPr eaLnBrk="0" hangingPunct="0">
+              <a:defRPr>
+                <a:solidFill>
+                  <a:schemeClr val="tx1"/>
+                </a:solidFill>
+                <a:latin typeface="Arial" panose="020B0604020202020204" pitchFamily="34" charset="0"/>
+                <a:ea typeface="ＭＳ Ｐゴシック" panose="020B0600070205080204" pitchFamily="34" charset="-128"/>
+              </a:defRPr>
+            </a:lvl1pPr>
+            <a:lvl2pPr marL="742950" indent="-285750" eaLnBrk="0" hangingPunct="0">
+              <a:defRPr>
+                <a:solidFill>
+                  <a:schemeClr val="tx1"/>
+                </a:solidFill>
+                <a:latin typeface="Arial" panose="020B0604020202020204" pitchFamily="34" charset="0"/>
+                <a:ea typeface="ＭＳ Ｐゴシック" panose="020B0600070205080204" pitchFamily="34" charset="-128"/>
+              </a:defRPr>
+            </a:lvl2pPr>
+            <a:lvl3pPr marL="1143000" indent="-228600" eaLnBrk="0" hangingPunct="0">
+              <a:defRPr>
+                <a:solidFill>
+                  <a:schemeClr val="tx1"/>
+                </a:solidFill>
+                <a:latin typeface="Arial" panose="020B0604020202020204" pitchFamily="34" charset="0"/>
+                <a:ea typeface="ＭＳ Ｐゴシック" panose="020B0600070205080204" pitchFamily="34" charset="-128"/>
+              </a:defRPr>
+            </a:lvl3pPr>
+            <a:lvl4pPr marL="1600200" indent="-228600" eaLnBrk="0" hangingPunct="0">
+              <a:defRPr>
+                <a:solidFill>
+                  <a:schemeClr val="tx1"/>
+                </a:solidFill>
+                <a:latin typeface="Arial" panose="020B0604020202020204" pitchFamily="34" charset="0"/>
+                <a:ea typeface="ＭＳ Ｐゴシック" panose="020B0600070205080204" pitchFamily="34" charset="-128"/>
+              </a:defRPr>
+            </a:lvl4pPr>
+            <a:lvl5pPr marL="2057400" indent="-228600" eaLnBrk="0" hangingPunct="0">
+              <a:defRPr>
+                <a:solidFill>
+                  <a:schemeClr val="tx1"/>
+                </a:solidFill>
+                <a:latin typeface="Arial" panose="020B0604020202020204" pitchFamily="34" charset="0"/>
+                <a:ea typeface="ＭＳ Ｐゴシック" panose="020B0600070205080204" pitchFamily="34" charset="-128"/>
+              </a:defRPr>
+            </a:lvl5pPr>
+            <a:lvl6pPr marL="2514600" indent="-228600" eaLnBrk="0" fontAlgn="base" hangingPunct="0">
+              <a:spcBef>
+                <a:spcPct val="0"/>
+              </a:spcBef>
+              <a:spcAft>
+                <a:spcPct val="0"/>
+              </a:spcAft>
+              <a:defRPr>
+                <a:solidFill>
+                  <a:schemeClr val="tx1"/>
+                </a:solidFill>
+                <a:latin typeface="Arial" panose="020B0604020202020204" pitchFamily="34" charset="0"/>
+                <a:ea typeface="ＭＳ Ｐゴシック" panose="020B0600070205080204" pitchFamily="34" charset="-128"/>
+              </a:defRPr>
+            </a:lvl6pPr>
+            <a:lvl7pPr marL="2971800" indent="-228600" eaLnBrk="0" fontAlgn="base" hangingPunct="0">
+              <a:spcBef>
+                <a:spcPct val="0"/>
+              </a:spcBef>
+              <a:spcAft>
+                <a:spcPct val="0"/>
+              </a:spcAft>
+              <a:defRPr>
+                <a:solidFill>
+                  <a:schemeClr val="tx1"/>
+                </a:solidFill>
+                <a:latin typeface="Arial" panose="020B0604020202020204" pitchFamily="34" charset="0"/>
+                <a:ea typeface="ＭＳ Ｐゴシック" panose="020B0600070205080204" pitchFamily="34" charset="-128"/>
+              </a:defRPr>
+            </a:lvl7pPr>
+            <a:lvl8pPr marL="3429000" indent="-228600" eaLnBrk="0" fontAlgn="base" hangingPunct="0">
+              <a:spcBef>
+                <a:spcPct val="0"/>
+              </a:spcBef>
+              <a:spcAft>
+                <a:spcPct val="0"/>
+              </a:spcAft>
+              <a:defRPr>
+                <a:solidFill>
+                  <a:schemeClr val="tx1"/>
+                </a:solidFill>
+                <a:latin typeface="Arial" panose="020B0604020202020204" pitchFamily="34" charset="0"/>
+                <a:ea typeface="ＭＳ Ｐゴシック" panose="020B0600070205080204" pitchFamily="34" charset="-128"/>
+              </a:defRPr>
+            </a:lvl8pPr>
+            <a:lvl9pPr marL="3886200" indent="-228600" eaLnBrk="0" fontAlgn="base" hangingPunct="0">
+              <a:spcBef>
+                <a:spcPct val="0"/>
+              </a:spcBef>
+              <a:spcAft>
+                <a:spcPct val="0"/>
+              </a:spcAft>
+              <a:defRPr>
+                <a:solidFill>
+                  <a:schemeClr val="tx1"/>
+                </a:solidFill>
+                <a:latin typeface="Arial" panose="020B0604020202020204" pitchFamily="34" charset="0"/>
+                <a:ea typeface="ＭＳ Ｐゴシック" panose="020B0600070205080204" pitchFamily="34" charset="-128"/>
+              </a:defRPr>
+            </a:lvl9pPr>
+          </a:lstStyle>
+          <a:p>
+            <a:pPr eaLnBrk="1" hangingPunct="1"/>
+            <a:endParaRPr lang="en-US" altLang="en-US"/>
+          </a:p>
+        </p:txBody>
+      </p:sp>
+      <p:sp>
+        <p:nvSpPr>
+          <p:cNvPr id="48" name="Oval 670">
+            <a:extLst>
+              <a:ext uri="{FF2B5EF4-FFF2-40B4-BE49-F238E27FC236}">
+                <a16:creationId xmlns:a16="http://schemas.microsoft.com/office/drawing/2014/main" id="{ED92606B-9EA1-41AD-93D3-BB74D0F510D7}"/>
+              </a:ext>
+            </a:extLst>
+          </p:cNvPr>
+          <p:cNvSpPr>
+            <a:spLocks noChangeArrowheads="1"/>
+          </p:cNvSpPr>
+          <p:nvPr/>
+        </p:nvSpPr>
+        <p:spPr bwMode="auto">
+          <a:xfrm flipH="1">
+            <a:off x="3017598" y="5231607"/>
+            <a:ext cx="211138" cy="230188"/>
+          </a:xfrm>
+          <a:prstGeom prst="ellipse">
+            <a:avLst/>
+          </a:prstGeom>
+          <a:solidFill>
+            <a:srgbClr val="00CCFF"/>
+          </a:solidFill>
+          <a:ln w="9525">
+            <a:solidFill>
+              <a:schemeClr val="tx1"/>
+            </a:solidFill>
+            <a:round/>
+            <a:headEnd/>
+            <a:tailEnd/>
+          </a:ln>
+        </p:spPr>
+        <p:txBody>
+          <a:bodyPr wrap="none" anchor="ctr"/>
+          <a:lstStyle>
+            <a:lvl1pPr eaLnBrk="0" hangingPunct="0">
+              <a:defRPr>
+                <a:solidFill>
+                  <a:schemeClr val="tx1"/>
+                </a:solidFill>
+                <a:latin typeface="Arial" panose="020B0604020202020204" pitchFamily="34" charset="0"/>
+                <a:ea typeface="ＭＳ Ｐゴシック" panose="020B0600070205080204" pitchFamily="34" charset="-128"/>
+              </a:defRPr>
+            </a:lvl1pPr>
+            <a:lvl2pPr marL="742950" indent="-285750" eaLnBrk="0" hangingPunct="0">
+              <a:defRPr>
+                <a:solidFill>
+                  <a:schemeClr val="tx1"/>
+                </a:solidFill>
+                <a:latin typeface="Arial" panose="020B0604020202020204" pitchFamily="34" charset="0"/>
+                <a:ea typeface="ＭＳ Ｐゴシック" panose="020B0600070205080204" pitchFamily="34" charset="-128"/>
+              </a:defRPr>
+            </a:lvl2pPr>
+            <a:lvl3pPr marL="1143000" indent="-228600" eaLnBrk="0" hangingPunct="0">
+              <a:defRPr>
+                <a:solidFill>
+                  <a:schemeClr val="tx1"/>
+                </a:solidFill>
+                <a:latin typeface="Arial" panose="020B0604020202020204" pitchFamily="34" charset="0"/>
+                <a:ea typeface="ＭＳ Ｐゴシック" panose="020B0600070205080204" pitchFamily="34" charset="-128"/>
+              </a:defRPr>
+            </a:lvl3pPr>
+            <a:lvl4pPr marL="1600200" indent="-228600" eaLnBrk="0" hangingPunct="0">
+              <a:defRPr>
+                <a:solidFill>
+                  <a:schemeClr val="tx1"/>
+                </a:solidFill>
+                <a:latin typeface="Arial" panose="020B0604020202020204" pitchFamily="34" charset="0"/>
+                <a:ea typeface="ＭＳ Ｐゴシック" panose="020B0600070205080204" pitchFamily="34" charset="-128"/>
+              </a:defRPr>
+            </a:lvl4pPr>
+            <a:lvl5pPr marL="2057400" indent="-228600" eaLnBrk="0" hangingPunct="0">
+              <a:defRPr>
+                <a:solidFill>
+                  <a:schemeClr val="tx1"/>
+                </a:solidFill>
+                <a:latin typeface="Arial" panose="020B0604020202020204" pitchFamily="34" charset="0"/>
+                <a:ea typeface="ＭＳ Ｐゴシック" panose="020B0600070205080204" pitchFamily="34" charset="-128"/>
+              </a:defRPr>
+            </a:lvl5pPr>
+            <a:lvl6pPr marL="2514600" indent="-228600" eaLnBrk="0" fontAlgn="base" hangingPunct="0">
+              <a:spcBef>
+                <a:spcPct val="0"/>
+              </a:spcBef>
+              <a:spcAft>
+                <a:spcPct val="0"/>
+              </a:spcAft>
+              <a:defRPr>
+                <a:solidFill>
+                  <a:schemeClr val="tx1"/>
+                </a:solidFill>
+                <a:latin typeface="Arial" panose="020B0604020202020204" pitchFamily="34" charset="0"/>
+                <a:ea typeface="ＭＳ Ｐゴシック" panose="020B0600070205080204" pitchFamily="34" charset="-128"/>
+              </a:defRPr>
+            </a:lvl6pPr>
+            <a:lvl7pPr marL="2971800" indent="-228600" eaLnBrk="0" fontAlgn="base" hangingPunct="0">
+              <a:spcBef>
+                <a:spcPct val="0"/>
+              </a:spcBef>
+              <a:spcAft>
+                <a:spcPct val="0"/>
+              </a:spcAft>
+              <a:defRPr>
+                <a:solidFill>
+                  <a:schemeClr val="tx1"/>
+                </a:solidFill>
+                <a:latin typeface="Arial" panose="020B0604020202020204" pitchFamily="34" charset="0"/>
+                <a:ea typeface="ＭＳ Ｐゴシック" panose="020B0600070205080204" pitchFamily="34" charset="-128"/>
+              </a:defRPr>
+            </a:lvl7pPr>
+            <a:lvl8pPr marL="3429000" indent="-228600" eaLnBrk="0" fontAlgn="base" hangingPunct="0">
+              <a:spcBef>
+                <a:spcPct val="0"/>
+              </a:spcBef>
+              <a:spcAft>
+                <a:spcPct val="0"/>
+              </a:spcAft>
+              <a:defRPr>
+                <a:solidFill>
+                  <a:schemeClr val="tx1"/>
+                </a:solidFill>
+                <a:latin typeface="Arial" panose="020B0604020202020204" pitchFamily="34" charset="0"/>
+                <a:ea typeface="ＭＳ Ｐゴシック" panose="020B0600070205080204" pitchFamily="34" charset="-128"/>
+              </a:defRPr>
+            </a:lvl8pPr>
+            <a:lvl9pPr marL="3886200" indent="-228600" eaLnBrk="0" fontAlgn="base" hangingPunct="0">
+              <a:spcBef>
+                <a:spcPct val="0"/>
+              </a:spcBef>
+              <a:spcAft>
+                <a:spcPct val="0"/>
+              </a:spcAft>
+              <a:defRPr>
+                <a:solidFill>
+                  <a:schemeClr val="tx1"/>
+                </a:solidFill>
+                <a:latin typeface="Arial" panose="020B0604020202020204" pitchFamily="34" charset="0"/>
+                <a:ea typeface="ＭＳ Ｐゴシック" panose="020B0600070205080204" pitchFamily="34" charset="-128"/>
+              </a:defRPr>
+            </a:lvl9pPr>
+          </a:lstStyle>
+          <a:p>
+            <a:pPr eaLnBrk="1" hangingPunct="1"/>
+            <a:endParaRPr lang="en-US" altLang="en-US"/>
+          </a:p>
+        </p:txBody>
+      </p:sp>
+      <p:sp>
+        <p:nvSpPr>
+          <p:cNvPr id="49" name="Oval 670">
+            <a:extLst>
+              <a:ext uri="{FF2B5EF4-FFF2-40B4-BE49-F238E27FC236}">
+                <a16:creationId xmlns:a16="http://schemas.microsoft.com/office/drawing/2014/main" id="{D996D2C9-52A4-49E6-8162-CFDE6F3821A9}"/>
+              </a:ext>
+            </a:extLst>
+          </p:cNvPr>
+          <p:cNvSpPr>
+            <a:spLocks noChangeArrowheads="1"/>
+          </p:cNvSpPr>
+          <p:nvPr/>
+        </p:nvSpPr>
+        <p:spPr bwMode="auto">
+          <a:xfrm flipH="1">
+            <a:off x="3278632" y="5221822"/>
+            <a:ext cx="211138" cy="230188"/>
+          </a:xfrm>
+          <a:prstGeom prst="ellipse">
+            <a:avLst/>
+          </a:prstGeom>
+          <a:solidFill>
+            <a:srgbClr val="00CCFF"/>
+          </a:solidFill>
+          <a:ln w="9525">
+            <a:solidFill>
+              <a:schemeClr val="tx1"/>
+            </a:solidFill>
+            <a:round/>
+            <a:headEnd/>
+            <a:tailEnd/>
+          </a:ln>
+        </p:spPr>
+        <p:txBody>
+          <a:bodyPr wrap="none" anchor="ctr"/>
+          <a:lstStyle>
+            <a:lvl1pPr eaLnBrk="0" hangingPunct="0">
+              <a:defRPr>
+                <a:solidFill>
+                  <a:schemeClr val="tx1"/>
+                </a:solidFill>
+                <a:latin typeface="Arial" panose="020B0604020202020204" pitchFamily="34" charset="0"/>
+                <a:ea typeface="ＭＳ Ｐゴシック" panose="020B0600070205080204" pitchFamily="34" charset="-128"/>
+              </a:defRPr>
+            </a:lvl1pPr>
+            <a:lvl2pPr marL="742950" indent="-285750" eaLnBrk="0" hangingPunct="0">
+              <a:defRPr>
+                <a:solidFill>
+                  <a:schemeClr val="tx1"/>
+                </a:solidFill>
+                <a:latin typeface="Arial" panose="020B0604020202020204" pitchFamily="34" charset="0"/>
+                <a:ea typeface="ＭＳ Ｐゴシック" panose="020B0600070205080204" pitchFamily="34" charset="-128"/>
+              </a:defRPr>
+            </a:lvl2pPr>
+            <a:lvl3pPr marL="1143000" indent="-228600" eaLnBrk="0" hangingPunct="0">
+              <a:defRPr>
+                <a:solidFill>
+                  <a:schemeClr val="tx1"/>
+                </a:solidFill>
+                <a:latin typeface="Arial" panose="020B0604020202020204" pitchFamily="34" charset="0"/>
+                <a:ea typeface="ＭＳ Ｐゴシック" panose="020B0600070205080204" pitchFamily="34" charset="-128"/>
+              </a:defRPr>
+            </a:lvl3pPr>
+            <a:lvl4pPr marL="1600200" indent="-228600" eaLnBrk="0" hangingPunct="0">
+              <a:defRPr>
+                <a:solidFill>
+                  <a:schemeClr val="tx1"/>
+                </a:solidFill>
+                <a:latin typeface="Arial" panose="020B0604020202020204" pitchFamily="34" charset="0"/>
+                <a:ea typeface="ＭＳ Ｐゴシック" panose="020B0600070205080204" pitchFamily="34" charset="-128"/>
+              </a:defRPr>
+            </a:lvl4pPr>
+            <a:lvl5pPr marL="2057400" indent="-228600" eaLnBrk="0" hangingPunct="0">
+              <a:defRPr>
+                <a:solidFill>
+                  <a:schemeClr val="tx1"/>
+                </a:solidFill>
+                <a:latin typeface="Arial" panose="020B0604020202020204" pitchFamily="34" charset="0"/>
+                <a:ea typeface="ＭＳ Ｐゴシック" panose="020B0600070205080204" pitchFamily="34" charset="-128"/>
+              </a:defRPr>
+            </a:lvl5pPr>
+            <a:lvl6pPr marL="2514600" indent="-228600" eaLnBrk="0" fontAlgn="base" hangingPunct="0">
+              <a:spcBef>
+                <a:spcPct val="0"/>
+              </a:spcBef>
+              <a:spcAft>
+                <a:spcPct val="0"/>
+              </a:spcAft>
+              <a:defRPr>
+                <a:solidFill>
+                  <a:schemeClr val="tx1"/>
+                </a:solidFill>
+                <a:latin typeface="Arial" panose="020B0604020202020204" pitchFamily="34" charset="0"/>
+                <a:ea typeface="ＭＳ Ｐゴシック" panose="020B0600070205080204" pitchFamily="34" charset="-128"/>
+              </a:defRPr>
+            </a:lvl6pPr>
+            <a:lvl7pPr marL="2971800" indent="-228600" eaLnBrk="0" fontAlgn="base" hangingPunct="0">
+              <a:spcBef>
+                <a:spcPct val="0"/>
+              </a:spcBef>
+              <a:spcAft>
+                <a:spcPct val="0"/>
+              </a:spcAft>
+              <a:defRPr>
+                <a:solidFill>
+                  <a:schemeClr val="tx1"/>
+                </a:solidFill>
+                <a:latin typeface="Arial" panose="020B0604020202020204" pitchFamily="34" charset="0"/>
+                <a:ea typeface="ＭＳ Ｐゴシック" panose="020B0600070205080204" pitchFamily="34" charset="-128"/>
+              </a:defRPr>
+            </a:lvl7pPr>
+            <a:lvl8pPr marL="3429000" indent="-228600" eaLnBrk="0" fontAlgn="base" hangingPunct="0">
+              <a:spcBef>
+                <a:spcPct val="0"/>
+              </a:spcBef>
+              <a:spcAft>
+                <a:spcPct val="0"/>
+              </a:spcAft>
+              <a:defRPr>
+                <a:solidFill>
+                  <a:schemeClr val="tx1"/>
+                </a:solidFill>
+                <a:latin typeface="Arial" panose="020B0604020202020204" pitchFamily="34" charset="0"/>
+                <a:ea typeface="ＭＳ Ｐゴシック" panose="020B0600070205080204" pitchFamily="34" charset="-128"/>
+              </a:defRPr>
+            </a:lvl8pPr>
+            <a:lvl9pPr marL="3886200" indent="-228600" eaLnBrk="0" fontAlgn="base" hangingPunct="0">
+              <a:spcBef>
+                <a:spcPct val="0"/>
+              </a:spcBef>
+              <a:spcAft>
+                <a:spcPct val="0"/>
+              </a:spcAft>
+              <a:defRPr>
+                <a:solidFill>
+                  <a:schemeClr val="tx1"/>
+                </a:solidFill>
+                <a:latin typeface="Arial" panose="020B0604020202020204" pitchFamily="34" charset="0"/>
+                <a:ea typeface="ＭＳ Ｐゴシック" panose="020B0600070205080204" pitchFamily="34" charset="-128"/>
+              </a:defRPr>
+            </a:lvl9pPr>
+          </a:lstStyle>
+          <a:p>
+            <a:pPr eaLnBrk="1" hangingPunct="1"/>
+            <a:endParaRPr lang="en-US" altLang="en-US"/>
+          </a:p>
+        </p:txBody>
+      </p:sp>
+      <p:sp>
+        <p:nvSpPr>
+          <p:cNvPr id="50" name="Oval 670">
+            <a:extLst>
+              <a:ext uri="{FF2B5EF4-FFF2-40B4-BE49-F238E27FC236}">
+                <a16:creationId xmlns:a16="http://schemas.microsoft.com/office/drawing/2014/main" id="{8D7DBF52-D584-4465-9898-B5D8EDF17A01}"/>
+              </a:ext>
+            </a:extLst>
+          </p:cNvPr>
+          <p:cNvSpPr>
+            <a:spLocks noChangeArrowheads="1"/>
+          </p:cNvSpPr>
+          <p:nvPr/>
+        </p:nvSpPr>
+        <p:spPr bwMode="auto">
+          <a:xfrm flipH="1">
+            <a:off x="3551737" y="5231607"/>
+            <a:ext cx="211138" cy="230188"/>
+          </a:xfrm>
+          <a:prstGeom prst="ellipse">
+            <a:avLst/>
+          </a:prstGeom>
+          <a:solidFill>
+            <a:srgbClr val="00CCFF"/>
+          </a:solidFill>
+          <a:ln w="9525">
+            <a:solidFill>
+              <a:schemeClr val="tx1"/>
+            </a:solidFill>
+            <a:round/>
+            <a:headEnd/>
+            <a:tailEnd/>
+          </a:ln>
+        </p:spPr>
+        <p:txBody>
+          <a:bodyPr wrap="none" anchor="ctr"/>
+          <a:lstStyle>
+            <a:lvl1pPr eaLnBrk="0" hangingPunct="0">
+              <a:defRPr>
+                <a:solidFill>
+                  <a:schemeClr val="tx1"/>
+                </a:solidFill>
+                <a:latin typeface="Arial" panose="020B0604020202020204" pitchFamily="34" charset="0"/>
+                <a:ea typeface="ＭＳ Ｐゴシック" panose="020B0600070205080204" pitchFamily="34" charset="-128"/>
+              </a:defRPr>
+            </a:lvl1pPr>
+            <a:lvl2pPr marL="742950" indent="-285750" eaLnBrk="0" hangingPunct="0">
+              <a:defRPr>
+                <a:solidFill>
+                  <a:schemeClr val="tx1"/>
+                </a:solidFill>
+                <a:latin typeface="Arial" panose="020B0604020202020204" pitchFamily="34" charset="0"/>
+                <a:ea typeface="ＭＳ Ｐゴシック" panose="020B0600070205080204" pitchFamily="34" charset="-128"/>
+              </a:defRPr>
+            </a:lvl2pPr>
+            <a:lvl3pPr marL="1143000" indent="-228600" eaLnBrk="0" hangingPunct="0">
+              <a:defRPr>
+                <a:solidFill>
+                  <a:schemeClr val="tx1"/>
+                </a:solidFill>
+                <a:latin typeface="Arial" panose="020B0604020202020204" pitchFamily="34" charset="0"/>
+                <a:ea typeface="ＭＳ Ｐゴシック" panose="020B0600070205080204" pitchFamily="34" charset="-128"/>
+              </a:defRPr>
+            </a:lvl3pPr>
+            <a:lvl4pPr marL="1600200" indent="-228600" eaLnBrk="0" hangingPunct="0">
+              <a:defRPr>
+                <a:solidFill>
+                  <a:schemeClr val="tx1"/>
+                </a:solidFill>
+                <a:latin typeface="Arial" panose="020B0604020202020204" pitchFamily="34" charset="0"/>
+                <a:ea typeface="ＭＳ Ｐゴシック" panose="020B0600070205080204" pitchFamily="34" charset="-128"/>
+              </a:defRPr>
+            </a:lvl4pPr>
+            <a:lvl5pPr marL="2057400" indent="-228600" eaLnBrk="0" hangingPunct="0">
+              <a:defRPr>
+                <a:solidFill>
+                  <a:schemeClr val="tx1"/>
+                </a:solidFill>
+                <a:latin typeface="Arial" panose="020B0604020202020204" pitchFamily="34" charset="0"/>
+                <a:ea typeface="ＭＳ Ｐゴシック" panose="020B0600070205080204" pitchFamily="34" charset="-128"/>
+              </a:defRPr>
+            </a:lvl5pPr>
+            <a:lvl6pPr marL="2514600" indent="-228600" eaLnBrk="0" fontAlgn="base" hangingPunct="0">
+              <a:spcBef>
+                <a:spcPct val="0"/>
+              </a:spcBef>
+              <a:spcAft>
+                <a:spcPct val="0"/>
+              </a:spcAft>
+              <a:defRPr>
+                <a:solidFill>
+                  <a:schemeClr val="tx1"/>
+                </a:solidFill>
+                <a:latin typeface="Arial" panose="020B0604020202020204" pitchFamily="34" charset="0"/>
+                <a:ea typeface="ＭＳ Ｐゴシック" panose="020B0600070205080204" pitchFamily="34" charset="-128"/>
+              </a:defRPr>
+            </a:lvl6pPr>
+            <a:lvl7pPr marL="2971800" indent="-228600" eaLnBrk="0" fontAlgn="base" hangingPunct="0">
+              <a:spcBef>
+                <a:spcPct val="0"/>
+              </a:spcBef>
+              <a:spcAft>
+                <a:spcPct val="0"/>
+              </a:spcAft>
+              <a:defRPr>
+                <a:solidFill>
+                  <a:schemeClr val="tx1"/>
+                </a:solidFill>
+                <a:latin typeface="Arial" panose="020B0604020202020204" pitchFamily="34" charset="0"/>
+                <a:ea typeface="ＭＳ Ｐゴシック" panose="020B0600070205080204" pitchFamily="34" charset="-128"/>
+              </a:defRPr>
+            </a:lvl7pPr>
+            <a:lvl8pPr marL="3429000" indent="-228600" eaLnBrk="0" fontAlgn="base" hangingPunct="0">
+              <a:spcBef>
+                <a:spcPct val="0"/>
+              </a:spcBef>
+              <a:spcAft>
+                <a:spcPct val="0"/>
+              </a:spcAft>
+              <a:defRPr>
+                <a:solidFill>
+                  <a:schemeClr val="tx1"/>
+                </a:solidFill>
+                <a:latin typeface="Arial" panose="020B0604020202020204" pitchFamily="34" charset="0"/>
+                <a:ea typeface="ＭＳ Ｐゴシック" panose="020B0600070205080204" pitchFamily="34" charset="-128"/>
+              </a:defRPr>
+            </a:lvl8pPr>
+            <a:lvl9pPr marL="3886200" indent="-228600" eaLnBrk="0" fontAlgn="base" hangingPunct="0">
+              <a:spcBef>
+                <a:spcPct val="0"/>
+              </a:spcBef>
+              <a:spcAft>
+                <a:spcPct val="0"/>
+              </a:spcAft>
+              <a:defRPr>
+                <a:solidFill>
+                  <a:schemeClr val="tx1"/>
+                </a:solidFill>
+                <a:latin typeface="Arial" panose="020B0604020202020204" pitchFamily="34" charset="0"/>
+                <a:ea typeface="ＭＳ Ｐゴシック" panose="020B0600070205080204" pitchFamily="34" charset="-128"/>
+              </a:defRPr>
+            </a:lvl9pPr>
+          </a:lstStyle>
+          <a:p>
+            <a:pPr eaLnBrk="1" hangingPunct="1"/>
+            <a:endParaRPr lang="en-US" altLang="en-US"/>
           </a:p>
         </p:txBody>
       </p:sp>
